--- a/.file/.doc/技术栈.pptx
+++ b/.file/.doc/技术栈.pptx
@@ -7,6 +7,11 @@
   <p:sldIdLst>
     <p:sldId id="256" r:id="rId2"/>
     <p:sldId id="257" r:id="rId3"/>
+    <p:sldId id="259" r:id="rId4"/>
+    <p:sldId id="261" r:id="rId5"/>
+    <p:sldId id="260" r:id="rId6"/>
+    <p:sldId id="262" r:id="rId7"/>
+    <p:sldId id="258" r:id="rId8"/>
   </p:sldIdLst>
   <p:sldSz cx="12192000" cy="6858000"/>
   <p:notesSz cx="6858000" cy="9144000"/>
@@ -260,7 +265,7 @@
           <a:p>
             <a:fld id="{A6BAE7DA-DBDD-4A60-B3F6-BE013A9F8236}" type="datetimeFigureOut">
               <a:rPr lang="zh-CN" altLang="en-US" smtClean="0"/>
-              <a:t>2020-04-16-Thu</a:t>
+              <a:t>2020-04-20-Mon</a:t>
             </a:fld>
             <a:endParaRPr lang="zh-CN" altLang="en-US"/>
           </a:p>
@@ -458,7 +463,7 @@
           <a:p>
             <a:fld id="{A6BAE7DA-DBDD-4A60-B3F6-BE013A9F8236}" type="datetimeFigureOut">
               <a:rPr lang="zh-CN" altLang="en-US" smtClean="0"/>
-              <a:t>2020-04-16-Thu</a:t>
+              <a:t>2020-04-20-Mon</a:t>
             </a:fld>
             <a:endParaRPr lang="zh-CN" altLang="en-US"/>
           </a:p>
@@ -666,7 +671,7 @@
           <a:p>
             <a:fld id="{A6BAE7DA-DBDD-4A60-B3F6-BE013A9F8236}" type="datetimeFigureOut">
               <a:rPr lang="zh-CN" altLang="en-US" smtClean="0"/>
-              <a:t>2020-04-16-Thu</a:t>
+              <a:t>2020-04-20-Mon</a:t>
             </a:fld>
             <a:endParaRPr lang="zh-CN" altLang="en-US"/>
           </a:p>
@@ -864,7 +869,7 @@
           <a:p>
             <a:fld id="{A6BAE7DA-DBDD-4A60-B3F6-BE013A9F8236}" type="datetimeFigureOut">
               <a:rPr lang="zh-CN" altLang="en-US" smtClean="0"/>
-              <a:t>2020-04-16-Thu</a:t>
+              <a:t>2020-04-20-Mon</a:t>
             </a:fld>
             <a:endParaRPr lang="zh-CN" altLang="en-US"/>
           </a:p>
@@ -1139,7 +1144,7 @@
           <a:p>
             <a:fld id="{A6BAE7DA-DBDD-4A60-B3F6-BE013A9F8236}" type="datetimeFigureOut">
               <a:rPr lang="zh-CN" altLang="en-US" smtClean="0"/>
-              <a:t>2020-04-16-Thu</a:t>
+              <a:t>2020-04-20-Mon</a:t>
             </a:fld>
             <a:endParaRPr lang="zh-CN" altLang="en-US"/>
           </a:p>
@@ -1404,7 +1409,7 @@
           <a:p>
             <a:fld id="{A6BAE7DA-DBDD-4A60-B3F6-BE013A9F8236}" type="datetimeFigureOut">
               <a:rPr lang="zh-CN" altLang="en-US" smtClean="0"/>
-              <a:t>2020-04-16-Thu</a:t>
+              <a:t>2020-04-20-Mon</a:t>
             </a:fld>
             <a:endParaRPr lang="zh-CN" altLang="en-US"/>
           </a:p>
@@ -1816,7 +1821,7 @@
           <a:p>
             <a:fld id="{A6BAE7DA-DBDD-4A60-B3F6-BE013A9F8236}" type="datetimeFigureOut">
               <a:rPr lang="zh-CN" altLang="en-US" smtClean="0"/>
-              <a:t>2020-04-16-Thu</a:t>
+              <a:t>2020-04-20-Mon</a:t>
             </a:fld>
             <a:endParaRPr lang="zh-CN" altLang="en-US"/>
           </a:p>
@@ -1957,7 +1962,7 @@
           <a:p>
             <a:fld id="{A6BAE7DA-DBDD-4A60-B3F6-BE013A9F8236}" type="datetimeFigureOut">
               <a:rPr lang="zh-CN" altLang="en-US" smtClean="0"/>
-              <a:t>2020-04-16-Thu</a:t>
+              <a:t>2020-04-20-Mon</a:t>
             </a:fld>
             <a:endParaRPr lang="zh-CN" altLang="en-US"/>
           </a:p>
@@ -2070,7 +2075,7 @@
           <a:p>
             <a:fld id="{A6BAE7DA-DBDD-4A60-B3F6-BE013A9F8236}" type="datetimeFigureOut">
               <a:rPr lang="zh-CN" altLang="en-US" smtClean="0"/>
-              <a:t>2020-04-16-Thu</a:t>
+              <a:t>2020-04-20-Mon</a:t>
             </a:fld>
             <a:endParaRPr lang="zh-CN" altLang="en-US"/>
           </a:p>
@@ -2381,7 +2386,7 @@
           <a:p>
             <a:fld id="{A6BAE7DA-DBDD-4A60-B3F6-BE013A9F8236}" type="datetimeFigureOut">
               <a:rPr lang="zh-CN" altLang="en-US" smtClean="0"/>
-              <a:t>2020-04-16-Thu</a:t>
+              <a:t>2020-04-20-Mon</a:t>
             </a:fld>
             <a:endParaRPr lang="zh-CN" altLang="en-US"/>
           </a:p>
@@ -2669,7 +2674,7 @@
           <a:p>
             <a:fld id="{A6BAE7DA-DBDD-4A60-B3F6-BE013A9F8236}" type="datetimeFigureOut">
               <a:rPr lang="zh-CN" altLang="en-US" smtClean="0"/>
-              <a:t>2020-04-16-Thu</a:t>
+              <a:t>2020-04-20-Mon</a:t>
             </a:fld>
             <a:endParaRPr lang="zh-CN" altLang="en-US"/>
           </a:p>
@@ -2910,7 +2915,7 @@
           <a:p>
             <a:fld id="{A6BAE7DA-DBDD-4A60-B3F6-BE013A9F8236}" type="datetimeFigureOut">
               <a:rPr lang="zh-CN" altLang="en-US" smtClean="0"/>
-              <a:t>2020-04-16-Thu</a:t>
+              <a:t>2020-04-20-Mon</a:t>
             </a:fld>
             <a:endParaRPr lang="zh-CN" altLang="en-US"/>
           </a:p>
@@ -3390,8 +3395,8 @@
         </p:blipFill>
         <p:spPr>
           <a:xfrm>
-            <a:off x="3083247" y="3825522"/>
-            <a:ext cx="2003138" cy="1260000"/>
+            <a:off x="2343772" y="4073926"/>
+            <a:ext cx="1608227" cy="1011596"/>
           </a:xfrm>
           <a:prstGeom prst="rect">
             <a:avLst/>
@@ -3426,8 +3431,8 @@
         </p:blipFill>
         <p:spPr>
           <a:xfrm>
-            <a:off x="319095" y="1572484"/>
-            <a:ext cx="1977448" cy="1152000"/>
+            <a:off x="319095" y="2064693"/>
+            <a:ext cx="1667554" cy="971465"/>
           </a:xfrm>
           <a:prstGeom prst="rect">
             <a:avLst/>
@@ -3462,7 +3467,7 @@
         </p:blipFill>
         <p:spPr>
           <a:xfrm>
-            <a:off x="8871727" y="2148484"/>
+            <a:off x="8871727" y="2504329"/>
             <a:ext cx="2880000" cy="1343505"/>
           </a:xfrm>
           <a:prstGeom prst="rect">
@@ -3498,8 +3503,8 @@
         </p:blipFill>
         <p:spPr>
           <a:xfrm>
-            <a:off x="303510" y="307801"/>
-            <a:ext cx="1852615" cy="1080000"/>
+            <a:off x="303510" y="1074454"/>
+            <a:ext cx="1558091" cy="908304"/>
           </a:xfrm>
           <a:prstGeom prst="rect">
             <a:avLst/>
@@ -3570,8 +3575,8 @@
         </p:blipFill>
         <p:spPr>
           <a:xfrm>
-            <a:off x="6565316" y="386313"/>
-            <a:ext cx="2562583" cy="1181265"/>
+            <a:off x="4490205" y="2342604"/>
+            <a:ext cx="2054289" cy="946958"/>
           </a:xfrm>
           <a:prstGeom prst="rect">
             <a:avLst/>
@@ -3678,8 +3683,8 @@
         </p:blipFill>
         <p:spPr>
           <a:xfrm>
-            <a:off x="2432152" y="296518"/>
-            <a:ext cx="2419688" cy="1667108"/>
+            <a:off x="2020415" y="1072913"/>
+            <a:ext cx="1667554" cy="1148905"/>
           </a:xfrm>
           <a:prstGeom prst="rect">
             <a:avLst/>
@@ -3713,8 +3718,8 @@
         </p:blipFill>
         <p:spPr>
           <a:xfrm>
-            <a:off x="10249621" y="3825522"/>
-            <a:ext cx="1502106" cy="1260000"/>
+            <a:off x="10394573" y="3947110"/>
+            <a:ext cx="1357154" cy="1138411"/>
           </a:xfrm>
           <a:prstGeom prst="rect">
             <a:avLst/>
@@ -3748,8 +3753,8 @@
         </p:blipFill>
         <p:spPr>
           <a:xfrm>
-            <a:off x="303510" y="3845244"/>
-            <a:ext cx="2430000" cy="1260000"/>
+            <a:off x="303510" y="4073926"/>
+            <a:ext cx="1988970" cy="1031318"/>
           </a:xfrm>
           <a:prstGeom prst="rect">
             <a:avLst/>
@@ -3783,7 +3788,7 @@
         </p:blipFill>
         <p:spPr>
           <a:xfrm>
-            <a:off x="5086384" y="409522"/>
+            <a:off x="3822644" y="1137006"/>
             <a:ext cx="1176658" cy="1155000"/>
           </a:xfrm>
           <a:prstGeom prst="rect">
@@ -3818,8 +3823,8 @@
         </p:blipFill>
         <p:spPr bwMode="auto">
           <a:xfrm>
-            <a:off x="9231727" y="1210570"/>
-            <a:ext cx="2520000" cy="693582"/>
+            <a:off x="2659374" y="3418314"/>
+            <a:ext cx="1921281" cy="528796"/>
           </a:xfrm>
           <a:prstGeom prst="rect">
             <a:avLst/>
@@ -3865,8 +3870,8 @@
         </p:blipFill>
         <p:spPr bwMode="auto">
           <a:xfrm>
-            <a:off x="9231727" y="391697"/>
-            <a:ext cx="2520000" cy="783139"/>
+            <a:off x="6544494" y="1109824"/>
+            <a:ext cx="2185773" cy="679271"/>
           </a:xfrm>
           <a:prstGeom prst="rect">
             <a:avLst/>
@@ -3912,8 +3917,8 @@
         </p:blipFill>
         <p:spPr bwMode="auto">
           <a:xfrm>
-            <a:off x="5627118" y="3661969"/>
-            <a:ext cx="2329090" cy="1260000"/>
+            <a:off x="3998538" y="4084869"/>
+            <a:ext cx="1892199" cy="1023649"/>
           </a:xfrm>
           <a:prstGeom prst="rect">
             <a:avLst/>
@@ -3957,8 +3962,8 @@
         </p:blipFill>
         <p:spPr bwMode="auto">
           <a:xfrm>
-            <a:off x="303510" y="2753877"/>
-            <a:ext cx="2684218" cy="1080000"/>
+            <a:off x="303510" y="3247989"/>
+            <a:ext cx="2268937" cy="912911"/>
           </a:xfrm>
           <a:prstGeom prst="rect">
             <a:avLst/>
@@ -4002,8 +4007,8 @@
         </p:blipFill>
         <p:spPr bwMode="auto">
           <a:xfrm>
-            <a:off x="3227424" y="2074628"/>
-            <a:ext cx="2520000" cy="1590643"/>
+            <a:off x="10084173" y="1067755"/>
+            <a:ext cx="1667554" cy="1052573"/>
           </a:xfrm>
           <a:prstGeom prst="rect">
             <a:avLst/>
@@ -4049,8 +4054,8 @@
         </p:blipFill>
         <p:spPr bwMode="auto">
           <a:xfrm>
-            <a:off x="5793617" y="1826377"/>
-            <a:ext cx="2520000" cy="1308462"/>
+            <a:off x="4824138" y="3331865"/>
+            <a:ext cx="1697280" cy="881280"/>
           </a:xfrm>
           <a:prstGeom prst="rect">
             <a:avLst/>
@@ -4094,8 +4099,8 @@
         </p:blipFill>
         <p:spPr bwMode="auto">
           <a:xfrm>
-            <a:off x="8140101" y="3825522"/>
-            <a:ext cx="1925626" cy="1260000"/>
+            <a:off x="8735054" y="4032116"/>
+            <a:ext cx="1609892" cy="1053405"/>
           </a:xfrm>
           <a:prstGeom prst="rect">
             <a:avLst/>
@@ -4110,6 +4115,1200 @@
               </a14:hiddenFill>
             </a:ext>
           </a:extLst>
+        </p:spPr>
+      </p:pic>
+      <p:pic>
+        <p:nvPicPr>
+          <p:cNvPr id="2050" name="Picture 2" descr="ロシア検索エンジン最大手のYandex社、日本初『ClickHouse Meetup』を ...">
+            <a:extLst>
+              <a:ext uri="{FF2B5EF4-FFF2-40B4-BE49-F238E27FC236}">
+                <a16:creationId xmlns:a16="http://schemas.microsoft.com/office/drawing/2014/main" id="{1D190A19-98A5-4607-9A9A-44CD0764C7FD}"/>
+              </a:ext>
+            </a:extLst>
+          </p:cNvPr>
+          <p:cNvPicPr>
+            <a:picLocks noChangeAspect="1" noChangeArrowheads="1"/>
+          </p:cNvPicPr>
+          <p:nvPr/>
+        </p:nvPicPr>
+        <p:blipFill>
+          <a:blip r:embed="rId22">
+            <a:extLst>
+              <a:ext uri="{28A0092B-C50C-407E-A947-70E740481C1C}">
+                <a14:useLocalDpi xmlns:a14="http://schemas.microsoft.com/office/drawing/2010/main" val="0"/>
+              </a:ext>
+            </a:extLst>
+          </a:blip>
+          <a:srcRect/>
+          <a:stretch>
+            <a:fillRect/>
+          </a:stretch>
+        </p:blipFill>
+        <p:spPr bwMode="auto">
+          <a:xfrm>
+            <a:off x="6246593" y="4160901"/>
+            <a:ext cx="2338514" cy="988022"/>
+          </a:xfrm>
+          <a:prstGeom prst="rect">
+            <a:avLst/>
+          </a:prstGeom>
+          <a:noFill/>
+          <a:extLst>
+            <a:ext uri="{909E8E84-426E-40DD-AFC4-6F175D3DCCD1}">
+              <a14:hiddenFill xmlns:a14="http://schemas.microsoft.com/office/drawing/2010/main">
+                <a:solidFill>
+                  <a:srgbClr val="FFFFFF"/>
+                </a:solidFill>
+              </a14:hiddenFill>
+            </a:ext>
+          </a:extLst>
+        </p:spPr>
+      </p:pic>
+      <p:grpSp>
+        <p:nvGrpSpPr>
+          <p:cNvPr id="40" name="组合 39">
+            <a:extLst>
+              <a:ext uri="{FF2B5EF4-FFF2-40B4-BE49-F238E27FC236}">
+                <a16:creationId xmlns:a16="http://schemas.microsoft.com/office/drawing/2014/main" id="{54840121-1149-4516-9F8D-44A83295D356}"/>
+              </a:ext>
+            </a:extLst>
+          </p:cNvPr>
+          <p:cNvGrpSpPr/>
+          <p:nvPr/>
+        </p:nvGrpSpPr>
+        <p:grpSpPr>
+          <a:xfrm>
+            <a:off x="4415199" y="27030"/>
+            <a:ext cx="3284562" cy="995964"/>
+            <a:chOff x="3267480" y="2587016"/>
+            <a:chExt cx="5580000" cy="1692000"/>
+          </a:xfrm>
+        </p:grpSpPr>
+        <p:sp>
+          <p:nvSpPr>
+            <p:cNvPr id="41" name="矩形 40">
+              <a:extLst>
+                <a:ext uri="{FF2B5EF4-FFF2-40B4-BE49-F238E27FC236}">
+                  <a16:creationId xmlns:a16="http://schemas.microsoft.com/office/drawing/2014/main" id="{986012B5-73D4-4611-BDC7-A68B2E7219D1}"/>
+                </a:ext>
+              </a:extLst>
+            </p:cNvPr>
+            <p:cNvSpPr/>
+            <p:nvPr/>
+          </p:nvSpPr>
+          <p:spPr>
+            <a:xfrm>
+              <a:off x="3267480" y="2587016"/>
+              <a:ext cx="5580000" cy="1692000"/>
+            </a:xfrm>
+            <a:prstGeom prst="rect">
+              <a:avLst/>
+            </a:prstGeom>
+            <a:solidFill>
+              <a:srgbClr val="000000"/>
+            </a:solidFill>
+            <a:ln>
+              <a:noFill/>
+            </a:ln>
+          </p:spPr>
+          <p:style>
+            <a:lnRef idx="2">
+              <a:schemeClr val="accent1">
+                <a:shade val="50000"/>
+              </a:schemeClr>
+            </a:lnRef>
+            <a:fillRef idx="1">
+              <a:schemeClr val="accent1"/>
+            </a:fillRef>
+            <a:effectRef idx="0">
+              <a:schemeClr val="accent1"/>
+            </a:effectRef>
+            <a:fontRef idx="minor">
+              <a:schemeClr val="lt1"/>
+            </a:fontRef>
+          </p:style>
+          <p:txBody>
+            <a:bodyPr rtlCol="0" anchor="ctr"/>
+            <a:lstStyle/>
+            <a:p>
+              <a:pPr algn="ctr"/>
+              <a:endParaRPr lang="zh-CN" altLang="en-US"/>
+            </a:p>
+          </p:txBody>
+        </p:sp>
+        <p:pic>
+          <p:nvPicPr>
+            <p:cNvPr id="42" name="图片 41">
+              <a:extLst>
+                <a:ext uri="{FF2B5EF4-FFF2-40B4-BE49-F238E27FC236}">
+                  <a16:creationId xmlns:a16="http://schemas.microsoft.com/office/drawing/2014/main" id="{A5E5F58B-6E34-45DC-8280-1EBC312E1958}"/>
+                </a:ext>
+              </a:extLst>
+            </p:cNvPr>
+            <p:cNvPicPr>
+              <a:picLocks noChangeAspect="1"/>
+            </p:cNvPicPr>
+            <p:nvPr/>
+          </p:nvPicPr>
+          <p:blipFill>
+            <a:blip r:embed="rId23"/>
+            <a:stretch>
+              <a:fillRect/>
+            </a:stretch>
+          </p:blipFill>
+          <p:spPr>
+            <a:xfrm>
+              <a:off x="3267481" y="2595562"/>
+              <a:ext cx="4591050" cy="1666875"/>
+            </a:xfrm>
+            <a:prstGeom prst="rect">
+              <a:avLst/>
+            </a:prstGeom>
+          </p:spPr>
+        </p:pic>
+        <p:grpSp>
+          <p:nvGrpSpPr>
+            <p:cNvPr id="43" name="组合 42">
+              <a:extLst>
+                <a:ext uri="{FF2B5EF4-FFF2-40B4-BE49-F238E27FC236}">
+                  <a16:creationId xmlns:a16="http://schemas.microsoft.com/office/drawing/2014/main" id="{CBD8B638-A901-44BB-9336-19065A5A313F}"/>
+                </a:ext>
+              </a:extLst>
+            </p:cNvPr>
+            <p:cNvGrpSpPr/>
+            <p:nvPr/>
+          </p:nvGrpSpPr>
+          <p:grpSpPr>
+            <a:xfrm>
+              <a:off x="7622445" y="2847482"/>
+              <a:ext cx="1161333" cy="1161448"/>
+              <a:chOff x="4296000" y="1629000"/>
+              <a:chExt cx="3600000" cy="3600356"/>
+            </a:xfrm>
+          </p:grpSpPr>
+          <p:sp>
+            <p:nvSpPr>
+              <p:cNvPr id="44" name="正圆主体">
+                <a:extLst>
+                  <a:ext uri="{FF2B5EF4-FFF2-40B4-BE49-F238E27FC236}">
+                    <a16:creationId xmlns:a16="http://schemas.microsoft.com/office/drawing/2014/main" id="{F7923522-D6DF-421C-A631-A3E06ACAB7D3}"/>
+                  </a:ext>
+                </a:extLst>
+              </p:cNvPr>
+              <p:cNvSpPr>
+                <a:spLocks noChangeAspect="1"/>
+              </p:cNvSpPr>
+              <p:nvPr/>
+            </p:nvSpPr>
+            <p:spPr>
+              <a:xfrm>
+                <a:off x="4296000" y="1629000"/>
+                <a:ext cx="3600000" cy="3600000"/>
+              </a:xfrm>
+              <a:prstGeom prst="ellipse">
+                <a:avLst/>
+              </a:prstGeom>
+              <a:solidFill>
+                <a:srgbClr val="00B050"/>
+              </a:solidFill>
+              <a:ln>
+                <a:noFill/>
+              </a:ln>
+            </p:spPr>
+            <p:style>
+              <a:lnRef idx="2">
+                <a:schemeClr val="accent1">
+                  <a:shade val="50000"/>
+                </a:schemeClr>
+              </a:lnRef>
+              <a:fillRef idx="1">
+                <a:schemeClr val="accent1"/>
+              </a:fillRef>
+              <a:effectRef idx="0">
+                <a:schemeClr val="accent1"/>
+              </a:effectRef>
+              <a:fontRef idx="minor">
+                <a:schemeClr val="lt1"/>
+              </a:fontRef>
+            </p:style>
+            <p:txBody>
+              <a:bodyPr rtlCol="0" anchor="ctr"/>
+              <a:lstStyle/>
+              <a:p>
+                <a:pPr algn="ctr"/>
+                <a:endParaRPr lang="zh-CN" altLang="en-US"/>
+              </a:p>
+            </p:txBody>
+          </p:sp>
+          <p:sp>
+            <p:nvSpPr>
+              <p:cNvPr id="45" name="任意多边形: 形状 44">
+                <a:extLst>
+                  <a:ext uri="{FF2B5EF4-FFF2-40B4-BE49-F238E27FC236}">
+                    <a16:creationId xmlns:a16="http://schemas.microsoft.com/office/drawing/2014/main" id="{931BAC98-44B0-4AA6-9153-E73B1C8EFFF0}"/>
+                  </a:ext>
+                </a:extLst>
+              </p:cNvPr>
+              <p:cNvSpPr>
+                <a:spLocks noChangeAspect="1"/>
+              </p:cNvSpPr>
+              <p:nvPr/>
+            </p:nvSpPr>
+            <p:spPr>
+              <a:xfrm>
+                <a:off x="4842333" y="3523141"/>
+                <a:ext cx="2507334" cy="1134584"/>
+              </a:xfrm>
+              <a:custGeom>
+                <a:avLst/>
+                <a:gdLst>
+                  <a:gd name="connsiteX0" fmla="*/ 1253667 w 2507334"/>
+                  <a:gd name="connsiteY0" fmla="*/ 0 h 1134584"/>
+                  <a:gd name="connsiteX1" fmla="*/ 2507162 w 2507334"/>
+                  <a:gd name="connsiteY1" fmla="*/ 1131173 h 1134584"/>
+                  <a:gd name="connsiteX2" fmla="*/ 2507334 w 2507334"/>
+                  <a:gd name="connsiteY2" fmla="*/ 1134584 h 1134584"/>
+                  <a:gd name="connsiteX3" fmla="*/ 0 w 2507334"/>
+                  <a:gd name="connsiteY3" fmla="*/ 1134584 h 1134584"/>
+                  <a:gd name="connsiteX4" fmla="*/ 173 w 2507334"/>
+                  <a:gd name="connsiteY4" fmla="*/ 1131173 h 1134584"/>
+                  <a:gd name="connsiteX5" fmla="*/ 1253667 w 2507334"/>
+                  <a:gd name="connsiteY5" fmla="*/ 0 h 1134584"/>
+                </a:gdLst>
+                <a:ahLst/>
+                <a:cxnLst>
+                  <a:cxn ang="0">
+                    <a:pos x="connsiteX0" y="connsiteY0"/>
+                  </a:cxn>
+                  <a:cxn ang="0">
+                    <a:pos x="connsiteX1" y="connsiteY1"/>
+                  </a:cxn>
+                  <a:cxn ang="0">
+                    <a:pos x="connsiteX2" y="connsiteY2"/>
+                  </a:cxn>
+                  <a:cxn ang="0">
+                    <a:pos x="connsiteX3" y="connsiteY3"/>
+                  </a:cxn>
+                  <a:cxn ang="0">
+                    <a:pos x="connsiteX4" y="connsiteY4"/>
+                  </a:cxn>
+                  <a:cxn ang="0">
+                    <a:pos x="connsiteX5" y="connsiteY5"/>
+                  </a:cxn>
+                </a:cxnLst>
+                <a:rect l="l" t="t" r="r" b="b"/>
+                <a:pathLst>
+                  <a:path w="2507334" h="1134584">
+                    <a:moveTo>
+                      <a:pt x="1253667" y="0"/>
+                    </a:moveTo>
+                    <a:cubicBezTo>
+                      <a:pt x="1906054" y="0"/>
+                      <a:pt x="2442637" y="495810"/>
+                      <a:pt x="2507162" y="1131173"/>
+                    </a:cubicBezTo>
+                    <a:lnTo>
+                      <a:pt x="2507334" y="1134584"/>
+                    </a:lnTo>
+                    <a:lnTo>
+                      <a:pt x="0" y="1134584"/>
+                    </a:lnTo>
+                    <a:lnTo>
+                      <a:pt x="173" y="1131173"/>
+                    </a:lnTo>
+                    <a:cubicBezTo>
+                      <a:pt x="64697" y="495810"/>
+                      <a:pt x="601281" y="0"/>
+                      <a:pt x="1253667" y="0"/>
+                    </a:cubicBezTo>
+                    <a:close/>
+                  </a:path>
+                </a:pathLst>
+              </a:custGeom>
+              <a:solidFill>
+                <a:schemeClr val="bg1"/>
+              </a:solidFill>
+              <a:ln>
+                <a:noFill/>
+              </a:ln>
+            </p:spPr>
+            <p:style>
+              <a:lnRef idx="2">
+                <a:schemeClr val="accent1">
+                  <a:shade val="50000"/>
+                </a:schemeClr>
+              </a:lnRef>
+              <a:fillRef idx="1">
+                <a:schemeClr val="accent1"/>
+              </a:fillRef>
+              <a:effectRef idx="0">
+                <a:schemeClr val="accent1"/>
+              </a:effectRef>
+              <a:fontRef idx="minor">
+                <a:schemeClr val="lt1"/>
+              </a:fontRef>
+            </p:style>
+            <p:txBody>
+              <a:bodyPr wrap="square" rtlCol="0" anchor="ctr">
+                <a:noAutofit/>
+              </a:bodyPr>
+              <a:lstStyle/>
+              <a:p>
+                <a:pPr algn="ctr"/>
+                <a:endParaRPr lang="zh-CN" altLang="en-US"/>
+              </a:p>
+            </p:txBody>
+          </p:sp>
+          <p:sp>
+            <p:nvSpPr>
+              <p:cNvPr id="46" name="任意多边形: 形状 45">
+                <a:extLst>
+                  <a:ext uri="{FF2B5EF4-FFF2-40B4-BE49-F238E27FC236}">
+                    <a16:creationId xmlns:a16="http://schemas.microsoft.com/office/drawing/2014/main" id="{3778392E-62A2-4BC7-A7B8-EF1BC5640B3E}"/>
+                  </a:ext>
+                </a:extLst>
+              </p:cNvPr>
+              <p:cNvSpPr>
+                <a:spLocks noChangeAspect="1"/>
+              </p:cNvSpPr>
+              <p:nvPr/>
+            </p:nvSpPr>
+            <p:spPr>
+              <a:xfrm>
+                <a:off x="5196000" y="3911832"/>
+                <a:ext cx="1800000" cy="1317524"/>
+              </a:xfrm>
+              <a:custGeom>
+                <a:avLst/>
+                <a:gdLst>
+                  <a:gd name="connsiteX0" fmla="*/ 900000 w 1800000"/>
+                  <a:gd name="connsiteY0" fmla="*/ 0 h 1317524"/>
+                  <a:gd name="connsiteX1" fmla="*/ 1800000 w 1800000"/>
+                  <a:gd name="connsiteY1" fmla="*/ 900000 h 1317524"/>
+                  <a:gd name="connsiteX2" fmla="*/ 1781715 w 1800000"/>
+                  <a:gd name="connsiteY2" fmla="*/ 1081381 h 1317524"/>
+                  <a:gd name="connsiteX3" fmla="*/ 1779250 w 1800000"/>
+                  <a:gd name="connsiteY3" fmla="*/ 1090969 h 1317524"/>
+                  <a:gd name="connsiteX4" fmla="*/ 1763934 w 1800000"/>
+                  <a:gd name="connsiteY4" fmla="*/ 1100274 h 1317524"/>
+                  <a:gd name="connsiteX5" fmla="*/ 905947 w 1800000"/>
+                  <a:gd name="connsiteY5" fmla="*/ 1317524 h 1317524"/>
+                  <a:gd name="connsiteX6" fmla="*/ 47960 w 1800000"/>
+                  <a:gd name="connsiteY6" fmla="*/ 1100274 h 1317524"/>
+                  <a:gd name="connsiteX7" fmla="*/ 18549 w 1800000"/>
+                  <a:gd name="connsiteY7" fmla="*/ 1082406 h 1317524"/>
+                  <a:gd name="connsiteX8" fmla="*/ 18285 w 1800000"/>
+                  <a:gd name="connsiteY8" fmla="*/ 1081381 h 1317524"/>
+                  <a:gd name="connsiteX9" fmla="*/ 0 w 1800000"/>
+                  <a:gd name="connsiteY9" fmla="*/ 900000 h 1317524"/>
+                  <a:gd name="connsiteX10" fmla="*/ 900000 w 1800000"/>
+                  <a:gd name="connsiteY10" fmla="*/ 0 h 1317524"/>
+                </a:gdLst>
+                <a:ahLst/>
+                <a:cxnLst>
+                  <a:cxn ang="0">
+                    <a:pos x="connsiteX0" y="connsiteY0"/>
+                  </a:cxn>
+                  <a:cxn ang="0">
+                    <a:pos x="connsiteX1" y="connsiteY1"/>
+                  </a:cxn>
+                  <a:cxn ang="0">
+                    <a:pos x="connsiteX2" y="connsiteY2"/>
+                  </a:cxn>
+                  <a:cxn ang="0">
+                    <a:pos x="connsiteX3" y="connsiteY3"/>
+                  </a:cxn>
+                  <a:cxn ang="0">
+                    <a:pos x="connsiteX4" y="connsiteY4"/>
+                  </a:cxn>
+                  <a:cxn ang="0">
+                    <a:pos x="connsiteX5" y="connsiteY5"/>
+                  </a:cxn>
+                  <a:cxn ang="0">
+                    <a:pos x="connsiteX6" y="connsiteY6"/>
+                  </a:cxn>
+                  <a:cxn ang="0">
+                    <a:pos x="connsiteX7" y="connsiteY7"/>
+                  </a:cxn>
+                  <a:cxn ang="0">
+                    <a:pos x="connsiteX8" y="connsiteY8"/>
+                  </a:cxn>
+                  <a:cxn ang="0">
+                    <a:pos x="connsiteX9" y="connsiteY9"/>
+                  </a:cxn>
+                  <a:cxn ang="0">
+                    <a:pos x="connsiteX10" y="connsiteY10"/>
+                  </a:cxn>
+                </a:cxnLst>
+                <a:rect l="l" t="t" r="r" b="b"/>
+                <a:pathLst>
+                  <a:path w="1800000" h="1317524">
+                    <a:moveTo>
+                      <a:pt x="900000" y="0"/>
+                    </a:moveTo>
+                    <a:cubicBezTo>
+                      <a:pt x="1397056" y="0"/>
+                      <a:pt x="1800000" y="402944"/>
+                      <a:pt x="1800000" y="900000"/>
+                    </a:cubicBezTo>
+                    <a:cubicBezTo>
+                      <a:pt x="1800000" y="962132"/>
+                      <a:pt x="1793704" y="1022794"/>
+                      <a:pt x="1781715" y="1081381"/>
+                    </a:cubicBezTo>
+                    <a:lnTo>
+                      <a:pt x="1779250" y="1090969"/>
+                    </a:lnTo>
+                    <a:lnTo>
+                      <a:pt x="1763934" y="1100274"/>
+                    </a:lnTo>
+                    <a:cubicBezTo>
+                      <a:pt x="1508886" y="1238824"/>
+                      <a:pt x="1216608" y="1317524"/>
+                      <a:pt x="905947" y="1317524"/>
+                    </a:cubicBezTo>
+                    <a:cubicBezTo>
+                      <a:pt x="595287" y="1317524"/>
+                      <a:pt x="303008" y="1238824"/>
+                      <a:pt x="47960" y="1100274"/>
+                    </a:cubicBezTo>
+                    <a:lnTo>
+                      <a:pt x="18549" y="1082406"/>
+                    </a:lnTo>
+                    <a:lnTo>
+                      <a:pt x="18285" y="1081381"/>
+                    </a:lnTo>
+                    <a:cubicBezTo>
+                      <a:pt x="6296" y="1022794"/>
+                      <a:pt x="0" y="962132"/>
+                      <a:pt x="0" y="900000"/>
+                    </a:cubicBezTo>
+                    <a:cubicBezTo>
+                      <a:pt x="0" y="402944"/>
+                      <a:pt x="402944" y="0"/>
+                      <a:pt x="900000" y="0"/>
+                    </a:cubicBezTo>
+                    <a:close/>
+                  </a:path>
+                </a:pathLst>
+              </a:custGeom>
+              <a:solidFill>
+                <a:srgbClr val="00B050"/>
+              </a:solidFill>
+              <a:ln>
+                <a:noFill/>
+              </a:ln>
+            </p:spPr>
+            <p:style>
+              <a:lnRef idx="2">
+                <a:schemeClr val="accent1">
+                  <a:shade val="50000"/>
+                </a:schemeClr>
+              </a:lnRef>
+              <a:fillRef idx="1">
+                <a:schemeClr val="accent1"/>
+              </a:fillRef>
+              <a:effectRef idx="0">
+                <a:schemeClr val="accent1"/>
+              </a:effectRef>
+              <a:fontRef idx="minor">
+                <a:schemeClr val="lt1"/>
+              </a:fontRef>
+            </p:style>
+            <p:txBody>
+              <a:bodyPr wrap="square" rtlCol="0" anchor="ctr">
+                <a:noAutofit/>
+              </a:bodyPr>
+              <a:lstStyle/>
+              <a:p>
+                <a:pPr algn="ctr"/>
+                <a:endParaRPr lang="zh-CN" altLang="en-US"/>
+              </a:p>
+            </p:txBody>
+          </p:sp>
+          <p:sp>
+            <p:nvSpPr>
+              <p:cNvPr id="47" name="任意多边形: 形状 46">
+                <a:extLst>
+                  <a:ext uri="{FF2B5EF4-FFF2-40B4-BE49-F238E27FC236}">
+                    <a16:creationId xmlns:a16="http://schemas.microsoft.com/office/drawing/2014/main" id="{7723A621-855E-45DB-9F99-C20FD7D0A8D1}"/>
+                  </a:ext>
+                </a:extLst>
+              </p:cNvPr>
+              <p:cNvSpPr>
+                <a:spLocks noChangeAspect="1"/>
+              </p:cNvSpPr>
+              <p:nvPr/>
+            </p:nvSpPr>
+            <p:spPr>
+              <a:xfrm>
+                <a:off x="4849870" y="2251943"/>
+                <a:ext cx="2492260" cy="1082916"/>
+              </a:xfrm>
+              <a:custGeom>
+                <a:avLst/>
+                <a:gdLst>
+                  <a:gd name="connsiteX0" fmla="*/ 0 w 2492260"/>
+                  <a:gd name="connsiteY0" fmla="*/ 0 h 1082916"/>
+                  <a:gd name="connsiteX1" fmla="*/ 2492260 w 2492260"/>
+                  <a:gd name="connsiteY1" fmla="*/ 0 h 1082916"/>
+                  <a:gd name="connsiteX2" fmla="*/ 2480532 w 2492260"/>
+                  <a:gd name="connsiteY2" fmla="*/ 76850 h 1082916"/>
+                  <a:gd name="connsiteX3" fmla="*/ 1246130 w 2492260"/>
+                  <a:gd name="connsiteY3" fmla="*/ 1082916 h 1082916"/>
+                  <a:gd name="connsiteX4" fmla="*/ 11729 w 2492260"/>
+                  <a:gd name="connsiteY4" fmla="*/ 76850 h 1082916"/>
+                </a:gdLst>
+                <a:ahLst/>
+                <a:cxnLst>
+                  <a:cxn ang="0">
+                    <a:pos x="connsiteX0" y="connsiteY0"/>
+                  </a:cxn>
+                  <a:cxn ang="0">
+                    <a:pos x="connsiteX1" y="connsiteY1"/>
+                  </a:cxn>
+                  <a:cxn ang="0">
+                    <a:pos x="connsiteX2" y="connsiteY2"/>
+                  </a:cxn>
+                  <a:cxn ang="0">
+                    <a:pos x="connsiteX3" y="connsiteY3"/>
+                  </a:cxn>
+                  <a:cxn ang="0">
+                    <a:pos x="connsiteX4" y="connsiteY4"/>
+                  </a:cxn>
+                </a:cxnLst>
+                <a:rect l="l" t="t" r="r" b="b"/>
+                <a:pathLst>
+                  <a:path w="2492260" h="1082916">
+                    <a:moveTo>
+                      <a:pt x="0" y="0"/>
+                    </a:moveTo>
+                    <a:lnTo>
+                      <a:pt x="2492260" y="0"/>
+                    </a:lnTo>
+                    <a:lnTo>
+                      <a:pt x="2480532" y="76850"/>
+                    </a:lnTo>
+                    <a:cubicBezTo>
+                      <a:pt x="2363041" y="651011"/>
+                      <a:pt x="1855024" y="1082916"/>
+                      <a:pt x="1246130" y="1082916"/>
+                    </a:cubicBezTo>
+                    <a:cubicBezTo>
+                      <a:pt x="637236" y="1082916"/>
+                      <a:pt x="129219" y="651011"/>
+                      <a:pt x="11729" y="76850"/>
+                    </a:cubicBezTo>
+                    <a:close/>
+                  </a:path>
+                </a:pathLst>
+              </a:custGeom>
+              <a:solidFill>
+                <a:schemeClr val="bg1"/>
+              </a:solidFill>
+              <a:ln>
+                <a:noFill/>
+              </a:ln>
+            </p:spPr>
+            <p:style>
+              <a:lnRef idx="2">
+                <a:schemeClr val="accent1">
+                  <a:shade val="50000"/>
+                </a:schemeClr>
+              </a:lnRef>
+              <a:fillRef idx="1">
+                <a:schemeClr val="accent1"/>
+              </a:fillRef>
+              <a:effectRef idx="0">
+                <a:schemeClr val="accent1"/>
+              </a:effectRef>
+              <a:fontRef idx="minor">
+                <a:schemeClr val="lt1"/>
+              </a:fontRef>
+            </p:style>
+            <p:txBody>
+              <a:bodyPr wrap="square" rtlCol="0" anchor="ctr">
+                <a:noAutofit/>
+              </a:bodyPr>
+              <a:lstStyle/>
+              <a:p>
+                <a:pPr algn="ctr"/>
+                <a:endParaRPr lang="zh-CN" altLang="en-US"/>
+              </a:p>
+            </p:txBody>
+          </p:sp>
+          <p:sp>
+            <p:nvSpPr>
+              <p:cNvPr id="48" name="任意多边形: 形状 47">
+                <a:extLst>
+                  <a:ext uri="{FF2B5EF4-FFF2-40B4-BE49-F238E27FC236}">
+                    <a16:creationId xmlns:a16="http://schemas.microsoft.com/office/drawing/2014/main" id="{8533E383-1269-456B-A007-96393B654391}"/>
+                  </a:ext>
+                </a:extLst>
+              </p:cNvPr>
+              <p:cNvSpPr>
+                <a:spLocks noChangeAspect="1"/>
+              </p:cNvSpPr>
+              <p:nvPr/>
+            </p:nvSpPr>
+            <p:spPr>
+              <a:xfrm>
+                <a:off x="5196000" y="1629357"/>
+                <a:ext cx="1800000" cy="1368479"/>
+              </a:xfrm>
+              <a:custGeom>
+                <a:avLst/>
+                <a:gdLst>
+                  <a:gd name="connsiteX0" fmla="*/ 897481 w 1800000"/>
+                  <a:gd name="connsiteY0" fmla="*/ 0 h 1368479"/>
+                  <a:gd name="connsiteX1" fmla="*/ 1755468 w 1800000"/>
+                  <a:gd name="connsiteY1" fmla="*/ 217250 h 1368479"/>
+                  <a:gd name="connsiteX2" fmla="*/ 1765290 w 1800000"/>
+                  <a:gd name="connsiteY2" fmla="*/ 223217 h 1368479"/>
+                  <a:gd name="connsiteX3" fmla="*/ 1781715 w 1800000"/>
+                  <a:gd name="connsiteY3" fmla="*/ 287098 h 1368479"/>
+                  <a:gd name="connsiteX4" fmla="*/ 1800000 w 1800000"/>
+                  <a:gd name="connsiteY4" fmla="*/ 468479 h 1368479"/>
+                  <a:gd name="connsiteX5" fmla="*/ 900000 w 1800000"/>
+                  <a:gd name="connsiteY5" fmla="*/ 1368479 h 1368479"/>
+                  <a:gd name="connsiteX6" fmla="*/ 0 w 1800000"/>
+                  <a:gd name="connsiteY6" fmla="*/ 468479 h 1368479"/>
+                  <a:gd name="connsiteX7" fmla="*/ 18285 w 1800000"/>
+                  <a:gd name="connsiteY7" fmla="*/ 287098 h 1368479"/>
+                  <a:gd name="connsiteX8" fmla="*/ 35643 w 1800000"/>
+                  <a:gd name="connsiteY8" fmla="*/ 219590 h 1368479"/>
+                  <a:gd name="connsiteX9" fmla="*/ 39494 w 1800000"/>
+                  <a:gd name="connsiteY9" fmla="*/ 217250 h 1368479"/>
+                  <a:gd name="connsiteX10" fmla="*/ 897481 w 1800000"/>
+                  <a:gd name="connsiteY10" fmla="*/ 0 h 1368479"/>
+                </a:gdLst>
+                <a:ahLst/>
+                <a:cxnLst>
+                  <a:cxn ang="0">
+                    <a:pos x="connsiteX0" y="connsiteY0"/>
+                  </a:cxn>
+                  <a:cxn ang="0">
+                    <a:pos x="connsiteX1" y="connsiteY1"/>
+                  </a:cxn>
+                  <a:cxn ang="0">
+                    <a:pos x="connsiteX2" y="connsiteY2"/>
+                  </a:cxn>
+                  <a:cxn ang="0">
+                    <a:pos x="connsiteX3" y="connsiteY3"/>
+                  </a:cxn>
+                  <a:cxn ang="0">
+                    <a:pos x="connsiteX4" y="connsiteY4"/>
+                  </a:cxn>
+                  <a:cxn ang="0">
+                    <a:pos x="connsiteX5" y="connsiteY5"/>
+                  </a:cxn>
+                  <a:cxn ang="0">
+                    <a:pos x="connsiteX6" y="connsiteY6"/>
+                  </a:cxn>
+                  <a:cxn ang="0">
+                    <a:pos x="connsiteX7" y="connsiteY7"/>
+                  </a:cxn>
+                  <a:cxn ang="0">
+                    <a:pos x="connsiteX8" y="connsiteY8"/>
+                  </a:cxn>
+                  <a:cxn ang="0">
+                    <a:pos x="connsiteX9" y="connsiteY9"/>
+                  </a:cxn>
+                  <a:cxn ang="0">
+                    <a:pos x="connsiteX10" y="connsiteY10"/>
+                  </a:cxn>
+                </a:cxnLst>
+                <a:rect l="l" t="t" r="r" b="b"/>
+                <a:pathLst>
+                  <a:path w="1800000" h="1368479">
+                    <a:moveTo>
+                      <a:pt x="897481" y="0"/>
+                    </a:moveTo>
+                    <a:cubicBezTo>
+                      <a:pt x="1208142" y="0"/>
+                      <a:pt x="1500420" y="78700"/>
+                      <a:pt x="1755468" y="217250"/>
+                    </a:cubicBezTo>
+                    <a:lnTo>
+                      <a:pt x="1765290" y="223217"/>
+                    </a:lnTo>
+                    <a:lnTo>
+                      <a:pt x="1781715" y="287098"/>
+                    </a:lnTo>
+                    <a:cubicBezTo>
+                      <a:pt x="1793704" y="345686"/>
+                      <a:pt x="1800000" y="406347"/>
+                      <a:pt x="1800000" y="468479"/>
+                    </a:cubicBezTo>
+                    <a:cubicBezTo>
+                      <a:pt x="1800000" y="965535"/>
+                      <a:pt x="1397056" y="1368479"/>
+                      <a:pt x="900000" y="1368479"/>
+                    </a:cubicBezTo>
+                    <a:cubicBezTo>
+                      <a:pt x="402944" y="1368479"/>
+                      <a:pt x="0" y="965535"/>
+                      <a:pt x="0" y="468479"/>
+                    </a:cubicBezTo>
+                    <a:cubicBezTo>
+                      <a:pt x="0" y="406347"/>
+                      <a:pt x="6296" y="345686"/>
+                      <a:pt x="18285" y="287098"/>
+                    </a:cubicBezTo>
+                    <a:lnTo>
+                      <a:pt x="35643" y="219590"/>
+                    </a:lnTo>
+                    <a:lnTo>
+                      <a:pt x="39494" y="217250"/>
+                    </a:lnTo>
+                    <a:cubicBezTo>
+                      <a:pt x="294542" y="78700"/>
+                      <a:pt x="586821" y="0"/>
+                      <a:pt x="897481" y="0"/>
+                    </a:cubicBezTo>
+                    <a:close/>
+                  </a:path>
+                </a:pathLst>
+              </a:custGeom>
+              <a:solidFill>
+                <a:srgbClr val="00B050"/>
+              </a:solidFill>
+              <a:ln>
+                <a:noFill/>
+              </a:ln>
+            </p:spPr>
+            <p:style>
+              <a:lnRef idx="2">
+                <a:schemeClr val="accent1">
+                  <a:shade val="50000"/>
+                </a:schemeClr>
+              </a:lnRef>
+              <a:fillRef idx="1">
+                <a:schemeClr val="accent1"/>
+              </a:fillRef>
+              <a:effectRef idx="0">
+                <a:schemeClr val="accent1"/>
+              </a:effectRef>
+              <a:fontRef idx="minor">
+                <a:schemeClr val="lt1"/>
+              </a:fontRef>
+            </p:style>
+            <p:txBody>
+              <a:bodyPr wrap="square" rtlCol="0" anchor="ctr">
+                <a:noAutofit/>
+              </a:bodyPr>
+              <a:lstStyle/>
+              <a:p>
+                <a:pPr algn="ctr"/>
+                <a:endParaRPr lang="zh-CN" altLang="en-US"/>
+              </a:p>
+            </p:txBody>
+          </p:sp>
+          <p:sp>
+            <p:nvSpPr>
+              <p:cNvPr id="49" name="任意多边形: 形状 48">
+                <a:extLst>
+                  <a:ext uri="{FF2B5EF4-FFF2-40B4-BE49-F238E27FC236}">
+                    <a16:creationId xmlns:a16="http://schemas.microsoft.com/office/drawing/2014/main" id="{EF50C9DA-1AC0-4DEA-AB40-D7A5B00842FF}"/>
+                  </a:ext>
+                </a:extLst>
+              </p:cNvPr>
+              <p:cNvSpPr/>
+              <p:nvPr/>
+            </p:nvSpPr>
+            <p:spPr>
+              <a:xfrm>
+                <a:off x="5591585" y="2251943"/>
+                <a:ext cx="360000" cy="2405782"/>
+              </a:xfrm>
+              <a:custGeom>
+                <a:avLst/>
+                <a:gdLst>
+                  <a:gd name="connsiteX0" fmla="*/ 0 w 360000"/>
+                  <a:gd name="connsiteY0" fmla="*/ 0 h 2405782"/>
+                  <a:gd name="connsiteX1" fmla="*/ 360000 w 360000"/>
+                  <a:gd name="connsiteY1" fmla="*/ 0 h 2405782"/>
+                  <a:gd name="connsiteX2" fmla="*/ 360000 w 360000"/>
+                  <a:gd name="connsiteY2" fmla="*/ 2405782 h 2405782"/>
+                  <a:gd name="connsiteX3" fmla="*/ 0 w 360000"/>
+                  <a:gd name="connsiteY3" fmla="*/ 2405782 h 2405782"/>
+                </a:gdLst>
+                <a:ahLst/>
+                <a:cxnLst>
+                  <a:cxn ang="0">
+                    <a:pos x="connsiteX0" y="connsiteY0"/>
+                  </a:cxn>
+                  <a:cxn ang="0">
+                    <a:pos x="connsiteX1" y="connsiteY1"/>
+                  </a:cxn>
+                  <a:cxn ang="0">
+                    <a:pos x="connsiteX2" y="connsiteY2"/>
+                  </a:cxn>
+                  <a:cxn ang="0">
+                    <a:pos x="connsiteX3" y="connsiteY3"/>
+                  </a:cxn>
+                </a:cxnLst>
+                <a:rect l="l" t="t" r="r" b="b"/>
+                <a:pathLst>
+                  <a:path w="360000" h="2405782">
+                    <a:moveTo>
+                      <a:pt x="0" y="0"/>
+                    </a:moveTo>
+                    <a:lnTo>
+                      <a:pt x="360000" y="0"/>
+                    </a:lnTo>
+                    <a:lnTo>
+                      <a:pt x="360000" y="2405782"/>
+                    </a:lnTo>
+                    <a:lnTo>
+                      <a:pt x="0" y="2405782"/>
+                    </a:lnTo>
+                    <a:close/>
+                  </a:path>
+                </a:pathLst>
+              </a:custGeom>
+              <a:solidFill>
+                <a:schemeClr val="bg1"/>
+              </a:solidFill>
+              <a:ln>
+                <a:noFill/>
+              </a:ln>
+            </p:spPr>
+            <p:style>
+              <a:lnRef idx="2">
+                <a:schemeClr val="accent1">
+                  <a:shade val="50000"/>
+                </a:schemeClr>
+              </a:lnRef>
+              <a:fillRef idx="1">
+                <a:schemeClr val="accent1"/>
+              </a:fillRef>
+              <a:effectRef idx="0">
+                <a:schemeClr val="accent1"/>
+              </a:effectRef>
+              <a:fontRef idx="minor">
+                <a:schemeClr val="lt1"/>
+              </a:fontRef>
+            </p:style>
+            <p:txBody>
+              <a:bodyPr wrap="square" rtlCol="0" anchor="ctr">
+                <a:noAutofit/>
+              </a:bodyPr>
+              <a:lstStyle/>
+              <a:p>
+                <a:pPr algn="ctr"/>
+                <a:endParaRPr lang="zh-CN" altLang="en-US"/>
+              </a:p>
+            </p:txBody>
+          </p:sp>
+          <p:sp>
+            <p:nvSpPr>
+              <p:cNvPr id="50" name="任意多边形: 形状 49">
+                <a:extLst>
+                  <a:ext uri="{FF2B5EF4-FFF2-40B4-BE49-F238E27FC236}">
+                    <a16:creationId xmlns:a16="http://schemas.microsoft.com/office/drawing/2014/main" id="{3A85DA86-3E68-40E2-9E8D-5AF86195156D}"/>
+                  </a:ext>
+                </a:extLst>
+              </p:cNvPr>
+              <p:cNvSpPr/>
+              <p:nvPr/>
+            </p:nvSpPr>
+            <p:spPr>
+              <a:xfrm>
+                <a:off x="6238319" y="2251943"/>
+                <a:ext cx="360000" cy="2405782"/>
+              </a:xfrm>
+              <a:custGeom>
+                <a:avLst/>
+                <a:gdLst>
+                  <a:gd name="connsiteX0" fmla="*/ 0 w 360000"/>
+                  <a:gd name="connsiteY0" fmla="*/ 0 h 2405782"/>
+                  <a:gd name="connsiteX1" fmla="*/ 360000 w 360000"/>
+                  <a:gd name="connsiteY1" fmla="*/ 0 h 2405782"/>
+                  <a:gd name="connsiteX2" fmla="*/ 360000 w 360000"/>
+                  <a:gd name="connsiteY2" fmla="*/ 2405782 h 2405782"/>
+                  <a:gd name="connsiteX3" fmla="*/ 0 w 360000"/>
+                  <a:gd name="connsiteY3" fmla="*/ 2405782 h 2405782"/>
+                </a:gdLst>
+                <a:ahLst/>
+                <a:cxnLst>
+                  <a:cxn ang="0">
+                    <a:pos x="connsiteX0" y="connsiteY0"/>
+                  </a:cxn>
+                  <a:cxn ang="0">
+                    <a:pos x="connsiteX1" y="connsiteY1"/>
+                  </a:cxn>
+                  <a:cxn ang="0">
+                    <a:pos x="connsiteX2" y="connsiteY2"/>
+                  </a:cxn>
+                  <a:cxn ang="0">
+                    <a:pos x="connsiteX3" y="connsiteY3"/>
+                  </a:cxn>
+                </a:cxnLst>
+                <a:rect l="l" t="t" r="r" b="b"/>
+                <a:pathLst>
+                  <a:path w="360000" h="2405782">
+                    <a:moveTo>
+                      <a:pt x="0" y="0"/>
+                    </a:moveTo>
+                    <a:lnTo>
+                      <a:pt x="360000" y="0"/>
+                    </a:lnTo>
+                    <a:lnTo>
+                      <a:pt x="360000" y="2405782"/>
+                    </a:lnTo>
+                    <a:lnTo>
+                      <a:pt x="0" y="2405782"/>
+                    </a:lnTo>
+                    <a:close/>
+                  </a:path>
+                </a:pathLst>
+              </a:custGeom>
+              <a:solidFill>
+                <a:schemeClr val="bg1"/>
+              </a:solidFill>
+              <a:ln>
+                <a:noFill/>
+              </a:ln>
+            </p:spPr>
+            <p:style>
+              <a:lnRef idx="2">
+                <a:schemeClr val="accent1">
+                  <a:shade val="50000"/>
+                </a:schemeClr>
+              </a:lnRef>
+              <a:fillRef idx="1">
+                <a:schemeClr val="accent1"/>
+              </a:fillRef>
+              <a:effectRef idx="0">
+                <a:schemeClr val="accent1"/>
+              </a:effectRef>
+              <a:fontRef idx="minor">
+                <a:schemeClr val="lt1"/>
+              </a:fontRef>
+            </p:style>
+            <p:txBody>
+              <a:bodyPr wrap="square" rtlCol="0" anchor="ctr">
+                <a:noAutofit/>
+              </a:bodyPr>
+              <a:lstStyle/>
+              <a:p>
+                <a:pPr algn="ctr"/>
+                <a:endParaRPr lang="zh-CN" altLang="en-US"/>
+              </a:p>
+            </p:txBody>
+          </p:sp>
+        </p:grpSp>
+      </p:grpSp>
+      <p:pic>
+        <p:nvPicPr>
+          <p:cNvPr id="2052" name="Picture 4">
+            <a:extLst>
+              <a:ext uri="{FF2B5EF4-FFF2-40B4-BE49-F238E27FC236}">
+                <a16:creationId xmlns:a16="http://schemas.microsoft.com/office/drawing/2014/main" id="{4861906A-7FED-43C8-A551-C0EE9E2F1ACE}"/>
+              </a:ext>
+            </a:extLst>
+          </p:cNvPr>
+          <p:cNvPicPr>
+            <a:picLocks noChangeAspect="1" noChangeArrowheads="1"/>
+          </p:cNvPicPr>
+          <p:nvPr/>
+        </p:nvPicPr>
+        <p:blipFill>
+          <a:blip r:embed="rId24">
+            <a:extLst>
+              <a:ext uri="{28A0092B-C50C-407E-A947-70E740481C1C}">
+                <a14:useLocalDpi xmlns:a14="http://schemas.microsoft.com/office/drawing/2010/main" val="0"/>
+              </a:ext>
+            </a:extLst>
+          </a:blip>
+          <a:srcRect/>
+          <a:stretch>
+            <a:fillRect/>
+          </a:stretch>
+        </p:blipFill>
+        <p:spPr bwMode="auto">
+          <a:xfrm>
+            <a:off x="2182848" y="2445708"/>
+            <a:ext cx="1776814" cy="888407"/>
+          </a:xfrm>
+          <a:prstGeom prst="rect">
+            <a:avLst/>
+          </a:prstGeom>
+          <a:noFill/>
+          <a:extLst>
+            <a:ext uri="{909E8E84-426E-40DD-AFC4-6F175D3DCCD1}">
+              <a14:hiddenFill xmlns:a14="http://schemas.microsoft.com/office/drawing/2010/main">
+                <a:solidFill>
+                  <a:srgbClr val="FFFFFF"/>
+                </a:solidFill>
+              </a14:hiddenFill>
+            </a:ext>
+          </a:extLst>
+        </p:spPr>
+      </p:pic>
+      <p:pic>
+        <p:nvPicPr>
+          <p:cNvPr id="2054" name="Picture 6">
+            <a:extLst>
+              <a:ext uri="{FF2B5EF4-FFF2-40B4-BE49-F238E27FC236}">
+                <a16:creationId xmlns:a16="http://schemas.microsoft.com/office/drawing/2014/main" id="{7C27FF44-3237-4244-89DE-F1F3FC4A546B}"/>
+              </a:ext>
+            </a:extLst>
+          </p:cNvPr>
+          <p:cNvPicPr>
+            <a:picLocks noChangeAspect="1" noChangeArrowheads="1"/>
+          </p:cNvPicPr>
+          <p:nvPr/>
+        </p:nvPicPr>
+        <p:blipFill>
+          <a:blip r:embed="rId25">
+            <a:extLst>
+              <a:ext uri="{28A0092B-C50C-407E-A947-70E740481C1C}">
+                <a14:useLocalDpi xmlns:a14="http://schemas.microsoft.com/office/drawing/2010/main" val="0"/>
+              </a:ext>
+            </a:extLst>
+          </a:blip>
+          <a:srcRect/>
+          <a:stretch>
+            <a:fillRect/>
+          </a:stretch>
+        </p:blipFill>
+        <p:spPr bwMode="auto">
+          <a:xfrm>
+            <a:off x="6909967" y="1951376"/>
+            <a:ext cx="1775628" cy="1308001"/>
+          </a:xfrm>
+          <a:prstGeom prst="rect">
+            <a:avLst/>
+          </a:prstGeom>
+          <a:noFill/>
+          <a:extLst>
+            <a:ext uri="{909E8E84-426E-40DD-AFC4-6F175D3DCCD1}">
+              <a14:hiddenFill xmlns:a14="http://schemas.microsoft.com/office/drawing/2010/main">
+                <a:solidFill>
+                  <a:srgbClr val="FFFFFF"/>
+                </a:solidFill>
+              </a14:hiddenFill>
+            </a:ext>
+          </a:extLst>
+        </p:spPr>
+      </p:pic>
+      <p:pic>
+        <p:nvPicPr>
+          <p:cNvPr id="7" name="图片 6" descr="手机屏幕截图&#10;&#10;描述已自动生成">
+            <a:extLst>
+              <a:ext uri="{FF2B5EF4-FFF2-40B4-BE49-F238E27FC236}">
+                <a16:creationId xmlns:a16="http://schemas.microsoft.com/office/drawing/2014/main" id="{C6A340C7-A670-4443-A9FD-DA40C24873B6}"/>
+              </a:ext>
+            </a:extLst>
+          </p:cNvPr>
+          <p:cNvPicPr>
+            <a:picLocks noChangeAspect="1"/>
+          </p:cNvPicPr>
+          <p:nvPr/>
+        </p:nvPicPr>
+        <p:blipFill>
+          <a:blip r:embed="rId26">
+            <a:extLst>
+              <a:ext uri="{28A0092B-C50C-407E-A947-70E740481C1C}">
+                <a14:useLocalDpi xmlns:a14="http://schemas.microsoft.com/office/drawing/2010/main" val="0"/>
+              </a:ext>
+            </a:extLst>
+          </a:blip>
+          <a:stretch>
+            <a:fillRect/>
+          </a:stretch>
+        </p:blipFill>
+        <p:spPr>
+          <a:xfrm>
+            <a:off x="5117143" y="1137016"/>
+            <a:ext cx="1233660" cy="924054"/>
+          </a:xfrm>
+          <a:prstGeom prst="rect">
+            <a:avLst/>
+          </a:prstGeom>
+        </p:spPr>
+      </p:pic>
+      <p:pic>
+        <p:nvPicPr>
+          <p:cNvPr id="2058" name="Picture 10" descr="data-visualization-slides-2017/PITCHME.md at master · feifang/data ...">
+            <a:extLst>
+              <a:ext uri="{FF2B5EF4-FFF2-40B4-BE49-F238E27FC236}">
+                <a16:creationId xmlns:a16="http://schemas.microsoft.com/office/drawing/2014/main" id="{9605324F-AF12-445A-9DEF-6C0738ADA5F9}"/>
+              </a:ext>
+            </a:extLst>
+          </p:cNvPr>
+          <p:cNvPicPr>
+            <a:picLocks noChangeAspect="1" noChangeArrowheads="1"/>
+          </p:cNvPicPr>
+          <p:nvPr/>
+        </p:nvPicPr>
+        <p:blipFill rotWithShape="1">
+          <a:blip r:embed="rId27">
+            <a:extLst>
+              <a:ext uri="{28A0092B-C50C-407E-A947-70E740481C1C}">
+                <a14:useLocalDpi xmlns:a14="http://schemas.microsoft.com/office/drawing/2010/main" val="0"/>
+              </a:ext>
+            </a:extLst>
+          </a:blip>
+          <a:srcRect l="31911" t="11405" r="28237" b="6317"/>
+          <a:stretch/>
+        </p:blipFill>
+        <p:spPr bwMode="auto">
+          <a:xfrm>
+            <a:off x="8822485" y="1094789"/>
+            <a:ext cx="1233661" cy="1214739"/>
+          </a:xfrm>
+          <a:prstGeom prst="rect">
+            <a:avLst/>
+          </a:prstGeom>
+          <a:noFill/>
+          <a:extLst>
+            <a:ext uri="{909E8E84-426E-40DD-AFC4-6F175D3DCCD1}">
+              <a14:hiddenFill xmlns:a14="http://schemas.microsoft.com/office/drawing/2010/main">
+                <a:solidFill>
+                  <a:srgbClr val="FFFFFF"/>
+                </a:solidFill>
+              </a14:hiddenFill>
+            </a:ext>
+          </a:extLst>
+        </p:spPr>
+      </p:pic>
+      <p:pic>
+        <p:nvPicPr>
+          <p:cNvPr id="11" name="图片 10" descr="图片包含 游戏机, 桌子&#10;&#10;描述已自动生成">
+            <a:extLst>
+              <a:ext uri="{FF2B5EF4-FFF2-40B4-BE49-F238E27FC236}">
+                <a16:creationId xmlns:a16="http://schemas.microsoft.com/office/drawing/2014/main" id="{902E0615-0890-47FD-9625-717D7B0DADCB}"/>
+              </a:ext>
+            </a:extLst>
+          </p:cNvPr>
+          <p:cNvPicPr>
+            <a:picLocks noChangeAspect="1"/>
+          </p:cNvPicPr>
+          <p:nvPr/>
+        </p:nvPicPr>
+        <p:blipFill>
+          <a:blip r:embed="rId28">
+            <a:extLst>
+              <a:ext uri="{28A0092B-C50C-407E-A947-70E740481C1C}">
+                <a14:useLocalDpi xmlns:a14="http://schemas.microsoft.com/office/drawing/2010/main" val="0"/>
+              </a:ext>
+            </a:extLst>
+          </a:blip>
+          <a:stretch>
+            <a:fillRect/>
+          </a:stretch>
+        </p:blipFill>
+        <p:spPr>
+          <a:xfrm>
+            <a:off x="7051853" y="3310780"/>
+            <a:ext cx="1608227" cy="989678"/>
+          </a:xfrm>
+          <a:prstGeom prst="rect">
+            <a:avLst/>
+          </a:prstGeom>
         </p:spPr>
       </p:pic>
     </p:spTree>
@@ -4687,6 +5886,6663 @@
 </p:sld>
 </file>
 
+<file path=ppt/slides/slide3.xml><?xml version="1.0" encoding="utf-8"?>
+<p:sld xmlns:a="http://schemas.openxmlformats.org/drawingml/2006/main" xmlns:r="http://schemas.openxmlformats.org/officeDocument/2006/relationships" xmlns:p="http://schemas.openxmlformats.org/presentationml/2006/main">
+  <p:cSld>
+    <p:spTree>
+      <p:nvGrpSpPr>
+        <p:cNvPr id="1" name=""/>
+        <p:cNvGrpSpPr/>
+        <p:nvPr/>
+      </p:nvGrpSpPr>
+      <p:grpSpPr>
+        <a:xfrm>
+          <a:off x="0" y="0"/>
+          <a:ext cx="0" cy="0"/>
+          <a:chOff x="0" y="0"/>
+          <a:chExt cx="0" cy="0"/>
+        </a:xfrm>
+      </p:grpSpPr>
+      <p:pic>
+        <p:nvPicPr>
+          <p:cNvPr id="2" name="图片 1" hidden="1">
+            <a:extLst>
+              <a:ext uri="{FF2B5EF4-FFF2-40B4-BE49-F238E27FC236}">
+                <a16:creationId xmlns:a16="http://schemas.microsoft.com/office/drawing/2014/main" id="{B73A709A-4CE8-470E-948F-485598E3EB8F}"/>
+              </a:ext>
+            </a:extLst>
+          </p:cNvPr>
+          <p:cNvPicPr>
+            <a:picLocks noChangeAspect="1"/>
+          </p:cNvPicPr>
+          <p:nvPr/>
+        </p:nvPicPr>
+        <p:blipFill>
+          <a:blip r:embed="rId2"/>
+          <a:stretch>
+            <a:fillRect/>
+          </a:stretch>
+        </p:blipFill>
+        <p:spPr>
+          <a:xfrm>
+            <a:off x="6534961" y="5191125"/>
+            <a:ext cx="4591050" cy="1666875"/>
+          </a:xfrm>
+          <a:prstGeom prst="rect">
+            <a:avLst/>
+          </a:prstGeom>
+        </p:spPr>
+      </p:pic>
+      <p:sp>
+        <p:nvSpPr>
+          <p:cNvPr id="4" name="矩形 3" hidden="1">
+            <a:extLst>
+              <a:ext uri="{FF2B5EF4-FFF2-40B4-BE49-F238E27FC236}">
+                <a16:creationId xmlns:a16="http://schemas.microsoft.com/office/drawing/2014/main" id="{F4C2391A-02E5-460E-B787-BD7FE6684228}"/>
+              </a:ext>
+            </a:extLst>
+          </p:cNvPr>
+          <p:cNvSpPr/>
+          <p:nvPr/>
+        </p:nvSpPr>
+        <p:spPr>
+          <a:xfrm>
+            <a:off x="11123363" y="5191125"/>
+            <a:ext cx="1068637" cy="1665288"/>
+          </a:xfrm>
+          <a:prstGeom prst="rect">
+            <a:avLst/>
+          </a:prstGeom>
+          <a:solidFill>
+            <a:srgbClr val="000000"/>
+          </a:solidFill>
+          <a:ln>
+            <a:noFill/>
+          </a:ln>
+        </p:spPr>
+        <p:style>
+          <a:lnRef idx="2">
+            <a:schemeClr val="accent1">
+              <a:shade val="50000"/>
+            </a:schemeClr>
+          </a:lnRef>
+          <a:fillRef idx="1">
+            <a:schemeClr val="accent1"/>
+          </a:fillRef>
+          <a:effectRef idx="0">
+            <a:schemeClr val="accent1"/>
+          </a:effectRef>
+          <a:fontRef idx="minor">
+            <a:schemeClr val="lt1"/>
+          </a:fontRef>
+        </p:style>
+        <p:txBody>
+          <a:bodyPr rtlCol="0" anchor="ctr"/>
+          <a:lstStyle/>
+          <a:p>
+            <a:pPr algn="ctr"/>
+            <a:endParaRPr lang="zh-CN" altLang="en-US"/>
+          </a:p>
+        </p:txBody>
+      </p:sp>
+      <p:pic>
+        <p:nvPicPr>
+          <p:cNvPr id="9" name="图片 8">
+            <a:extLst>
+              <a:ext uri="{FF2B5EF4-FFF2-40B4-BE49-F238E27FC236}">
+                <a16:creationId xmlns:a16="http://schemas.microsoft.com/office/drawing/2014/main" id="{2F446BE4-FD27-4945-B53B-E7EC3A19EDA6}"/>
+              </a:ext>
+            </a:extLst>
+          </p:cNvPr>
+          <p:cNvPicPr>
+            <a:picLocks noChangeAspect="1" noChangeArrowheads="1"/>
+          </p:cNvPicPr>
+          <p:nvPr/>
+        </p:nvPicPr>
+        <p:blipFill>
+          <a:blip r:embed="rId3">
+            <a:extLst>
+              <a:ext uri="{28A0092B-C50C-407E-A947-70E740481C1C}">
+                <a14:useLocalDpi xmlns:a14="http://schemas.microsoft.com/office/drawing/2010/main" val="0"/>
+              </a:ext>
+            </a:extLst>
+          </a:blip>
+          <a:srcRect l="13402" t="8144" r="13121" b="7883"/>
+          <a:stretch>
+            <a:fillRect/>
+          </a:stretch>
+        </p:blipFill>
+        <p:spPr bwMode="auto">
+          <a:xfrm>
+            <a:off x="9848648" y="5465385"/>
+            <a:ext cx="1155512" cy="1155512"/>
+          </a:xfrm>
+          <a:custGeom>
+            <a:avLst/>
+            <a:gdLst>
+              <a:gd name="connsiteX0" fmla="*/ 577756 w 1155512"/>
+              <a:gd name="connsiteY0" fmla="*/ 0 h 1155512"/>
+              <a:gd name="connsiteX1" fmla="*/ 1155512 w 1155512"/>
+              <a:gd name="connsiteY1" fmla="*/ 577756 h 1155512"/>
+              <a:gd name="connsiteX2" fmla="*/ 577756 w 1155512"/>
+              <a:gd name="connsiteY2" fmla="*/ 1155512 h 1155512"/>
+              <a:gd name="connsiteX3" fmla="*/ 0 w 1155512"/>
+              <a:gd name="connsiteY3" fmla="*/ 577756 h 1155512"/>
+              <a:gd name="connsiteX4" fmla="*/ 577756 w 1155512"/>
+              <a:gd name="connsiteY4" fmla="*/ 0 h 1155512"/>
+            </a:gdLst>
+            <a:ahLst/>
+            <a:cxnLst>
+              <a:cxn ang="0">
+                <a:pos x="connsiteX0" y="connsiteY0"/>
+              </a:cxn>
+              <a:cxn ang="0">
+                <a:pos x="connsiteX1" y="connsiteY1"/>
+              </a:cxn>
+              <a:cxn ang="0">
+                <a:pos x="connsiteX2" y="connsiteY2"/>
+              </a:cxn>
+              <a:cxn ang="0">
+                <a:pos x="connsiteX3" y="connsiteY3"/>
+              </a:cxn>
+              <a:cxn ang="0">
+                <a:pos x="connsiteX4" y="connsiteY4"/>
+              </a:cxn>
+            </a:cxnLst>
+            <a:rect l="l" t="t" r="r" b="b"/>
+            <a:pathLst>
+              <a:path w="1155512" h="1155512">
+                <a:moveTo>
+                  <a:pt x="577756" y="0"/>
+                </a:moveTo>
+                <a:cubicBezTo>
+                  <a:pt x="896842" y="0"/>
+                  <a:pt x="1155512" y="258670"/>
+                  <a:pt x="1155512" y="577756"/>
+                </a:cubicBezTo>
+                <a:cubicBezTo>
+                  <a:pt x="1155512" y="896842"/>
+                  <a:pt x="896842" y="1155512"/>
+                  <a:pt x="577756" y="1155512"/>
+                </a:cubicBezTo>
+                <a:cubicBezTo>
+                  <a:pt x="258670" y="1155512"/>
+                  <a:pt x="0" y="896842"/>
+                  <a:pt x="0" y="577756"/>
+                </a:cubicBezTo>
+                <a:cubicBezTo>
+                  <a:pt x="0" y="258670"/>
+                  <a:pt x="258670" y="0"/>
+                  <a:pt x="577756" y="0"/>
+                </a:cubicBezTo>
+                <a:close/>
+              </a:path>
+            </a:pathLst>
+          </a:custGeom>
+          <a:noFill/>
+          <a:effectLst/>
+          <a:extLst>
+            <a:ext uri="{909E8E84-426E-40DD-AFC4-6F175D3DCCD1}">
+              <a14:hiddenFill xmlns:a14="http://schemas.microsoft.com/office/drawing/2010/main">
+                <a:solidFill>
+                  <a:srgbClr val="FFFFFF"/>
+                </a:solidFill>
+              </a14:hiddenFill>
+            </a:ext>
+          </a:extLst>
+        </p:spPr>
+      </p:pic>
+      <p:sp>
+        <p:nvSpPr>
+          <p:cNvPr id="8" name="正圆主体">
+            <a:extLst>
+              <a:ext uri="{FF2B5EF4-FFF2-40B4-BE49-F238E27FC236}">
+                <a16:creationId xmlns:a16="http://schemas.microsoft.com/office/drawing/2014/main" id="{65010B5B-9202-4C74-AD03-8AF452700F5A}"/>
+              </a:ext>
+            </a:extLst>
+          </p:cNvPr>
+          <p:cNvSpPr>
+            <a:spLocks noChangeAspect="1"/>
+          </p:cNvSpPr>
+          <p:nvPr/>
+        </p:nvSpPr>
+        <p:spPr>
+          <a:xfrm>
+            <a:off x="4296000" y="1629000"/>
+            <a:ext cx="3600000" cy="3600000"/>
+          </a:xfrm>
+          <a:prstGeom prst="ellipse">
+            <a:avLst/>
+          </a:prstGeom>
+          <a:solidFill>
+            <a:srgbClr val="00B050"/>
+          </a:solidFill>
+          <a:ln>
+            <a:noFill/>
+          </a:ln>
+        </p:spPr>
+        <p:style>
+          <a:lnRef idx="2">
+            <a:schemeClr val="accent1">
+              <a:shade val="50000"/>
+            </a:schemeClr>
+          </a:lnRef>
+          <a:fillRef idx="1">
+            <a:schemeClr val="accent1"/>
+          </a:fillRef>
+          <a:effectRef idx="0">
+            <a:schemeClr val="accent1"/>
+          </a:effectRef>
+          <a:fontRef idx="minor">
+            <a:schemeClr val="lt1"/>
+          </a:fontRef>
+        </p:style>
+        <p:txBody>
+          <a:bodyPr rtlCol="0" anchor="ctr"/>
+          <a:lstStyle/>
+          <a:p>
+            <a:pPr algn="ctr"/>
+            <a:endParaRPr lang="zh-CN" altLang="en-US"/>
+          </a:p>
+        </p:txBody>
+      </p:sp>
+      <p:sp>
+        <p:nvSpPr>
+          <p:cNvPr id="7" name="椭圆 外下">
+            <a:extLst>
+              <a:ext uri="{FF2B5EF4-FFF2-40B4-BE49-F238E27FC236}">
+                <a16:creationId xmlns:a16="http://schemas.microsoft.com/office/drawing/2014/main" id="{A369DCF7-AD95-43D5-A859-836226BBD26D}"/>
+              </a:ext>
+            </a:extLst>
+          </p:cNvPr>
+          <p:cNvSpPr>
+            <a:spLocks noChangeAspect="1"/>
+          </p:cNvSpPr>
+          <p:nvPr/>
+        </p:nvSpPr>
+        <p:spPr>
+          <a:xfrm>
+            <a:off x="4836000" y="3523141"/>
+            <a:ext cx="2520000" cy="2520000"/>
+          </a:xfrm>
+          <a:prstGeom prst="ellipse">
+            <a:avLst/>
+          </a:prstGeom>
+          <a:solidFill>
+            <a:schemeClr val="bg1"/>
+          </a:solidFill>
+          <a:ln>
+            <a:noFill/>
+          </a:ln>
+        </p:spPr>
+        <p:style>
+          <a:lnRef idx="2">
+            <a:schemeClr val="accent1">
+              <a:shade val="50000"/>
+            </a:schemeClr>
+          </a:lnRef>
+          <a:fillRef idx="1">
+            <a:schemeClr val="accent1"/>
+          </a:fillRef>
+          <a:effectRef idx="0">
+            <a:schemeClr val="accent1"/>
+          </a:effectRef>
+          <a:fontRef idx="minor">
+            <a:schemeClr val="lt1"/>
+          </a:fontRef>
+        </p:style>
+        <p:txBody>
+          <a:bodyPr rtlCol="0" anchor="ctr"/>
+          <a:lstStyle/>
+          <a:p>
+            <a:pPr algn="ctr"/>
+            <a:endParaRPr lang="zh-CN" altLang="en-US"/>
+          </a:p>
+        </p:txBody>
+      </p:sp>
+      <p:sp>
+        <p:nvSpPr>
+          <p:cNvPr id="12" name="椭圆 内下">
+            <a:extLst>
+              <a:ext uri="{FF2B5EF4-FFF2-40B4-BE49-F238E27FC236}">
+                <a16:creationId xmlns:a16="http://schemas.microsoft.com/office/drawing/2014/main" id="{F21DAE35-6EBF-4F1E-A80E-C5C4C6922ADA}"/>
+              </a:ext>
+            </a:extLst>
+          </p:cNvPr>
+          <p:cNvSpPr>
+            <a:spLocks noChangeAspect="1"/>
+          </p:cNvSpPr>
+          <p:nvPr/>
+        </p:nvSpPr>
+        <p:spPr>
+          <a:xfrm>
+            <a:off x="5196000" y="3911832"/>
+            <a:ext cx="1800000" cy="1800000"/>
+          </a:xfrm>
+          <a:prstGeom prst="ellipse">
+            <a:avLst/>
+          </a:prstGeom>
+          <a:solidFill>
+            <a:srgbClr val="00B050"/>
+          </a:solidFill>
+          <a:ln>
+            <a:noFill/>
+          </a:ln>
+        </p:spPr>
+        <p:style>
+          <a:lnRef idx="2">
+            <a:schemeClr val="accent1">
+              <a:shade val="50000"/>
+            </a:schemeClr>
+          </a:lnRef>
+          <a:fillRef idx="1">
+            <a:schemeClr val="accent1"/>
+          </a:fillRef>
+          <a:effectRef idx="0">
+            <a:schemeClr val="accent1"/>
+          </a:effectRef>
+          <a:fontRef idx="minor">
+            <a:schemeClr val="lt1"/>
+          </a:fontRef>
+        </p:style>
+        <p:txBody>
+          <a:bodyPr rtlCol="0" anchor="ctr"/>
+          <a:lstStyle/>
+          <a:p>
+            <a:pPr algn="ctr"/>
+            <a:endParaRPr lang="zh-CN" altLang="en-US"/>
+          </a:p>
+        </p:txBody>
+      </p:sp>
+      <p:sp>
+        <p:nvSpPr>
+          <p:cNvPr id="10" name="椭圆 外上">
+            <a:extLst>
+              <a:ext uri="{FF2B5EF4-FFF2-40B4-BE49-F238E27FC236}">
+                <a16:creationId xmlns:a16="http://schemas.microsoft.com/office/drawing/2014/main" id="{0CC30EA0-60DD-4AA8-B614-32969BF4D6DA}"/>
+              </a:ext>
+            </a:extLst>
+          </p:cNvPr>
+          <p:cNvSpPr>
+            <a:spLocks noChangeAspect="1"/>
+          </p:cNvSpPr>
+          <p:nvPr/>
+        </p:nvSpPr>
+        <p:spPr>
+          <a:xfrm>
+            <a:off x="4836000" y="814859"/>
+            <a:ext cx="2520000" cy="2520000"/>
+          </a:xfrm>
+          <a:prstGeom prst="ellipse">
+            <a:avLst/>
+          </a:prstGeom>
+          <a:solidFill>
+            <a:schemeClr val="bg1"/>
+          </a:solidFill>
+          <a:ln>
+            <a:noFill/>
+          </a:ln>
+        </p:spPr>
+        <p:style>
+          <a:lnRef idx="2">
+            <a:schemeClr val="accent1">
+              <a:shade val="50000"/>
+            </a:schemeClr>
+          </a:lnRef>
+          <a:fillRef idx="1">
+            <a:schemeClr val="accent1"/>
+          </a:fillRef>
+          <a:effectRef idx="0">
+            <a:schemeClr val="accent1"/>
+          </a:effectRef>
+          <a:fontRef idx="minor">
+            <a:schemeClr val="lt1"/>
+          </a:fontRef>
+        </p:style>
+        <p:txBody>
+          <a:bodyPr rtlCol="0" anchor="ctr"/>
+          <a:lstStyle/>
+          <a:p>
+            <a:pPr algn="ctr"/>
+            <a:endParaRPr lang="zh-CN" altLang="en-US"/>
+          </a:p>
+        </p:txBody>
+      </p:sp>
+      <p:sp>
+        <p:nvSpPr>
+          <p:cNvPr id="13" name="椭圆 内上">
+            <a:extLst>
+              <a:ext uri="{FF2B5EF4-FFF2-40B4-BE49-F238E27FC236}">
+                <a16:creationId xmlns:a16="http://schemas.microsoft.com/office/drawing/2014/main" id="{A30B157E-E760-492E-ADB8-DADF30802B96}"/>
+              </a:ext>
+            </a:extLst>
+          </p:cNvPr>
+          <p:cNvSpPr>
+            <a:spLocks noChangeAspect="1"/>
+          </p:cNvSpPr>
+          <p:nvPr/>
+        </p:nvSpPr>
+        <p:spPr>
+          <a:xfrm>
+            <a:off x="5196000" y="1197835"/>
+            <a:ext cx="1800000" cy="1800000"/>
+          </a:xfrm>
+          <a:prstGeom prst="ellipse">
+            <a:avLst/>
+          </a:prstGeom>
+          <a:solidFill>
+            <a:srgbClr val="00B050"/>
+          </a:solidFill>
+          <a:ln>
+            <a:noFill/>
+          </a:ln>
+        </p:spPr>
+        <p:style>
+          <a:lnRef idx="2">
+            <a:schemeClr val="accent1">
+              <a:shade val="50000"/>
+            </a:schemeClr>
+          </a:lnRef>
+          <a:fillRef idx="1">
+            <a:schemeClr val="accent1"/>
+          </a:fillRef>
+          <a:effectRef idx="0">
+            <a:schemeClr val="accent1"/>
+          </a:effectRef>
+          <a:fontRef idx="minor">
+            <a:schemeClr val="lt1"/>
+          </a:fontRef>
+        </p:style>
+        <p:txBody>
+          <a:bodyPr rtlCol="0" anchor="ctr"/>
+          <a:lstStyle/>
+          <a:p>
+            <a:pPr algn="ctr"/>
+            <a:endParaRPr lang="zh-CN" altLang="en-US"/>
+          </a:p>
+        </p:txBody>
+      </p:sp>
+      <p:sp>
+        <p:nvSpPr>
+          <p:cNvPr id="3" name="竖条1">
+            <a:extLst>
+              <a:ext uri="{FF2B5EF4-FFF2-40B4-BE49-F238E27FC236}">
+                <a16:creationId xmlns:a16="http://schemas.microsoft.com/office/drawing/2014/main" id="{23329A10-BA7F-4B47-9BB5-65606B42B85A}"/>
+              </a:ext>
+            </a:extLst>
+          </p:cNvPr>
+          <p:cNvSpPr/>
+          <p:nvPr/>
+        </p:nvSpPr>
+        <p:spPr>
+          <a:xfrm>
+            <a:off x="5591585" y="509588"/>
+            <a:ext cx="360000" cy="5857875"/>
+          </a:xfrm>
+          <a:prstGeom prst="rect">
+            <a:avLst/>
+          </a:prstGeom>
+          <a:solidFill>
+            <a:schemeClr val="bg1"/>
+          </a:solidFill>
+          <a:ln>
+            <a:noFill/>
+          </a:ln>
+        </p:spPr>
+        <p:style>
+          <a:lnRef idx="2">
+            <a:schemeClr val="accent1">
+              <a:shade val="50000"/>
+            </a:schemeClr>
+          </a:lnRef>
+          <a:fillRef idx="1">
+            <a:schemeClr val="accent1"/>
+          </a:fillRef>
+          <a:effectRef idx="0">
+            <a:schemeClr val="accent1"/>
+          </a:effectRef>
+          <a:fontRef idx="minor">
+            <a:schemeClr val="lt1"/>
+          </a:fontRef>
+        </p:style>
+        <p:txBody>
+          <a:bodyPr rtlCol="0" anchor="ctr"/>
+          <a:lstStyle/>
+          <a:p>
+            <a:pPr algn="ctr"/>
+            <a:endParaRPr lang="zh-CN" altLang="en-US"/>
+          </a:p>
+        </p:txBody>
+      </p:sp>
+      <p:sp>
+        <p:nvSpPr>
+          <p:cNvPr id="14" name="竖条2">
+            <a:extLst>
+              <a:ext uri="{FF2B5EF4-FFF2-40B4-BE49-F238E27FC236}">
+                <a16:creationId xmlns:a16="http://schemas.microsoft.com/office/drawing/2014/main" id="{46997C5C-64A7-4FDC-AC26-EB213F331FDC}"/>
+              </a:ext>
+            </a:extLst>
+          </p:cNvPr>
+          <p:cNvSpPr/>
+          <p:nvPr/>
+        </p:nvSpPr>
+        <p:spPr>
+          <a:xfrm>
+            <a:off x="6238319" y="500063"/>
+            <a:ext cx="360000" cy="5857875"/>
+          </a:xfrm>
+          <a:prstGeom prst="rect">
+            <a:avLst/>
+          </a:prstGeom>
+          <a:solidFill>
+            <a:schemeClr val="bg1"/>
+          </a:solidFill>
+          <a:ln>
+            <a:noFill/>
+          </a:ln>
+        </p:spPr>
+        <p:style>
+          <a:lnRef idx="2">
+            <a:schemeClr val="accent1">
+              <a:shade val="50000"/>
+            </a:schemeClr>
+          </a:lnRef>
+          <a:fillRef idx="1">
+            <a:schemeClr val="accent1"/>
+          </a:fillRef>
+          <a:effectRef idx="0">
+            <a:schemeClr val="accent1"/>
+          </a:effectRef>
+          <a:fontRef idx="minor">
+            <a:schemeClr val="lt1"/>
+          </a:fontRef>
+        </p:style>
+        <p:txBody>
+          <a:bodyPr rtlCol="0" anchor="ctr"/>
+          <a:lstStyle/>
+          <a:p>
+            <a:pPr algn="ctr"/>
+            <a:endParaRPr lang="zh-CN" altLang="en-US"/>
+          </a:p>
+        </p:txBody>
+      </p:sp>
+      <p:sp>
+        <p:nvSpPr>
+          <p:cNvPr id="17" name="正圆形" hidden="1">
+            <a:extLst>
+              <a:ext uri="{FF2B5EF4-FFF2-40B4-BE49-F238E27FC236}">
+                <a16:creationId xmlns:a16="http://schemas.microsoft.com/office/drawing/2014/main" id="{ED299369-9343-4041-914B-F6838B22C025}"/>
+              </a:ext>
+            </a:extLst>
+          </p:cNvPr>
+          <p:cNvSpPr>
+            <a:spLocks noChangeAspect="1"/>
+          </p:cNvSpPr>
+          <p:nvPr/>
+        </p:nvSpPr>
+        <p:spPr>
+          <a:xfrm>
+            <a:off x="406747" y="1157288"/>
+            <a:ext cx="3600000" cy="3600000"/>
+          </a:xfrm>
+          <a:custGeom>
+            <a:avLst/>
+            <a:gdLst>
+              <a:gd name="connsiteX0" fmla="*/ 1800000 w 3600000"/>
+              <a:gd name="connsiteY0" fmla="*/ 0 h 3600000"/>
+              <a:gd name="connsiteX1" fmla="*/ 3600000 w 3600000"/>
+              <a:gd name="connsiteY1" fmla="*/ 1800000 h 3600000"/>
+              <a:gd name="connsiteX2" fmla="*/ 1800000 w 3600000"/>
+              <a:gd name="connsiteY2" fmla="*/ 3600000 h 3600000"/>
+              <a:gd name="connsiteX3" fmla="*/ 0 w 3600000"/>
+              <a:gd name="connsiteY3" fmla="*/ 1800000 h 3600000"/>
+              <a:gd name="connsiteX4" fmla="*/ 1800000 w 3600000"/>
+              <a:gd name="connsiteY4" fmla="*/ 0 h 3600000"/>
+            </a:gdLst>
+            <a:ahLst/>
+            <a:cxnLst>
+              <a:cxn ang="0">
+                <a:pos x="connsiteX0" y="connsiteY0"/>
+              </a:cxn>
+              <a:cxn ang="0">
+                <a:pos x="connsiteX1" y="connsiteY1"/>
+              </a:cxn>
+              <a:cxn ang="0">
+                <a:pos x="connsiteX2" y="connsiteY2"/>
+              </a:cxn>
+              <a:cxn ang="0">
+                <a:pos x="connsiteX3" y="connsiteY3"/>
+              </a:cxn>
+              <a:cxn ang="0">
+                <a:pos x="connsiteX4" y="connsiteY4"/>
+              </a:cxn>
+            </a:cxnLst>
+            <a:rect l="l" t="t" r="r" b="b"/>
+            <a:pathLst>
+              <a:path w="3600000" h="3600000">
+                <a:moveTo>
+                  <a:pt x="1800000" y="0"/>
+                </a:moveTo>
+                <a:cubicBezTo>
+                  <a:pt x="2794113" y="0"/>
+                  <a:pt x="3600000" y="805887"/>
+                  <a:pt x="3600000" y="1800000"/>
+                </a:cubicBezTo>
+                <a:cubicBezTo>
+                  <a:pt x="3600000" y="2794113"/>
+                  <a:pt x="2794113" y="3600000"/>
+                  <a:pt x="1800000" y="3600000"/>
+                </a:cubicBezTo>
+                <a:cubicBezTo>
+                  <a:pt x="805887" y="3600000"/>
+                  <a:pt x="0" y="2794113"/>
+                  <a:pt x="0" y="1800000"/>
+                </a:cubicBezTo>
+                <a:cubicBezTo>
+                  <a:pt x="0" y="805887"/>
+                  <a:pt x="805887" y="0"/>
+                  <a:pt x="1800000" y="0"/>
+                </a:cubicBezTo>
+                <a:close/>
+              </a:path>
+            </a:pathLst>
+          </a:custGeom>
+          <a:solidFill>
+            <a:srgbClr val="00B050"/>
+          </a:solidFill>
+          <a:ln>
+            <a:noFill/>
+          </a:ln>
+        </p:spPr>
+        <p:style>
+          <a:lnRef idx="2">
+            <a:schemeClr val="accent1">
+              <a:shade val="50000"/>
+            </a:schemeClr>
+          </a:lnRef>
+          <a:fillRef idx="1">
+            <a:schemeClr val="accent1"/>
+          </a:fillRef>
+          <a:effectRef idx="0">
+            <a:schemeClr val="accent1"/>
+          </a:effectRef>
+          <a:fontRef idx="minor">
+            <a:schemeClr val="lt1"/>
+          </a:fontRef>
+        </p:style>
+        <p:txBody>
+          <a:bodyPr wrap="square" rtlCol="0" anchor="ctr">
+            <a:noAutofit/>
+          </a:bodyPr>
+          <a:lstStyle/>
+          <a:p>
+            <a:pPr algn="ctr"/>
+            <a:endParaRPr lang="zh-CN" altLang="en-US"/>
+          </a:p>
+        </p:txBody>
+      </p:sp>
+      <p:sp>
+        <p:nvSpPr>
+          <p:cNvPr id="16" name="空心矩形">
+            <a:extLst>
+              <a:ext uri="{FF2B5EF4-FFF2-40B4-BE49-F238E27FC236}">
+                <a16:creationId xmlns:a16="http://schemas.microsoft.com/office/drawing/2014/main" id="{72BB366E-7D14-46AB-B6D9-8C7BC3B56E4A}"/>
+              </a:ext>
+            </a:extLst>
+          </p:cNvPr>
+          <p:cNvSpPr>
+            <a:spLocks noChangeAspect="1"/>
+          </p:cNvSpPr>
+          <p:nvPr/>
+        </p:nvSpPr>
+        <p:spPr>
+          <a:xfrm>
+            <a:off x="3753059" y="472069"/>
+            <a:ext cx="4429675" cy="6858000"/>
+          </a:xfrm>
+          <a:custGeom>
+            <a:avLst/>
+            <a:gdLst>
+              <a:gd name="connsiteX0" fmla="*/ 0 w 4429675"/>
+              <a:gd name="connsiteY0" fmla="*/ 0 h 6858000"/>
+              <a:gd name="connsiteX1" fmla="*/ 4429675 w 4429675"/>
+              <a:gd name="connsiteY1" fmla="*/ 0 h 6858000"/>
+              <a:gd name="connsiteX2" fmla="*/ 4429675 w 4429675"/>
+              <a:gd name="connsiteY2" fmla="*/ 6858000 h 6858000"/>
+              <a:gd name="connsiteX3" fmla="*/ 0 w 4429675"/>
+              <a:gd name="connsiteY3" fmla="*/ 6858000 h 6858000"/>
+              <a:gd name="connsiteX4" fmla="*/ 0 w 4429675"/>
+              <a:gd name="connsiteY4" fmla="*/ 0 h 6858000"/>
+              <a:gd name="connsiteX5" fmla="*/ 2340422 w 4429675"/>
+              <a:gd name="connsiteY5" fmla="*/ 1157287 h 6858000"/>
+              <a:gd name="connsiteX6" fmla="*/ 540422 w 4429675"/>
+              <a:gd name="connsiteY6" fmla="*/ 2957287 h 6858000"/>
+              <a:gd name="connsiteX7" fmla="*/ 2340422 w 4429675"/>
+              <a:gd name="connsiteY7" fmla="*/ 4757287 h 6858000"/>
+              <a:gd name="connsiteX8" fmla="*/ 4140422 w 4429675"/>
+              <a:gd name="connsiteY8" fmla="*/ 2957287 h 6858000"/>
+              <a:gd name="connsiteX9" fmla="*/ 2340422 w 4429675"/>
+              <a:gd name="connsiteY9" fmla="*/ 1157287 h 6858000"/>
+            </a:gdLst>
+            <a:ahLst/>
+            <a:cxnLst>
+              <a:cxn ang="0">
+                <a:pos x="connsiteX0" y="connsiteY0"/>
+              </a:cxn>
+              <a:cxn ang="0">
+                <a:pos x="connsiteX1" y="connsiteY1"/>
+              </a:cxn>
+              <a:cxn ang="0">
+                <a:pos x="connsiteX2" y="connsiteY2"/>
+              </a:cxn>
+              <a:cxn ang="0">
+                <a:pos x="connsiteX3" y="connsiteY3"/>
+              </a:cxn>
+              <a:cxn ang="0">
+                <a:pos x="connsiteX4" y="connsiteY4"/>
+              </a:cxn>
+              <a:cxn ang="0">
+                <a:pos x="connsiteX5" y="connsiteY5"/>
+              </a:cxn>
+              <a:cxn ang="0">
+                <a:pos x="connsiteX6" y="connsiteY6"/>
+              </a:cxn>
+              <a:cxn ang="0">
+                <a:pos x="connsiteX7" y="connsiteY7"/>
+              </a:cxn>
+              <a:cxn ang="0">
+                <a:pos x="connsiteX8" y="connsiteY8"/>
+              </a:cxn>
+              <a:cxn ang="0">
+                <a:pos x="connsiteX9" y="connsiteY9"/>
+              </a:cxn>
+            </a:cxnLst>
+            <a:rect l="l" t="t" r="r" b="b"/>
+            <a:pathLst>
+              <a:path w="4429675" h="6858000">
+                <a:moveTo>
+                  <a:pt x="0" y="0"/>
+                </a:moveTo>
+                <a:lnTo>
+                  <a:pt x="4429675" y="0"/>
+                </a:lnTo>
+                <a:lnTo>
+                  <a:pt x="4429675" y="6858000"/>
+                </a:lnTo>
+                <a:lnTo>
+                  <a:pt x="0" y="6858000"/>
+                </a:lnTo>
+                <a:lnTo>
+                  <a:pt x="0" y="0"/>
+                </a:lnTo>
+                <a:close/>
+                <a:moveTo>
+                  <a:pt x="2340422" y="1157287"/>
+                </a:moveTo>
+                <a:cubicBezTo>
+                  <a:pt x="1346309" y="1157287"/>
+                  <a:pt x="540422" y="1963174"/>
+                  <a:pt x="540422" y="2957287"/>
+                </a:cubicBezTo>
+                <a:cubicBezTo>
+                  <a:pt x="540422" y="3951400"/>
+                  <a:pt x="1346309" y="4757287"/>
+                  <a:pt x="2340422" y="4757287"/>
+                </a:cubicBezTo>
+                <a:cubicBezTo>
+                  <a:pt x="3334535" y="4757287"/>
+                  <a:pt x="4140422" y="3951400"/>
+                  <a:pt x="4140422" y="2957287"/>
+                </a:cubicBezTo>
+                <a:cubicBezTo>
+                  <a:pt x="4140422" y="1963174"/>
+                  <a:pt x="3334535" y="1157287"/>
+                  <a:pt x="2340422" y="1157287"/>
+                </a:cubicBezTo>
+                <a:close/>
+              </a:path>
+            </a:pathLst>
+          </a:custGeom>
+          <a:solidFill>
+            <a:schemeClr val="accent1">
+              <a:lumMod val="20000"/>
+              <a:lumOff val="80000"/>
+            </a:schemeClr>
+          </a:solidFill>
+          <a:ln>
+            <a:noFill/>
+          </a:ln>
+        </p:spPr>
+        <p:style>
+          <a:lnRef idx="2">
+            <a:schemeClr val="accent1">
+              <a:shade val="50000"/>
+            </a:schemeClr>
+          </a:lnRef>
+          <a:fillRef idx="1">
+            <a:schemeClr val="accent1"/>
+          </a:fillRef>
+          <a:effectRef idx="0">
+            <a:schemeClr val="accent1"/>
+          </a:effectRef>
+          <a:fontRef idx="minor">
+            <a:schemeClr val="lt1"/>
+          </a:fontRef>
+        </p:style>
+        <p:txBody>
+          <a:bodyPr wrap="square" rtlCol="0" anchor="ctr">
+            <a:noAutofit/>
+          </a:bodyPr>
+          <a:lstStyle/>
+          <a:p>
+            <a:pPr algn="ctr"/>
+            <a:endParaRPr lang="zh-CN" altLang="en-US"/>
+          </a:p>
+        </p:txBody>
+      </p:sp>
+      <p:sp>
+        <p:nvSpPr>
+          <p:cNvPr id="53" name="空心矩形2" hidden="1">
+            <a:extLst>
+              <a:ext uri="{FF2B5EF4-FFF2-40B4-BE49-F238E27FC236}">
+                <a16:creationId xmlns:a16="http://schemas.microsoft.com/office/drawing/2014/main" id="{40C341CE-F89F-4249-B8A8-FD5E0DDE9AF0}"/>
+              </a:ext>
+            </a:extLst>
+          </p:cNvPr>
+          <p:cNvSpPr>
+            <a:spLocks noChangeAspect="1"/>
+          </p:cNvSpPr>
+          <p:nvPr/>
+        </p:nvSpPr>
+        <p:spPr>
+          <a:xfrm>
+            <a:off x="4836000" y="616849"/>
+            <a:ext cx="4429675" cy="6858000"/>
+          </a:xfrm>
+          <a:custGeom>
+            <a:avLst/>
+            <a:gdLst>
+              <a:gd name="connsiteX0" fmla="*/ 0 w 4429675"/>
+              <a:gd name="connsiteY0" fmla="*/ 0 h 6858000"/>
+              <a:gd name="connsiteX1" fmla="*/ 4429675 w 4429675"/>
+              <a:gd name="connsiteY1" fmla="*/ 0 h 6858000"/>
+              <a:gd name="connsiteX2" fmla="*/ 4429675 w 4429675"/>
+              <a:gd name="connsiteY2" fmla="*/ 6858000 h 6858000"/>
+              <a:gd name="connsiteX3" fmla="*/ 0 w 4429675"/>
+              <a:gd name="connsiteY3" fmla="*/ 6858000 h 6858000"/>
+              <a:gd name="connsiteX4" fmla="*/ 0 w 4429675"/>
+              <a:gd name="connsiteY4" fmla="*/ 0 h 6858000"/>
+              <a:gd name="connsiteX5" fmla="*/ 2340422 w 4429675"/>
+              <a:gd name="connsiteY5" fmla="*/ 1157287 h 6858000"/>
+              <a:gd name="connsiteX6" fmla="*/ 540422 w 4429675"/>
+              <a:gd name="connsiteY6" fmla="*/ 2957287 h 6858000"/>
+              <a:gd name="connsiteX7" fmla="*/ 2340422 w 4429675"/>
+              <a:gd name="connsiteY7" fmla="*/ 4757287 h 6858000"/>
+              <a:gd name="connsiteX8" fmla="*/ 4140422 w 4429675"/>
+              <a:gd name="connsiteY8" fmla="*/ 2957287 h 6858000"/>
+              <a:gd name="connsiteX9" fmla="*/ 2340422 w 4429675"/>
+              <a:gd name="connsiteY9" fmla="*/ 1157287 h 6858000"/>
+            </a:gdLst>
+            <a:ahLst/>
+            <a:cxnLst>
+              <a:cxn ang="0">
+                <a:pos x="connsiteX0" y="connsiteY0"/>
+              </a:cxn>
+              <a:cxn ang="0">
+                <a:pos x="connsiteX1" y="connsiteY1"/>
+              </a:cxn>
+              <a:cxn ang="0">
+                <a:pos x="connsiteX2" y="connsiteY2"/>
+              </a:cxn>
+              <a:cxn ang="0">
+                <a:pos x="connsiteX3" y="connsiteY3"/>
+              </a:cxn>
+              <a:cxn ang="0">
+                <a:pos x="connsiteX4" y="connsiteY4"/>
+              </a:cxn>
+              <a:cxn ang="0">
+                <a:pos x="connsiteX5" y="connsiteY5"/>
+              </a:cxn>
+              <a:cxn ang="0">
+                <a:pos x="connsiteX6" y="connsiteY6"/>
+              </a:cxn>
+              <a:cxn ang="0">
+                <a:pos x="connsiteX7" y="connsiteY7"/>
+              </a:cxn>
+              <a:cxn ang="0">
+                <a:pos x="connsiteX8" y="connsiteY8"/>
+              </a:cxn>
+              <a:cxn ang="0">
+                <a:pos x="connsiteX9" y="connsiteY9"/>
+              </a:cxn>
+            </a:cxnLst>
+            <a:rect l="l" t="t" r="r" b="b"/>
+            <a:pathLst>
+              <a:path w="4429675" h="6858000">
+                <a:moveTo>
+                  <a:pt x="0" y="0"/>
+                </a:moveTo>
+                <a:lnTo>
+                  <a:pt x="4429675" y="0"/>
+                </a:lnTo>
+                <a:lnTo>
+                  <a:pt x="4429675" y="6858000"/>
+                </a:lnTo>
+                <a:lnTo>
+                  <a:pt x="0" y="6858000"/>
+                </a:lnTo>
+                <a:lnTo>
+                  <a:pt x="0" y="0"/>
+                </a:lnTo>
+                <a:close/>
+                <a:moveTo>
+                  <a:pt x="2340422" y="1157287"/>
+                </a:moveTo>
+                <a:cubicBezTo>
+                  <a:pt x="1346309" y="1157287"/>
+                  <a:pt x="540422" y="1963174"/>
+                  <a:pt x="540422" y="2957287"/>
+                </a:cubicBezTo>
+                <a:cubicBezTo>
+                  <a:pt x="540422" y="3951400"/>
+                  <a:pt x="1346309" y="4757287"/>
+                  <a:pt x="2340422" y="4757287"/>
+                </a:cubicBezTo>
+                <a:cubicBezTo>
+                  <a:pt x="3334535" y="4757287"/>
+                  <a:pt x="4140422" y="3951400"/>
+                  <a:pt x="4140422" y="2957287"/>
+                </a:cubicBezTo>
+                <a:cubicBezTo>
+                  <a:pt x="4140422" y="1963174"/>
+                  <a:pt x="3334535" y="1157287"/>
+                  <a:pt x="2340422" y="1157287"/>
+                </a:cubicBezTo>
+                <a:close/>
+              </a:path>
+            </a:pathLst>
+          </a:custGeom>
+          <a:solidFill>
+            <a:schemeClr val="bg1"/>
+          </a:solidFill>
+          <a:ln>
+            <a:noFill/>
+          </a:ln>
+        </p:spPr>
+        <p:style>
+          <a:lnRef idx="2">
+            <a:schemeClr val="accent1">
+              <a:shade val="50000"/>
+            </a:schemeClr>
+          </a:lnRef>
+          <a:fillRef idx="1">
+            <a:schemeClr val="accent1"/>
+          </a:fillRef>
+          <a:effectRef idx="0">
+            <a:schemeClr val="accent1"/>
+          </a:effectRef>
+          <a:fontRef idx="minor">
+            <a:schemeClr val="lt1"/>
+          </a:fontRef>
+        </p:style>
+        <p:txBody>
+          <a:bodyPr wrap="square" rtlCol="0" anchor="ctr">
+            <a:noAutofit/>
+          </a:bodyPr>
+          <a:lstStyle/>
+          <a:p>
+            <a:pPr algn="ctr"/>
+            <a:endParaRPr lang="zh-CN" altLang="en-US"/>
+          </a:p>
+        </p:txBody>
+      </p:sp>
+      <p:sp>
+        <p:nvSpPr>
+          <p:cNvPr id="158" name="矩形 157">
+            <a:extLst>
+              <a:ext uri="{FF2B5EF4-FFF2-40B4-BE49-F238E27FC236}">
+                <a16:creationId xmlns:a16="http://schemas.microsoft.com/office/drawing/2014/main" id="{6B4DBF99-EF40-4D95-9E2C-D3D100184406}"/>
+              </a:ext>
+            </a:extLst>
+          </p:cNvPr>
+          <p:cNvSpPr/>
+          <p:nvPr/>
+        </p:nvSpPr>
+        <p:spPr>
+          <a:xfrm>
+            <a:off x="4619625" y="4657725"/>
+            <a:ext cx="3000375" cy="1242389"/>
+          </a:xfrm>
+          <a:prstGeom prst="rect">
+            <a:avLst/>
+          </a:prstGeom>
+          <a:solidFill>
+            <a:schemeClr val="accent1">
+              <a:alpha val="50000"/>
+            </a:schemeClr>
+          </a:solidFill>
+          <a:ln>
+            <a:noFill/>
+          </a:ln>
+        </p:spPr>
+        <p:style>
+          <a:lnRef idx="2">
+            <a:schemeClr val="accent1">
+              <a:shade val="50000"/>
+            </a:schemeClr>
+          </a:lnRef>
+          <a:fillRef idx="1">
+            <a:schemeClr val="accent1"/>
+          </a:fillRef>
+          <a:effectRef idx="0">
+            <a:schemeClr val="accent1"/>
+          </a:effectRef>
+          <a:fontRef idx="minor">
+            <a:schemeClr val="lt1"/>
+          </a:fontRef>
+        </p:style>
+        <p:txBody>
+          <a:bodyPr rtlCol="0" anchor="ctr"/>
+          <a:lstStyle/>
+          <a:p>
+            <a:pPr algn="ctr"/>
+            <a:endParaRPr lang="zh-CN" altLang="en-US"/>
+          </a:p>
+        </p:txBody>
+      </p:sp>
+      <p:sp>
+        <p:nvSpPr>
+          <p:cNvPr id="159" name="矩形 158">
+            <a:extLst>
+              <a:ext uri="{FF2B5EF4-FFF2-40B4-BE49-F238E27FC236}">
+                <a16:creationId xmlns:a16="http://schemas.microsoft.com/office/drawing/2014/main" id="{AEE2E44F-84FC-4C69-85C2-90A5000016F7}"/>
+              </a:ext>
+            </a:extLst>
+          </p:cNvPr>
+          <p:cNvSpPr/>
+          <p:nvPr/>
+        </p:nvSpPr>
+        <p:spPr>
+          <a:xfrm>
+            <a:off x="4619625" y="1009553"/>
+            <a:ext cx="3000375" cy="1242389"/>
+          </a:xfrm>
+          <a:prstGeom prst="rect">
+            <a:avLst/>
+          </a:prstGeom>
+          <a:solidFill>
+            <a:schemeClr val="accent1">
+              <a:alpha val="50000"/>
+            </a:schemeClr>
+          </a:solidFill>
+          <a:ln>
+            <a:noFill/>
+          </a:ln>
+        </p:spPr>
+        <p:style>
+          <a:lnRef idx="2">
+            <a:schemeClr val="accent1">
+              <a:shade val="50000"/>
+            </a:schemeClr>
+          </a:lnRef>
+          <a:fillRef idx="1">
+            <a:schemeClr val="accent1"/>
+          </a:fillRef>
+          <a:effectRef idx="0">
+            <a:schemeClr val="accent1"/>
+          </a:effectRef>
+          <a:fontRef idx="minor">
+            <a:schemeClr val="lt1"/>
+          </a:fontRef>
+        </p:style>
+        <p:txBody>
+          <a:bodyPr rtlCol="0" anchor="ctr"/>
+          <a:lstStyle/>
+          <a:p>
+            <a:pPr algn="ctr"/>
+            <a:endParaRPr lang="zh-CN" altLang="en-US"/>
+          </a:p>
+        </p:txBody>
+      </p:sp>
+    </p:spTree>
+    <p:extLst>
+      <p:ext uri="{BB962C8B-B14F-4D97-AF65-F5344CB8AC3E}">
+        <p14:creationId xmlns:p14="http://schemas.microsoft.com/office/powerpoint/2010/main" val="2669375098"/>
+      </p:ext>
+    </p:extLst>
+  </p:cSld>
+  <p:clrMapOvr>
+    <a:masterClrMapping/>
+  </p:clrMapOvr>
+</p:sld>
+</file>
+
+<file path=ppt/slides/slide4.xml><?xml version="1.0" encoding="utf-8"?>
+<p:sld xmlns:a="http://schemas.openxmlformats.org/drawingml/2006/main" xmlns:r="http://schemas.openxmlformats.org/officeDocument/2006/relationships" xmlns:p="http://schemas.openxmlformats.org/presentationml/2006/main">
+  <p:cSld>
+    <p:spTree>
+      <p:nvGrpSpPr>
+        <p:cNvPr id="1" name=""/>
+        <p:cNvGrpSpPr/>
+        <p:nvPr/>
+      </p:nvGrpSpPr>
+      <p:grpSpPr>
+        <a:xfrm>
+          <a:off x="0" y="0"/>
+          <a:ext cx="0" cy="0"/>
+          <a:chOff x="0" y="0"/>
+          <a:chExt cx="0" cy="0"/>
+        </a:xfrm>
+      </p:grpSpPr>
+      <p:pic>
+        <p:nvPicPr>
+          <p:cNvPr id="2" name="图片 1" hidden="1">
+            <a:extLst>
+              <a:ext uri="{FF2B5EF4-FFF2-40B4-BE49-F238E27FC236}">
+                <a16:creationId xmlns:a16="http://schemas.microsoft.com/office/drawing/2014/main" id="{B73A709A-4CE8-470E-948F-485598E3EB8F}"/>
+              </a:ext>
+            </a:extLst>
+          </p:cNvPr>
+          <p:cNvPicPr>
+            <a:picLocks noChangeAspect="1"/>
+          </p:cNvPicPr>
+          <p:nvPr/>
+        </p:nvPicPr>
+        <p:blipFill>
+          <a:blip r:embed="rId2"/>
+          <a:stretch>
+            <a:fillRect/>
+          </a:stretch>
+        </p:blipFill>
+        <p:spPr>
+          <a:xfrm>
+            <a:off x="6534961" y="5191125"/>
+            <a:ext cx="4591050" cy="1666875"/>
+          </a:xfrm>
+          <a:prstGeom prst="rect">
+            <a:avLst/>
+          </a:prstGeom>
+        </p:spPr>
+      </p:pic>
+      <p:sp>
+        <p:nvSpPr>
+          <p:cNvPr id="4" name="矩形 3" hidden="1">
+            <a:extLst>
+              <a:ext uri="{FF2B5EF4-FFF2-40B4-BE49-F238E27FC236}">
+                <a16:creationId xmlns:a16="http://schemas.microsoft.com/office/drawing/2014/main" id="{F4C2391A-02E5-460E-B787-BD7FE6684228}"/>
+              </a:ext>
+            </a:extLst>
+          </p:cNvPr>
+          <p:cNvSpPr/>
+          <p:nvPr/>
+        </p:nvSpPr>
+        <p:spPr>
+          <a:xfrm>
+            <a:off x="11123363" y="5191125"/>
+            <a:ext cx="1068637" cy="1665288"/>
+          </a:xfrm>
+          <a:prstGeom prst="rect">
+            <a:avLst/>
+          </a:prstGeom>
+          <a:solidFill>
+            <a:srgbClr val="000000"/>
+          </a:solidFill>
+          <a:ln>
+            <a:noFill/>
+          </a:ln>
+        </p:spPr>
+        <p:style>
+          <a:lnRef idx="2">
+            <a:schemeClr val="accent1">
+              <a:shade val="50000"/>
+            </a:schemeClr>
+          </a:lnRef>
+          <a:fillRef idx="1">
+            <a:schemeClr val="accent1"/>
+          </a:fillRef>
+          <a:effectRef idx="0">
+            <a:schemeClr val="accent1"/>
+          </a:effectRef>
+          <a:fontRef idx="minor">
+            <a:schemeClr val="lt1"/>
+          </a:fontRef>
+        </p:style>
+        <p:txBody>
+          <a:bodyPr rtlCol="0" anchor="ctr"/>
+          <a:lstStyle/>
+          <a:p>
+            <a:pPr algn="ctr"/>
+            <a:endParaRPr lang="zh-CN" altLang="en-US"/>
+          </a:p>
+        </p:txBody>
+      </p:sp>
+      <p:pic>
+        <p:nvPicPr>
+          <p:cNvPr id="9" name="图片 8">
+            <a:extLst>
+              <a:ext uri="{FF2B5EF4-FFF2-40B4-BE49-F238E27FC236}">
+                <a16:creationId xmlns:a16="http://schemas.microsoft.com/office/drawing/2014/main" id="{2F446BE4-FD27-4945-B53B-E7EC3A19EDA6}"/>
+              </a:ext>
+            </a:extLst>
+          </p:cNvPr>
+          <p:cNvPicPr>
+            <a:picLocks noChangeAspect="1" noChangeArrowheads="1"/>
+          </p:cNvPicPr>
+          <p:nvPr/>
+        </p:nvPicPr>
+        <p:blipFill>
+          <a:blip r:embed="rId3">
+            <a:extLst>
+              <a:ext uri="{28A0092B-C50C-407E-A947-70E740481C1C}">
+                <a14:useLocalDpi xmlns:a14="http://schemas.microsoft.com/office/drawing/2010/main" val="0"/>
+              </a:ext>
+            </a:extLst>
+          </a:blip>
+          <a:srcRect l="13402" t="8144" r="13121" b="7883"/>
+          <a:stretch>
+            <a:fillRect/>
+          </a:stretch>
+        </p:blipFill>
+        <p:spPr bwMode="auto">
+          <a:xfrm>
+            <a:off x="9848648" y="5465385"/>
+            <a:ext cx="1155512" cy="1155512"/>
+          </a:xfrm>
+          <a:custGeom>
+            <a:avLst/>
+            <a:gdLst>
+              <a:gd name="connsiteX0" fmla="*/ 577756 w 1155512"/>
+              <a:gd name="connsiteY0" fmla="*/ 0 h 1155512"/>
+              <a:gd name="connsiteX1" fmla="*/ 1155512 w 1155512"/>
+              <a:gd name="connsiteY1" fmla="*/ 577756 h 1155512"/>
+              <a:gd name="connsiteX2" fmla="*/ 577756 w 1155512"/>
+              <a:gd name="connsiteY2" fmla="*/ 1155512 h 1155512"/>
+              <a:gd name="connsiteX3" fmla="*/ 0 w 1155512"/>
+              <a:gd name="connsiteY3" fmla="*/ 577756 h 1155512"/>
+              <a:gd name="connsiteX4" fmla="*/ 577756 w 1155512"/>
+              <a:gd name="connsiteY4" fmla="*/ 0 h 1155512"/>
+            </a:gdLst>
+            <a:ahLst/>
+            <a:cxnLst>
+              <a:cxn ang="0">
+                <a:pos x="connsiteX0" y="connsiteY0"/>
+              </a:cxn>
+              <a:cxn ang="0">
+                <a:pos x="connsiteX1" y="connsiteY1"/>
+              </a:cxn>
+              <a:cxn ang="0">
+                <a:pos x="connsiteX2" y="connsiteY2"/>
+              </a:cxn>
+              <a:cxn ang="0">
+                <a:pos x="connsiteX3" y="connsiteY3"/>
+              </a:cxn>
+              <a:cxn ang="0">
+                <a:pos x="connsiteX4" y="connsiteY4"/>
+              </a:cxn>
+            </a:cxnLst>
+            <a:rect l="l" t="t" r="r" b="b"/>
+            <a:pathLst>
+              <a:path w="1155512" h="1155512">
+                <a:moveTo>
+                  <a:pt x="577756" y="0"/>
+                </a:moveTo>
+                <a:cubicBezTo>
+                  <a:pt x="896842" y="0"/>
+                  <a:pt x="1155512" y="258670"/>
+                  <a:pt x="1155512" y="577756"/>
+                </a:cubicBezTo>
+                <a:cubicBezTo>
+                  <a:pt x="1155512" y="896842"/>
+                  <a:pt x="896842" y="1155512"/>
+                  <a:pt x="577756" y="1155512"/>
+                </a:cubicBezTo>
+                <a:cubicBezTo>
+                  <a:pt x="258670" y="1155512"/>
+                  <a:pt x="0" y="896842"/>
+                  <a:pt x="0" y="577756"/>
+                </a:cubicBezTo>
+                <a:cubicBezTo>
+                  <a:pt x="0" y="258670"/>
+                  <a:pt x="258670" y="0"/>
+                  <a:pt x="577756" y="0"/>
+                </a:cubicBezTo>
+                <a:close/>
+              </a:path>
+            </a:pathLst>
+          </a:custGeom>
+          <a:noFill/>
+          <a:effectLst/>
+          <a:extLst>
+            <a:ext uri="{909E8E84-426E-40DD-AFC4-6F175D3DCCD1}">
+              <a14:hiddenFill xmlns:a14="http://schemas.microsoft.com/office/drawing/2010/main">
+                <a:solidFill>
+                  <a:srgbClr val="FFFFFF"/>
+                </a:solidFill>
+              </a14:hiddenFill>
+            </a:ext>
+          </a:extLst>
+        </p:spPr>
+      </p:pic>
+      <p:grpSp>
+        <p:nvGrpSpPr>
+          <p:cNvPr id="5" name="组合 4">
+            <a:extLst>
+              <a:ext uri="{FF2B5EF4-FFF2-40B4-BE49-F238E27FC236}">
+                <a16:creationId xmlns:a16="http://schemas.microsoft.com/office/drawing/2014/main" id="{483C424A-667A-42C4-9F8A-53FB59A1695B}"/>
+              </a:ext>
+            </a:extLst>
+          </p:cNvPr>
+          <p:cNvGrpSpPr/>
+          <p:nvPr/>
+        </p:nvGrpSpPr>
+        <p:grpSpPr>
+          <a:xfrm>
+            <a:off x="4296000" y="1629000"/>
+            <a:ext cx="3600000" cy="3600356"/>
+            <a:chOff x="4296000" y="1629000"/>
+            <a:chExt cx="3600000" cy="3600356"/>
+          </a:xfrm>
+        </p:grpSpPr>
+        <p:sp>
+          <p:nvSpPr>
+            <p:cNvPr id="8" name="正圆主体">
+              <a:extLst>
+                <a:ext uri="{FF2B5EF4-FFF2-40B4-BE49-F238E27FC236}">
+                  <a16:creationId xmlns:a16="http://schemas.microsoft.com/office/drawing/2014/main" id="{65010B5B-9202-4C74-AD03-8AF452700F5A}"/>
+                </a:ext>
+              </a:extLst>
+            </p:cNvPr>
+            <p:cNvSpPr>
+              <a:spLocks noChangeAspect="1"/>
+            </p:cNvSpPr>
+            <p:nvPr/>
+          </p:nvSpPr>
+          <p:spPr>
+            <a:xfrm>
+              <a:off x="4296000" y="1629000"/>
+              <a:ext cx="3600000" cy="3600000"/>
+            </a:xfrm>
+            <a:prstGeom prst="ellipse">
+              <a:avLst/>
+            </a:prstGeom>
+            <a:solidFill>
+              <a:srgbClr val="00B050"/>
+            </a:solidFill>
+            <a:ln>
+              <a:noFill/>
+            </a:ln>
+          </p:spPr>
+          <p:style>
+            <a:lnRef idx="2">
+              <a:schemeClr val="accent1">
+                <a:shade val="50000"/>
+              </a:schemeClr>
+            </a:lnRef>
+            <a:fillRef idx="1">
+              <a:schemeClr val="accent1"/>
+            </a:fillRef>
+            <a:effectRef idx="0">
+              <a:schemeClr val="accent1"/>
+            </a:effectRef>
+            <a:fontRef idx="minor">
+              <a:schemeClr val="lt1"/>
+            </a:fontRef>
+          </p:style>
+          <p:txBody>
+            <a:bodyPr rtlCol="0" anchor="ctr"/>
+            <a:lstStyle/>
+            <a:p>
+              <a:pPr algn="ctr"/>
+              <a:endParaRPr lang="zh-CN" altLang="en-US"/>
+            </a:p>
+          </p:txBody>
+        </p:sp>
+        <p:sp>
+          <p:nvSpPr>
+            <p:cNvPr id="25" name="任意多边形: 形状 24">
+              <a:extLst>
+                <a:ext uri="{FF2B5EF4-FFF2-40B4-BE49-F238E27FC236}">
+                  <a16:creationId xmlns:a16="http://schemas.microsoft.com/office/drawing/2014/main" id="{8F9DA8AA-B2BE-48F3-A817-AC6B6D4C0DA2}"/>
+                </a:ext>
+              </a:extLst>
+            </p:cNvPr>
+            <p:cNvSpPr>
+              <a:spLocks noChangeAspect="1"/>
+            </p:cNvSpPr>
+            <p:nvPr/>
+          </p:nvSpPr>
+          <p:spPr>
+            <a:xfrm>
+              <a:off x="4842333" y="3523141"/>
+              <a:ext cx="2507334" cy="1134584"/>
+            </a:xfrm>
+            <a:custGeom>
+              <a:avLst/>
+              <a:gdLst>
+                <a:gd name="connsiteX0" fmla="*/ 1253667 w 2507334"/>
+                <a:gd name="connsiteY0" fmla="*/ 0 h 1134584"/>
+                <a:gd name="connsiteX1" fmla="*/ 2507162 w 2507334"/>
+                <a:gd name="connsiteY1" fmla="*/ 1131173 h 1134584"/>
+                <a:gd name="connsiteX2" fmla="*/ 2507334 w 2507334"/>
+                <a:gd name="connsiteY2" fmla="*/ 1134584 h 1134584"/>
+                <a:gd name="connsiteX3" fmla="*/ 0 w 2507334"/>
+                <a:gd name="connsiteY3" fmla="*/ 1134584 h 1134584"/>
+                <a:gd name="connsiteX4" fmla="*/ 173 w 2507334"/>
+                <a:gd name="connsiteY4" fmla="*/ 1131173 h 1134584"/>
+                <a:gd name="connsiteX5" fmla="*/ 1253667 w 2507334"/>
+                <a:gd name="connsiteY5" fmla="*/ 0 h 1134584"/>
+              </a:gdLst>
+              <a:ahLst/>
+              <a:cxnLst>
+                <a:cxn ang="0">
+                  <a:pos x="connsiteX0" y="connsiteY0"/>
+                </a:cxn>
+                <a:cxn ang="0">
+                  <a:pos x="connsiteX1" y="connsiteY1"/>
+                </a:cxn>
+                <a:cxn ang="0">
+                  <a:pos x="connsiteX2" y="connsiteY2"/>
+                </a:cxn>
+                <a:cxn ang="0">
+                  <a:pos x="connsiteX3" y="connsiteY3"/>
+                </a:cxn>
+                <a:cxn ang="0">
+                  <a:pos x="connsiteX4" y="connsiteY4"/>
+                </a:cxn>
+                <a:cxn ang="0">
+                  <a:pos x="connsiteX5" y="connsiteY5"/>
+                </a:cxn>
+              </a:cxnLst>
+              <a:rect l="l" t="t" r="r" b="b"/>
+              <a:pathLst>
+                <a:path w="2507334" h="1134584">
+                  <a:moveTo>
+                    <a:pt x="1253667" y="0"/>
+                  </a:moveTo>
+                  <a:cubicBezTo>
+                    <a:pt x="1906054" y="0"/>
+                    <a:pt x="2442637" y="495810"/>
+                    <a:pt x="2507162" y="1131173"/>
+                  </a:cubicBezTo>
+                  <a:lnTo>
+                    <a:pt x="2507334" y="1134584"/>
+                  </a:lnTo>
+                  <a:lnTo>
+                    <a:pt x="0" y="1134584"/>
+                  </a:lnTo>
+                  <a:lnTo>
+                    <a:pt x="173" y="1131173"/>
+                  </a:lnTo>
+                  <a:cubicBezTo>
+                    <a:pt x="64697" y="495810"/>
+                    <a:pt x="601281" y="0"/>
+                    <a:pt x="1253667" y="0"/>
+                  </a:cubicBezTo>
+                  <a:close/>
+                </a:path>
+              </a:pathLst>
+            </a:custGeom>
+            <a:solidFill>
+              <a:schemeClr val="bg1"/>
+            </a:solidFill>
+            <a:ln>
+              <a:noFill/>
+            </a:ln>
+          </p:spPr>
+          <p:style>
+            <a:lnRef idx="2">
+              <a:schemeClr val="accent1">
+                <a:shade val="50000"/>
+              </a:schemeClr>
+            </a:lnRef>
+            <a:fillRef idx="1">
+              <a:schemeClr val="accent1"/>
+            </a:fillRef>
+            <a:effectRef idx="0">
+              <a:schemeClr val="accent1"/>
+            </a:effectRef>
+            <a:fontRef idx="minor">
+              <a:schemeClr val="lt1"/>
+            </a:fontRef>
+          </p:style>
+          <p:txBody>
+            <a:bodyPr wrap="square" rtlCol="0" anchor="ctr">
+              <a:noAutofit/>
+            </a:bodyPr>
+            <a:lstStyle/>
+            <a:p>
+              <a:pPr algn="ctr"/>
+              <a:endParaRPr lang="zh-CN" altLang="en-US"/>
+            </a:p>
+          </p:txBody>
+        </p:sp>
+        <p:sp>
+          <p:nvSpPr>
+            <p:cNvPr id="34" name="任意多边形: 形状 33">
+              <a:extLst>
+                <a:ext uri="{FF2B5EF4-FFF2-40B4-BE49-F238E27FC236}">
+                  <a16:creationId xmlns:a16="http://schemas.microsoft.com/office/drawing/2014/main" id="{2D76BCF6-4593-4705-957F-40AD63CC3047}"/>
+                </a:ext>
+              </a:extLst>
+            </p:cNvPr>
+            <p:cNvSpPr>
+              <a:spLocks noChangeAspect="1"/>
+            </p:cNvSpPr>
+            <p:nvPr/>
+          </p:nvSpPr>
+          <p:spPr>
+            <a:xfrm>
+              <a:off x="5196000" y="3911832"/>
+              <a:ext cx="1800000" cy="1317524"/>
+            </a:xfrm>
+            <a:custGeom>
+              <a:avLst/>
+              <a:gdLst>
+                <a:gd name="connsiteX0" fmla="*/ 900000 w 1800000"/>
+                <a:gd name="connsiteY0" fmla="*/ 0 h 1317524"/>
+                <a:gd name="connsiteX1" fmla="*/ 1800000 w 1800000"/>
+                <a:gd name="connsiteY1" fmla="*/ 900000 h 1317524"/>
+                <a:gd name="connsiteX2" fmla="*/ 1781715 w 1800000"/>
+                <a:gd name="connsiteY2" fmla="*/ 1081381 h 1317524"/>
+                <a:gd name="connsiteX3" fmla="*/ 1779250 w 1800000"/>
+                <a:gd name="connsiteY3" fmla="*/ 1090969 h 1317524"/>
+                <a:gd name="connsiteX4" fmla="*/ 1763934 w 1800000"/>
+                <a:gd name="connsiteY4" fmla="*/ 1100274 h 1317524"/>
+                <a:gd name="connsiteX5" fmla="*/ 905947 w 1800000"/>
+                <a:gd name="connsiteY5" fmla="*/ 1317524 h 1317524"/>
+                <a:gd name="connsiteX6" fmla="*/ 47960 w 1800000"/>
+                <a:gd name="connsiteY6" fmla="*/ 1100274 h 1317524"/>
+                <a:gd name="connsiteX7" fmla="*/ 18549 w 1800000"/>
+                <a:gd name="connsiteY7" fmla="*/ 1082406 h 1317524"/>
+                <a:gd name="connsiteX8" fmla="*/ 18285 w 1800000"/>
+                <a:gd name="connsiteY8" fmla="*/ 1081381 h 1317524"/>
+                <a:gd name="connsiteX9" fmla="*/ 0 w 1800000"/>
+                <a:gd name="connsiteY9" fmla="*/ 900000 h 1317524"/>
+                <a:gd name="connsiteX10" fmla="*/ 900000 w 1800000"/>
+                <a:gd name="connsiteY10" fmla="*/ 0 h 1317524"/>
+              </a:gdLst>
+              <a:ahLst/>
+              <a:cxnLst>
+                <a:cxn ang="0">
+                  <a:pos x="connsiteX0" y="connsiteY0"/>
+                </a:cxn>
+                <a:cxn ang="0">
+                  <a:pos x="connsiteX1" y="connsiteY1"/>
+                </a:cxn>
+                <a:cxn ang="0">
+                  <a:pos x="connsiteX2" y="connsiteY2"/>
+                </a:cxn>
+                <a:cxn ang="0">
+                  <a:pos x="connsiteX3" y="connsiteY3"/>
+                </a:cxn>
+                <a:cxn ang="0">
+                  <a:pos x="connsiteX4" y="connsiteY4"/>
+                </a:cxn>
+                <a:cxn ang="0">
+                  <a:pos x="connsiteX5" y="connsiteY5"/>
+                </a:cxn>
+                <a:cxn ang="0">
+                  <a:pos x="connsiteX6" y="connsiteY6"/>
+                </a:cxn>
+                <a:cxn ang="0">
+                  <a:pos x="connsiteX7" y="connsiteY7"/>
+                </a:cxn>
+                <a:cxn ang="0">
+                  <a:pos x="connsiteX8" y="connsiteY8"/>
+                </a:cxn>
+                <a:cxn ang="0">
+                  <a:pos x="connsiteX9" y="connsiteY9"/>
+                </a:cxn>
+                <a:cxn ang="0">
+                  <a:pos x="connsiteX10" y="connsiteY10"/>
+                </a:cxn>
+              </a:cxnLst>
+              <a:rect l="l" t="t" r="r" b="b"/>
+              <a:pathLst>
+                <a:path w="1800000" h="1317524">
+                  <a:moveTo>
+                    <a:pt x="900000" y="0"/>
+                  </a:moveTo>
+                  <a:cubicBezTo>
+                    <a:pt x="1397056" y="0"/>
+                    <a:pt x="1800000" y="402944"/>
+                    <a:pt x="1800000" y="900000"/>
+                  </a:cubicBezTo>
+                  <a:cubicBezTo>
+                    <a:pt x="1800000" y="962132"/>
+                    <a:pt x="1793704" y="1022794"/>
+                    <a:pt x="1781715" y="1081381"/>
+                  </a:cubicBezTo>
+                  <a:lnTo>
+                    <a:pt x="1779250" y="1090969"/>
+                  </a:lnTo>
+                  <a:lnTo>
+                    <a:pt x="1763934" y="1100274"/>
+                  </a:lnTo>
+                  <a:cubicBezTo>
+                    <a:pt x="1508886" y="1238824"/>
+                    <a:pt x="1216608" y="1317524"/>
+                    <a:pt x="905947" y="1317524"/>
+                  </a:cubicBezTo>
+                  <a:cubicBezTo>
+                    <a:pt x="595287" y="1317524"/>
+                    <a:pt x="303008" y="1238824"/>
+                    <a:pt x="47960" y="1100274"/>
+                  </a:cubicBezTo>
+                  <a:lnTo>
+                    <a:pt x="18549" y="1082406"/>
+                  </a:lnTo>
+                  <a:lnTo>
+                    <a:pt x="18285" y="1081381"/>
+                  </a:lnTo>
+                  <a:cubicBezTo>
+                    <a:pt x="6296" y="1022794"/>
+                    <a:pt x="0" y="962132"/>
+                    <a:pt x="0" y="900000"/>
+                  </a:cubicBezTo>
+                  <a:cubicBezTo>
+                    <a:pt x="0" y="402944"/>
+                    <a:pt x="402944" y="0"/>
+                    <a:pt x="900000" y="0"/>
+                  </a:cubicBezTo>
+                  <a:close/>
+                </a:path>
+              </a:pathLst>
+            </a:custGeom>
+            <a:solidFill>
+              <a:srgbClr val="00B050"/>
+            </a:solidFill>
+            <a:ln>
+              <a:noFill/>
+            </a:ln>
+          </p:spPr>
+          <p:style>
+            <a:lnRef idx="2">
+              <a:schemeClr val="accent1">
+                <a:shade val="50000"/>
+              </a:schemeClr>
+            </a:lnRef>
+            <a:fillRef idx="1">
+              <a:schemeClr val="accent1"/>
+            </a:fillRef>
+            <a:effectRef idx="0">
+              <a:schemeClr val="accent1"/>
+            </a:effectRef>
+            <a:fontRef idx="minor">
+              <a:schemeClr val="lt1"/>
+            </a:fontRef>
+          </p:style>
+          <p:txBody>
+            <a:bodyPr wrap="square" rtlCol="0" anchor="ctr">
+              <a:noAutofit/>
+            </a:bodyPr>
+            <a:lstStyle/>
+            <a:p>
+              <a:pPr algn="ctr"/>
+              <a:endParaRPr lang="zh-CN" altLang="en-US"/>
+            </a:p>
+          </p:txBody>
+        </p:sp>
+        <p:sp>
+          <p:nvSpPr>
+            <p:cNvPr id="20" name="任意多边形: 形状 19">
+              <a:extLst>
+                <a:ext uri="{FF2B5EF4-FFF2-40B4-BE49-F238E27FC236}">
+                  <a16:creationId xmlns:a16="http://schemas.microsoft.com/office/drawing/2014/main" id="{713731ED-1895-4BA2-9182-518519705B5C}"/>
+                </a:ext>
+              </a:extLst>
+            </p:cNvPr>
+            <p:cNvSpPr>
+              <a:spLocks noChangeAspect="1"/>
+            </p:cNvSpPr>
+            <p:nvPr/>
+          </p:nvSpPr>
+          <p:spPr>
+            <a:xfrm>
+              <a:off x="4849870" y="2251943"/>
+              <a:ext cx="2492260" cy="1082916"/>
+            </a:xfrm>
+            <a:custGeom>
+              <a:avLst/>
+              <a:gdLst>
+                <a:gd name="connsiteX0" fmla="*/ 0 w 2492260"/>
+                <a:gd name="connsiteY0" fmla="*/ 0 h 1082916"/>
+                <a:gd name="connsiteX1" fmla="*/ 2492260 w 2492260"/>
+                <a:gd name="connsiteY1" fmla="*/ 0 h 1082916"/>
+                <a:gd name="connsiteX2" fmla="*/ 2480532 w 2492260"/>
+                <a:gd name="connsiteY2" fmla="*/ 76850 h 1082916"/>
+                <a:gd name="connsiteX3" fmla="*/ 1246130 w 2492260"/>
+                <a:gd name="connsiteY3" fmla="*/ 1082916 h 1082916"/>
+                <a:gd name="connsiteX4" fmla="*/ 11729 w 2492260"/>
+                <a:gd name="connsiteY4" fmla="*/ 76850 h 1082916"/>
+              </a:gdLst>
+              <a:ahLst/>
+              <a:cxnLst>
+                <a:cxn ang="0">
+                  <a:pos x="connsiteX0" y="connsiteY0"/>
+                </a:cxn>
+                <a:cxn ang="0">
+                  <a:pos x="connsiteX1" y="connsiteY1"/>
+                </a:cxn>
+                <a:cxn ang="0">
+                  <a:pos x="connsiteX2" y="connsiteY2"/>
+                </a:cxn>
+                <a:cxn ang="0">
+                  <a:pos x="connsiteX3" y="connsiteY3"/>
+                </a:cxn>
+                <a:cxn ang="0">
+                  <a:pos x="connsiteX4" y="connsiteY4"/>
+                </a:cxn>
+              </a:cxnLst>
+              <a:rect l="l" t="t" r="r" b="b"/>
+              <a:pathLst>
+                <a:path w="2492260" h="1082916">
+                  <a:moveTo>
+                    <a:pt x="0" y="0"/>
+                  </a:moveTo>
+                  <a:lnTo>
+                    <a:pt x="2492260" y="0"/>
+                  </a:lnTo>
+                  <a:lnTo>
+                    <a:pt x="2480532" y="76850"/>
+                  </a:lnTo>
+                  <a:cubicBezTo>
+                    <a:pt x="2363041" y="651011"/>
+                    <a:pt x="1855024" y="1082916"/>
+                    <a:pt x="1246130" y="1082916"/>
+                  </a:cubicBezTo>
+                  <a:cubicBezTo>
+                    <a:pt x="637236" y="1082916"/>
+                    <a:pt x="129219" y="651011"/>
+                    <a:pt x="11729" y="76850"/>
+                  </a:cubicBezTo>
+                  <a:close/>
+                </a:path>
+              </a:pathLst>
+            </a:custGeom>
+            <a:solidFill>
+              <a:schemeClr val="bg1"/>
+            </a:solidFill>
+            <a:ln>
+              <a:noFill/>
+            </a:ln>
+          </p:spPr>
+          <p:style>
+            <a:lnRef idx="2">
+              <a:schemeClr val="accent1">
+                <a:shade val="50000"/>
+              </a:schemeClr>
+            </a:lnRef>
+            <a:fillRef idx="1">
+              <a:schemeClr val="accent1"/>
+            </a:fillRef>
+            <a:effectRef idx="0">
+              <a:schemeClr val="accent1"/>
+            </a:effectRef>
+            <a:fontRef idx="minor">
+              <a:schemeClr val="lt1"/>
+            </a:fontRef>
+          </p:style>
+          <p:txBody>
+            <a:bodyPr wrap="square" rtlCol="0" anchor="ctr">
+              <a:noAutofit/>
+            </a:bodyPr>
+            <a:lstStyle/>
+            <a:p>
+              <a:pPr algn="ctr"/>
+              <a:endParaRPr lang="zh-CN" altLang="en-US"/>
+            </a:p>
+          </p:txBody>
+        </p:sp>
+        <p:sp>
+          <p:nvSpPr>
+            <p:cNvPr id="32" name="任意多边形: 形状 31">
+              <a:extLst>
+                <a:ext uri="{FF2B5EF4-FFF2-40B4-BE49-F238E27FC236}">
+                  <a16:creationId xmlns:a16="http://schemas.microsoft.com/office/drawing/2014/main" id="{25C3BC3E-321D-47C2-9096-DAA0E91C3BC1}"/>
+                </a:ext>
+              </a:extLst>
+            </p:cNvPr>
+            <p:cNvSpPr>
+              <a:spLocks noChangeAspect="1"/>
+            </p:cNvSpPr>
+            <p:nvPr/>
+          </p:nvSpPr>
+          <p:spPr>
+            <a:xfrm>
+              <a:off x="5196000" y="1629357"/>
+              <a:ext cx="1800000" cy="1368479"/>
+            </a:xfrm>
+            <a:custGeom>
+              <a:avLst/>
+              <a:gdLst>
+                <a:gd name="connsiteX0" fmla="*/ 897481 w 1800000"/>
+                <a:gd name="connsiteY0" fmla="*/ 0 h 1368479"/>
+                <a:gd name="connsiteX1" fmla="*/ 1755468 w 1800000"/>
+                <a:gd name="connsiteY1" fmla="*/ 217250 h 1368479"/>
+                <a:gd name="connsiteX2" fmla="*/ 1765290 w 1800000"/>
+                <a:gd name="connsiteY2" fmla="*/ 223217 h 1368479"/>
+                <a:gd name="connsiteX3" fmla="*/ 1781715 w 1800000"/>
+                <a:gd name="connsiteY3" fmla="*/ 287098 h 1368479"/>
+                <a:gd name="connsiteX4" fmla="*/ 1800000 w 1800000"/>
+                <a:gd name="connsiteY4" fmla="*/ 468479 h 1368479"/>
+                <a:gd name="connsiteX5" fmla="*/ 900000 w 1800000"/>
+                <a:gd name="connsiteY5" fmla="*/ 1368479 h 1368479"/>
+                <a:gd name="connsiteX6" fmla="*/ 0 w 1800000"/>
+                <a:gd name="connsiteY6" fmla="*/ 468479 h 1368479"/>
+                <a:gd name="connsiteX7" fmla="*/ 18285 w 1800000"/>
+                <a:gd name="connsiteY7" fmla="*/ 287098 h 1368479"/>
+                <a:gd name="connsiteX8" fmla="*/ 35643 w 1800000"/>
+                <a:gd name="connsiteY8" fmla="*/ 219590 h 1368479"/>
+                <a:gd name="connsiteX9" fmla="*/ 39494 w 1800000"/>
+                <a:gd name="connsiteY9" fmla="*/ 217250 h 1368479"/>
+                <a:gd name="connsiteX10" fmla="*/ 897481 w 1800000"/>
+                <a:gd name="connsiteY10" fmla="*/ 0 h 1368479"/>
+              </a:gdLst>
+              <a:ahLst/>
+              <a:cxnLst>
+                <a:cxn ang="0">
+                  <a:pos x="connsiteX0" y="connsiteY0"/>
+                </a:cxn>
+                <a:cxn ang="0">
+                  <a:pos x="connsiteX1" y="connsiteY1"/>
+                </a:cxn>
+                <a:cxn ang="0">
+                  <a:pos x="connsiteX2" y="connsiteY2"/>
+                </a:cxn>
+                <a:cxn ang="0">
+                  <a:pos x="connsiteX3" y="connsiteY3"/>
+                </a:cxn>
+                <a:cxn ang="0">
+                  <a:pos x="connsiteX4" y="connsiteY4"/>
+                </a:cxn>
+                <a:cxn ang="0">
+                  <a:pos x="connsiteX5" y="connsiteY5"/>
+                </a:cxn>
+                <a:cxn ang="0">
+                  <a:pos x="connsiteX6" y="connsiteY6"/>
+                </a:cxn>
+                <a:cxn ang="0">
+                  <a:pos x="connsiteX7" y="connsiteY7"/>
+                </a:cxn>
+                <a:cxn ang="0">
+                  <a:pos x="connsiteX8" y="connsiteY8"/>
+                </a:cxn>
+                <a:cxn ang="0">
+                  <a:pos x="connsiteX9" y="connsiteY9"/>
+                </a:cxn>
+                <a:cxn ang="0">
+                  <a:pos x="connsiteX10" y="connsiteY10"/>
+                </a:cxn>
+              </a:cxnLst>
+              <a:rect l="l" t="t" r="r" b="b"/>
+              <a:pathLst>
+                <a:path w="1800000" h="1368479">
+                  <a:moveTo>
+                    <a:pt x="897481" y="0"/>
+                  </a:moveTo>
+                  <a:cubicBezTo>
+                    <a:pt x="1208142" y="0"/>
+                    <a:pt x="1500420" y="78700"/>
+                    <a:pt x="1755468" y="217250"/>
+                  </a:cubicBezTo>
+                  <a:lnTo>
+                    <a:pt x="1765290" y="223217"/>
+                  </a:lnTo>
+                  <a:lnTo>
+                    <a:pt x="1781715" y="287098"/>
+                  </a:lnTo>
+                  <a:cubicBezTo>
+                    <a:pt x="1793704" y="345686"/>
+                    <a:pt x="1800000" y="406347"/>
+                    <a:pt x="1800000" y="468479"/>
+                  </a:cubicBezTo>
+                  <a:cubicBezTo>
+                    <a:pt x="1800000" y="965535"/>
+                    <a:pt x="1397056" y="1368479"/>
+                    <a:pt x="900000" y="1368479"/>
+                  </a:cubicBezTo>
+                  <a:cubicBezTo>
+                    <a:pt x="402944" y="1368479"/>
+                    <a:pt x="0" y="965535"/>
+                    <a:pt x="0" y="468479"/>
+                  </a:cubicBezTo>
+                  <a:cubicBezTo>
+                    <a:pt x="0" y="406347"/>
+                    <a:pt x="6296" y="345686"/>
+                    <a:pt x="18285" y="287098"/>
+                  </a:cubicBezTo>
+                  <a:lnTo>
+                    <a:pt x="35643" y="219590"/>
+                  </a:lnTo>
+                  <a:lnTo>
+                    <a:pt x="39494" y="217250"/>
+                  </a:lnTo>
+                  <a:cubicBezTo>
+                    <a:pt x="294542" y="78700"/>
+                    <a:pt x="586821" y="0"/>
+                    <a:pt x="897481" y="0"/>
+                  </a:cubicBezTo>
+                  <a:close/>
+                </a:path>
+              </a:pathLst>
+            </a:custGeom>
+            <a:solidFill>
+              <a:srgbClr val="00B050"/>
+            </a:solidFill>
+            <a:ln>
+              <a:noFill/>
+            </a:ln>
+          </p:spPr>
+          <p:style>
+            <a:lnRef idx="2">
+              <a:schemeClr val="accent1">
+                <a:shade val="50000"/>
+              </a:schemeClr>
+            </a:lnRef>
+            <a:fillRef idx="1">
+              <a:schemeClr val="accent1"/>
+            </a:fillRef>
+            <a:effectRef idx="0">
+              <a:schemeClr val="accent1"/>
+            </a:effectRef>
+            <a:fontRef idx="minor">
+              <a:schemeClr val="lt1"/>
+            </a:fontRef>
+          </p:style>
+          <p:txBody>
+            <a:bodyPr wrap="square" rtlCol="0" anchor="ctr">
+              <a:noAutofit/>
+            </a:bodyPr>
+            <a:lstStyle/>
+            <a:p>
+              <a:pPr algn="ctr"/>
+              <a:endParaRPr lang="zh-CN" altLang="en-US"/>
+            </a:p>
+          </p:txBody>
+        </p:sp>
+        <p:sp>
+          <p:nvSpPr>
+            <p:cNvPr id="29" name="任意多边形: 形状 28">
+              <a:extLst>
+                <a:ext uri="{FF2B5EF4-FFF2-40B4-BE49-F238E27FC236}">
+                  <a16:creationId xmlns:a16="http://schemas.microsoft.com/office/drawing/2014/main" id="{604BE572-A4AC-4853-AA0C-985E2D99FE5C}"/>
+                </a:ext>
+              </a:extLst>
+            </p:cNvPr>
+            <p:cNvSpPr/>
+            <p:nvPr/>
+          </p:nvSpPr>
+          <p:spPr>
+            <a:xfrm>
+              <a:off x="5591585" y="2251943"/>
+              <a:ext cx="360000" cy="2405782"/>
+            </a:xfrm>
+            <a:custGeom>
+              <a:avLst/>
+              <a:gdLst>
+                <a:gd name="connsiteX0" fmla="*/ 0 w 360000"/>
+                <a:gd name="connsiteY0" fmla="*/ 0 h 2405782"/>
+                <a:gd name="connsiteX1" fmla="*/ 360000 w 360000"/>
+                <a:gd name="connsiteY1" fmla="*/ 0 h 2405782"/>
+                <a:gd name="connsiteX2" fmla="*/ 360000 w 360000"/>
+                <a:gd name="connsiteY2" fmla="*/ 2405782 h 2405782"/>
+                <a:gd name="connsiteX3" fmla="*/ 0 w 360000"/>
+                <a:gd name="connsiteY3" fmla="*/ 2405782 h 2405782"/>
+              </a:gdLst>
+              <a:ahLst/>
+              <a:cxnLst>
+                <a:cxn ang="0">
+                  <a:pos x="connsiteX0" y="connsiteY0"/>
+                </a:cxn>
+                <a:cxn ang="0">
+                  <a:pos x="connsiteX1" y="connsiteY1"/>
+                </a:cxn>
+                <a:cxn ang="0">
+                  <a:pos x="connsiteX2" y="connsiteY2"/>
+                </a:cxn>
+                <a:cxn ang="0">
+                  <a:pos x="connsiteX3" y="connsiteY3"/>
+                </a:cxn>
+              </a:cxnLst>
+              <a:rect l="l" t="t" r="r" b="b"/>
+              <a:pathLst>
+                <a:path w="360000" h="2405782">
+                  <a:moveTo>
+                    <a:pt x="0" y="0"/>
+                  </a:moveTo>
+                  <a:lnTo>
+                    <a:pt x="360000" y="0"/>
+                  </a:lnTo>
+                  <a:lnTo>
+                    <a:pt x="360000" y="2405782"/>
+                  </a:lnTo>
+                  <a:lnTo>
+                    <a:pt x="0" y="2405782"/>
+                  </a:lnTo>
+                  <a:close/>
+                </a:path>
+              </a:pathLst>
+            </a:custGeom>
+            <a:solidFill>
+              <a:schemeClr val="bg1"/>
+            </a:solidFill>
+            <a:ln>
+              <a:noFill/>
+            </a:ln>
+          </p:spPr>
+          <p:style>
+            <a:lnRef idx="2">
+              <a:schemeClr val="accent1">
+                <a:shade val="50000"/>
+              </a:schemeClr>
+            </a:lnRef>
+            <a:fillRef idx="1">
+              <a:schemeClr val="accent1"/>
+            </a:fillRef>
+            <a:effectRef idx="0">
+              <a:schemeClr val="accent1"/>
+            </a:effectRef>
+            <a:fontRef idx="minor">
+              <a:schemeClr val="lt1"/>
+            </a:fontRef>
+          </p:style>
+          <p:txBody>
+            <a:bodyPr wrap="square" rtlCol="0" anchor="ctr">
+              <a:noAutofit/>
+            </a:bodyPr>
+            <a:lstStyle/>
+            <a:p>
+              <a:pPr algn="ctr"/>
+              <a:endParaRPr lang="zh-CN" altLang="en-US"/>
+            </a:p>
+          </p:txBody>
+        </p:sp>
+        <p:sp>
+          <p:nvSpPr>
+            <p:cNvPr id="27" name="任意多边形: 形状 26">
+              <a:extLst>
+                <a:ext uri="{FF2B5EF4-FFF2-40B4-BE49-F238E27FC236}">
+                  <a16:creationId xmlns:a16="http://schemas.microsoft.com/office/drawing/2014/main" id="{E073394D-2FAD-4A9C-9B2A-D7E640304A0C}"/>
+                </a:ext>
+              </a:extLst>
+            </p:cNvPr>
+            <p:cNvSpPr/>
+            <p:nvPr/>
+          </p:nvSpPr>
+          <p:spPr>
+            <a:xfrm>
+              <a:off x="6238319" y="2251943"/>
+              <a:ext cx="360000" cy="2405782"/>
+            </a:xfrm>
+            <a:custGeom>
+              <a:avLst/>
+              <a:gdLst>
+                <a:gd name="connsiteX0" fmla="*/ 0 w 360000"/>
+                <a:gd name="connsiteY0" fmla="*/ 0 h 2405782"/>
+                <a:gd name="connsiteX1" fmla="*/ 360000 w 360000"/>
+                <a:gd name="connsiteY1" fmla="*/ 0 h 2405782"/>
+                <a:gd name="connsiteX2" fmla="*/ 360000 w 360000"/>
+                <a:gd name="connsiteY2" fmla="*/ 2405782 h 2405782"/>
+                <a:gd name="connsiteX3" fmla="*/ 0 w 360000"/>
+                <a:gd name="connsiteY3" fmla="*/ 2405782 h 2405782"/>
+              </a:gdLst>
+              <a:ahLst/>
+              <a:cxnLst>
+                <a:cxn ang="0">
+                  <a:pos x="connsiteX0" y="connsiteY0"/>
+                </a:cxn>
+                <a:cxn ang="0">
+                  <a:pos x="connsiteX1" y="connsiteY1"/>
+                </a:cxn>
+                <a:cxn ang="0">
+                  <a:pos x="connsiteX2" y="connsiteY2"/>
+                </a:cxn>
+                <a:cxn ang="0">
+                  <a:pos x="connsiteX3" y="connsiteY3"/>
+                </a:cxn>
+              </a:cxnLst>
+              <a:rect l="l" t="t" r="r" b="b"/>
+              <a:pathLst>
+                <a:path w="360000" h="2405782">
+                  <a:moveTo>
+                    <a:pt x="0" y="0"/>
+                  </a:moveTo>
+                  <a:lnTo>
+                    <a:pt x="360000" y="0"/>
+                  </a:lnTo>
+                  <a:lnTo>
+                    <a:pt x="360000" y="2405782"/>
+                  </a:lnTo>
+                  <a:lnTo>
+                    <a:pt x="0" y="2405782"/>
+                  </a:lnTo>
+                  <a:close/>
+                </a:path>
+              </a:pathLst>
+            </a:custGeom>
+            <a:solidFill>
+              <a:schemeClr val="bg1"/>
+            </a:solidFill>
+            <a:ln>
+              <a:noFill/>
+            </a:ln>
+          </p:spPr>
+          <p:style>
+            <a:lnRef idx="2">
+              <a:schemeClr val="accent1">
+                <a:shade val="50000"/>
+              </a:schemeClr>
+            </a:lnRef>
+            <a:fillRef idx="1">
+              <a:schemeClr val="accent1"/>
+            </a:fillRef>
+            <a:effectRef idx="0">
+              <a:schemeClr val="accent1"/>
+            </a:effectRef>
+            <a:fontRef idx="minor">
+              <a:schemeClr val="lt1"/>
+            </a:fontRef>
+          </p:style>
+          <p:txBody>
+            <a:bodyPr wrap="square" rtlCol="0" anchor="ctr">
+              <a:noAutofit/>
+            </a:bodyPr>
+            <a:lstStyle/>
+            <a:p>
+              <a:pPr algn="ctr"/>
+              <a:endParaRPr lang="zh-CN" altLang="en-US"/>
+            </a:p>
+          </p:txBody>
+        </p:sp>
+      </p:grpSp>
+      <p:sp>
+        <p:nvSpPr>
+          <p:cNvPr id="17" name="正圆形" hidden="1">
+            <a:extLst>
+              <a:ext uri="{FF2B5EF4-FFF2-40B4-BE49-F238E27FC236}">
+                <a16:creationId xmlns:a16="http://schemas.microsoft.com/office/drawing/2014/main" id="{ED299369-9343-4041-914B-F6838B22C025}"/>
+              </a:ext>
+            </a:extLst>
+          </p:cNvPr>
+          <p:cNvSpPr>
+            <a:spLocks noChangeAspect="1"/>
+          </p:cNvSpPr>
+          <p:nvPr/>
+        </p:nvSpPr>
+        <p:spPr>
+          <a:xfrm>
+            <a:off x="406747" y="1157288"/>
+            <a:ext cx="3600000" cy="3600000"/>
+          </a:xfrm>
+          <a:custGeom>
+            <a:avLst/>
+            <a:gdLst>
+              <a:gd name="connsiteX0" fmla="*/ 1800000 w 3600000"/>
+              <a:gd name="connsiteY0" fmla="*/ 0 h 3600000"/>
+              <a:gd name="connsiteX1" fmla="*/ 3600000 w 3600000"/>
+              <a:gd name="connsiteY1" fmla="*/ 1800000 h 3600000"/>
+              <a:gd name="connsiteX2" fmla="*/ 1800000 w 3600000"/>
+              <a:gd name="connsiteY2" fmla="*/ 3600000 h 3600000"/>
+              <a:gd name="connsiteX3" fmla="*/ 0 w 3600000"/>
+              <a:gd name="connsiteY3" fmla="*/ 1800000 h 3600000"/>
+              <a:gd name="connsiteX4" fmla="*/ 1800000 w 3600000"/>
+              <a:gd name="connsiteY4" fmla="*/ 0 h 3600000"/>
+            </a:gdLst>
+            <a:ahLst/>
+            <a:cxnLst>
+              <a:cxn ang="0">
+                <a:pos x="connsiteX0" y="connsiteY0"/>
+              </a:cxn>
+              <a:cxn ang="0">
+                <a:pos x="connsiteX1" y="connsiteY1"/>
+              </a:cxn>
+              <a:cxn ang="0">
+                <a:pos x="connsiteX2" y="connsiteY2"/>
+              </a:cxn>
+              <a:cxn ang="0">
+                <a:pos x="connsiteX3" y="connsiteY3"/>
+              </a:cxn>
+              <a:cxn ang="0">
+                <a:pos x="connsiteX4" y="connsiteY4"/>
+              </a:cxn>
+            </a:cxnLst>
+            <a:rect l="l" t="t" r="r" b="b"/>
+            <a:pathLst>
+              <a:path w="3600000" h="3600000">
+                <a:moveTo>
+                  <a:pt x="1800000" y="0"/>
+                </a:moveTo>
+                <a:cubicBezTo>
+                  <a:pt x="2794113" y="0"/>
+                  <a:pt x="3600000" y="805887"/>
+                  <a:pt x="3600000" y="1800000"/>
+                </a:cubicBezTo>
+                <a:cubicBezTo>
+                  <a:pt x="3600000" y="2794113"/>
+                  <a:pt x="2794113" y="3600000"/>
+                  <a:pt x="1800000" y="3600000"/>
+                </a:cubicBezTo>
+                <a:cubicBezTo>
+                  <a:pt x="805887" y="3600000"/>
+                  <a:pt x="0" y="2794113"/>
+                  <a:pt x="0" y="1800000"/>
+                </a:cubicBezTo>
+                <a:cubicBezTo>
+                  <a:pt x="0" y="805887"/>
+                  <a:pt x="805887" y="0"/>
+                  <a:pt x="1800000" y="0"/>
+                </a:cubicBezTo>
+                <a:close/>
+              </a:path>
+            </a:pathLst>
+          </a:custGeom>
+          <a:solidFill>
+            <a:srgbClr val="00B050"/>
+          </a:solidFill>
+          <a:ln>
+            <a:noFill/>
+          </a:ln>
+        </p:spPr>
+        <p:style>
+          <a:lnRef idx="2">
+            <a:schemeClr val="accent1">
+              <a:shade val="50000"/>
+            </a:schemeClr>
+          </a:lnRef>
+          <a:fillRef idx="1">
+            <a:schemeClr val="accent1"/>
+          </a:fillRef>
+          <a:effectRef idx="0">
+            <a:schemeClr val="accent1"/>
+          </a:effectRef>
+          <a:fontRef idx="minor">
+            <a:schemeClr val="lt1"/>
+          </a:fontRef>
+        </p:style>
+        <p:txBody>
+          <a:bodyPr wrap="square" rtlCol="0" anchor="ctr">
+            <a:noAutofit/>
+          </a:bodyPr>
+          <a:lstStyle/>
+          <a:p>
+            <a:pPr algn="ctr"/>
+            <a:endParaRPr lang="zh-CN" altLang="en-US"/>
+          </a:p>
+        </p:txBody>
+      </p:sp>
+      <p:sp>
+        <p:nvSpPr>
+          <p:cNvPr id="53" name="空心矩形2" hidden="1">
+            <a:extLst>
+              <a:ext uri="{FF2B5EF4-FFF2-40B4-BE49-F238E27FC236}">
+                <a16:creationId xmlns:a16="http://schemas.microsoft.com/office/drawing/2014/main" id="{40C341CE-F89F-4249-B8A8-FD5E0DDE9AF0}"/>
+              </a:ext>
+            </a:extLst>
+          </p:cNvPr>
+          <p:cNvSpPr>
+            <a:spLocks noChangeAspect="1"/>
+          </p:cNvSpPr>
+          <p:nvPr/>
+        </p:nvSpPr>
+        <p:spPr>
+          <a:xfrm>
+            <a:off x="4836000" y="616849"/>
+            <a:ext cx="4429675" cy="6858000"/>
+          </a:xfrm>
+          <a:custGeom>
+            <a:avLst/>
+            <a:gdLst>
+              <a:gd name="connsiteX0" fmla="*/ 0 w 4429675"/>
+              <a:gd name="connsiteY0" fmla="*/ 0 h 6858000"/>
+              <a:gd name="connsiteX1" fmla="*/ 4429675 w 4429675"/>
+              <a:gd name="connsiteY1" fmla="*/ 0 h 6858000"/>
+              <a:gd name="connsiteX2" fmla="*/ 4429675 w 4429675"/>
+              <a:gd name="connsiteY2" fmla="*/ 6858000 h 6858000"/>
+              <a:gd name="connsiteX3" fmla="*/ 0 w 4429675"/>
+              <a:gd name="connsiteY3" fmla="*/ 6858000 h 6858000"/>
+              <a:gd name="connsiteX4" fmla="*/ 0 w 4429675"/>
+              <a:gd name="connsiteY4" fmla="*/ 0 h 6858000"/>
+              <a:gd name="connsiteX5" fmla="*/ 2340422 w 4429675"/>
+              <a:gd name="connsiteY5" fmla="*/ 1157287 h 6858000"/>
+              <a:gd name="connsiteX6" fmla="*/ 540422 w 4429675"/>
+              <a:gd name="connsiteY6" fmla="*/ 2957287 h 6858000"/>
+              <a:gd name="connsiteX7" fmla="*/ 2340422 w 4429675"/>
+              <a:gd name="connsiteY7" fmla="*/ 4757287 h 6858000"/>
+              <a:gd name="connsiteX8" fmla="*/ 4140422 w 4429675"/>
+              <a:gd name="connsiteY8" fmla="*/ 2957287 h 6858000"/>
+              <a:gd name="connsiteX9" fmla="*/ 2340422 w 4429675"/>
+              <a:gd name="connsiteY9" fmla="*/ 1157287 h 6858000"/>
+            </a:gdLst>
+            <a:ahLst/>
+            <a:cxnLst>
+              <a:cxn ang="0">
+                <a:pos x="connsiteX0" y="connsiteY0"/>
+              </a:cxn>
+              <a:cxn ang="0">
+                <a:pos x="connsiteX1" y="connsiteY1"/>
+              </a:cxn>
+              <a:cxn ang="0">
+                <a:pos x="connsiteX2" y="connsiteY2"/>
+              </a:cxn>
+              <a:cxn ang="0">
+                <a:pos x="connsiteX3" y="connsiteY3"/>
+              </a:cxn>
+              <a:cxn ang="0">
+                <a:pos x="connsiteX4" y="connsiteY4"/>
+              </a:cxn>
+              <a:cxn ang="0">
+                <a:pos x="connsiteX5" y="connsiteY5"/>
+              </a:cxn>
+              <a:cxn ang="0">
+                <a:pos x="connsiteX6" y="connsiteY6"/>
+              </a:cxn>
+              <a:cxn ang="0">
+                <a:pos x="connsiteX7" y="connsiteY7"/>
+              </a:cxn>
+              <a:cxn ang="0">
+                <a:pos x="connsiteX8" y="connsiteY8"/>
+              </a:cxn>
+              <a:cxn ang="0">
+                <a:pos x="connsiteX9" y="connsiteY9"/>
+              </a:cxn>
+            </a:cxnLst>
+            <a:rect l="l" t="t" r="r" b="b"/>
+            <a:pathLst>
+              <a:path w="4429675" h="6858000">
+                <a:moveTo>
+                  <a:pt x="0" y="0"/>
+                </a:moveTo>
+                <a:lnTo>
+                  <a:pt x="4429675" y="0"/>
+                </a:lnTo>
+                <a:lnTo>
+                  <a:pt x="4429675" y="6858000"/>
+                </a:lnTo>
+                <a:lnTo>
+                  <a:pt x="0" y="6858000"/>
+                </a:lnTo>
+                <a:lnTo>
+                  <a:pt x="0" y="0"/>
+                </a:lnTo>
+                <a:close/>
+                <a:moveTo>
+                  <a:pt x="2340422" y="1157287"/>
+                </a:moveTo>
+                <a:cubicBezTo>
+                  <a:pt x="1346309" y="1157287"/>
+                  <a:pt x="540422" y="1963174"/>
+                  <a:pt x="540422" y="2957287"/>
+                </a:cubicBezTo>
+                <a:cubicBezTo>
+                  <a:pt x="540422" y="3951400"/>
+                  <a:pt x="1346309" y="4757287"/>
+                  <a:pt x="2340422" y="4757287"/>
+                </a:cubicBezTo>
+                <a:cubicBezTo>
+                  <a:pt x="3334535" y="4757287"/>
+                  <a:pt x="4140422" y="3951400"/>
+                  <a:pt x="4140422" y="2957287"/>
+                </a:cubicBezTo>
+                <a:cubicBezTo>
+                  <a:pt x="4140422" y="1963174"/>
+                  <a:pt x="3334535" y="1157287"/>
+                  <a:pt x="2340422" y="1157287"/>
+                </a:cubicBezTo>
+                <a:close/>
+              </a:path>
+            </a:pathLst>
+          </a:custGeom>
+          <a:solidFill>
+            <a:schemeClr val="bg1"/>
+          </a:solidFill>
+          <a:ln>
+            <a:noFill/>
+          </a:ln>
+        </p:spPr>
+        <p:style>
+          <a:lnRef idx="2">
+            <a:schemeClr val="accent1">
+              <a:shade val="50000"/>
+            </a:schemeClr>
+          </a:lnRef>
+          <a:fillRef idx="1">
+            <a:schemeClr val="accent1"/>
+          </a:fillRef>
+          <a:effectRef idx="0">
+            <a:schemeClr val="accent1"/>
+          </a:effectRef>
+          <a:fontRef idx="minor">
+            <a:schemeClr val="lt1"/>
+          </a:fontRef>
+        </p:style>
+        <p:txBody>
+          <a:bodyPr wrap="square" rtlCol="0" anchor="ctr">
+            <a:noAutofit/>
+          </a:bodyPr>
+          <a:lstStyle/>
+          <a:p>
+            <a:pPr algn="ctr"/>
+            <a:endParaRPr lang="zh-CN" altLang="en-US"/>
+          </a:p>
+        </p:txBody>
+      </p:sp>
+      <p:sp>
+        <p:nvSpPr>
+          <p:cNvPr id="18" name="矩形 17">
+            <a:extLst>
+              <a:ext uri="{FF2B5EF4-FFF2-40B4-BE49-F238E27FC236}">
+                <a16:creationId xmlns:a16="http://schemas.microsoft.com/office/drawing/2014/main" id="{906F3780-E53C-4C99-BCEE-D5CCC7BC5E05}"/>
+              </a:ext>
+            </a:extLst>
+          </p:cNvPr>
+          <p:cNvSpPr/>
+          <p:nvPr/>
+        </p:nvSpPr>
+        <p:spPr>
+          <a:xfrm>
+            <a:off x="8182734" y="1"/>
+            <a:ext cx="3000375" cy="2251942"/>
+          </a:xfrm>
+          <a:prstGeom prst="rect">
+            <a:avLst/>
+          </a:prstGeom>
+          <a:solidFill>
+            <a:schemeClr val="accent1">
+              <a:alpha val="50000"/>
+            </a:schemeClr>
+          </a:solidFill>
+          <a:ln>
+            <a:noFill/>
+          </a:ln>
+        </p:spPr>
+        <p:style>
+          <a:lnRef idx="2">
+            <a:schemeClr val="accent1">
+              <a:shade val="50000"/>
+            </a:schemeClr>
+          </a:lnRef>
+          <a:fillRef idx="1">
+            <a:schemeClr val="accent1"/>
+          </a:fillRef>
+          <a:effectRef idx="0">
+            <a:schemeClr val="accent1"/>
+          </a:effectRef>
+          <a:fontRef idx="minor">
+            <a:schemeClr val="lt1"/>
+          </a:fontRef>
+        </p:style>
+        <p:txBody>
+          <a:bodyPr rtlCol="0" anchor="ctr"/>
+          <a:lstStyle/>
+          <a:p>
+            <a:pPr algn="ctr"/>
+            <a:endParaRPr lang="zh-CN" altLang="en-US"/>
+          </a:p>
+        </p:txBody>
+      </p:sp>
+      <p:sp>
+        <p:nvSpPr>
+          <p:cNvPr id="19" name="矩形 18">
+            <a:extLst>
+              <a:ext uri="{FF2B5EF4-FFF2-40B4-BE49-F238E27FC236}">
+                <a16:creationId xmlns:a16="http://schemas.microsoft.com/office/drawing/2014/main" id="{F482EF47-C77D-439A-9E18-E88E7929C83A}"/>
+              </a:ext>
+            </a:extLst>
+          </p:cNvPr>
+          <p:cNvSpPr/>
+          <p:nvPr/>
+        </p:nvSpPr>
+        <p:spPr>
+          <a:xfrm>
+            <a:off x="710724" y="4657725"/>
+            <a:ext cx="3000375" cy="2200275"/>
+          </a:xfrm>
+          <a:prstGeom prst="rect">
+            <a:avLst/>
+          </a:prstGeom>
+          <a:solidFill>
+            <a:schemeClr val="accent1">
+              <a:alpha val="50000"/>
+            </a:schemeClr>
+          </a:solidFill>
+          <a:ln>
+            <a:noFill/>
+          </a:ln>
+        </p:spPr>
+        <p:style>
+          <a:lnRef idx="2">
+            <a:schemeClr val="accent1">
+              <a:shade val="50000"/>
+            </a:schemeClr>
+          </a:lnRef>
+          <a:fillRef idx="1">
+            <a:schemeClr val="accent1"/>
+          </a:fillRef>
+          <a:effectRef idx="0">
+            <a:schemeClr val="accent1"/>
+          </a:effectRef>
+          <a:fontRef idx="minor">
+            <a:schemeClr val="lt1"/>
+          </a:fontRef>
+        </p:style>
+        <p:txBody>
+          <a:bodyPr rtlCol="0" anchor="ctr"/>
+          <a:lstStyle/>
+          <a:p>
+            <a:pPr algn="ctr"/>
+            <a:endParaRPr lang="zh-CN" altLang="en-US"/>
+          </a:p>
+        </p:txBody>
+      </p:sp>
+      <p:sp>
+        <p:nvSpPr>
+          <p:cNvPr id="31" name="空心矩形">
+            <a:extLst>
+              <a:ext uri="{FF2B5EF4-FFF2-40B4-BE49-F238E27FC236}">
+                <a16:creationId xmlns:a16="http://schemas.microsoft.com/office/drawing/2014/main" id="{AB009DE5-16DB-4925-BBC1-6908DA4ADA2E}"/>
+              </a:ext>
+            </a:extLst>
+          </p:cNvPr>
+          <p:cNvSpPr>
+            <a:spLocks noChangeAspect="1"/>
+          </p:cNvSpPr>
+          <p:nvPr/>
+        </p:nvSpPr>
+        <p:spPr>
+          <a:xfrm>
+            <a:off x="-727042" y="472069"/>
+            <a:ext cx="4429675" cy="6858000"/>
+          </a:xfrm>
+          <a:custGeom>
+            <a:avLst/>
+            <a:gdLst>
+              <a:gd name="connsiteX0" fmla="*/ 0 w 4429675"/>
+              <a:gd name="connsiteY0" fmla="*/ 0 h 6858000"/>
+              <a:gd name="connsiteX1" fmla="*/ 4429675 w 4429675"/>
+              <a:gd name="connsiteY1" fmla="*/ 0 h 6858000"/>
+              <a:gd name="connsiteX2" fmla="*/ 4429675 w 4429675"/>
+              <a:gd name="connsiteY2" fmla="*/ 6858000 h 6858000"/>
+              <a:gd name="connsiteX3" fmla="*/ 0 w 4429675"/>
+              <a:gd name="connsiteY3" fmla="*/ 6858000 h 6858000"/>
+              <a:gd name="connsiteX4" fmla="*/ 0 w 4429675"/>
+              <a:gd name="connsiteY4" fmla="*/ 0 h 6858000"/>
+              <a:gd name="connsiteX5" fmla="*/ 2340422 w 4429675"/>
+              <a:gd name="connsiteY5" fmla="*/ 1157287 h 6858000"/>
+              <a:gd name="connsiteX6" fmla="*/ 540422 w 4429675"/>
+              <a:gd name="connsiteY6" fmla="*/ 2957287 h 6858000"/>
+              <a:gd name="connsiteX7" fmla="*/ 2340422 w 4429675"/>
+              <a:gd name="connsiteY7" fmla="*/ 4757287 h 6858000"/>
+              <a:gd name="connsiteX8" fmla="*/ 4140422 w 4429675"/>
+              <a:gd name="connsiteY8" fmla="*/ 2957287 h 6858000"/>
+              <a:gd name="connsiteX9" fmla="*/ 2340422 w 4429675"/>
+              <a:gd name="connsiteY9" fmla="*/ 1157287 h 6858000"/>
+            </a:gdLst>
+            <a:ahLst/>
+            <a:cxnLst>
+              <a:cxn ang="0">
+                <a:pos x="connsiteX0" y="connsiteY0"/>
+              </a:cxn>
+              <a:cxn ang="0">
+                <a:pos x="connsiteX1" y="connsiteY1"/>
+              </a:cxn>
+              <a:cxn ang="0">
+                <a:pos x="connsiteX2" y="connsiteY2"/>
+              </a:cxn>
+              <a:cxn ang="0">
+                <a:pos x="connsiteX3" y="connsiteY3"/>
+              </a:cxn>
+              <a:cxn ang="0">
+                <a:pos x="connsiteX4" y="connsiteY4"/>
+              </a:cxn>
+              <a:cxn ang="0">
+                <a:pos x="connsiteX5" y="connsiteY5"/>
+              </a:cxn>
+              <a:cxn ang="0">
+                <a:pos x="connsiteX6" y="connsiteY6"/>
+              </a:cxn>
+              <a:cxn ang="0">
+                <a:pos x="connsiteX7" y="connsiteY7"/>
+              </a:cxn>
+              <a:cxn ang="0">
+                <a:pos x="connsiteX8" y="connsiteY8"/>
+              </a:cxn>
+              <a:cxn ang="0">
+                <a:pos x="connsiteX9" y="connsiteY9"/>
+              </a:cxn>
+            </a:cxnLst>
+            <a:rect l="l" t="t" r="r" b="b"/>
+            <a:pathLst>
+              <a:path w="4429675" h="6858000">
+                <a:moveTo>
+                  <a:pt x="0" y="0"/>
+                </a:moveTo>
+                <a:lnTo>
+                  <a:pt x="4429675" y="0"/>
+                </a:lnTo>
+                <a:lnTo>
+                  <a:pt x="4429675" y="6858000"/>
+                </a:lnTo>
+                <a:lnTo>
+                  <a:pt x="0" y="6858000"/>
+                </a:lnTo>
+                <a:lnTo>
+                  <a:pt x="0" y="0"/>
+                </a:lnTo>
+                <a:close/>
+                <a:moveTo>
+                  <a:pt x="2340422" y="1157287"/>
+                </a:moveTo>
+                <a:cubicBezTo>
+                  <a:pt x="1346309" y="1157287"/>
+                  <a:pt x="540422" y="1963174"/>
+                  <a:pt x="540422" y="2957287"/>
+                </a:cubicBezTo>
+                <a:cubicBezTo>
+                  <a:pt x="540422" y="3951400"/>
+                  <a:pt x="1346309" y="4757287"/>
+                  <a:pt x="2340422" y="4757287"/>
+                </a:cubicBezTo>
+                <a:cubicBezTo>
+                  <a:pt x="3334535" y="4757287"/>
+                  <a:pt x="4140422" y="3951400"/>
+                  <a:pt x="4140422" y="2957287"/>
+                </a:cubicBezTo>
+                <a:cubicBezTo>
+                  <a:pt x="4140422" y="1963174"/>
+                  <a:pt x="3334535" y="1157287"/>
+                  <a:pt x="2340422" y="1157287"/>
+                </a:cubicBezTo>
+                <a:close/>
+              </a:path>
+            </a:pathLst>
+          </a:custGeom>
+          <a:solidFill>
+            <a:schemeClr val="accent1">
+              <a:lumMod val="20000"/>
+              <a:lumOff val="80000"/>
+            </a:schemeClr>
+          </a:solidFill>
+          <a:ln>
+            <a:noFill/>
+          </a:ln>
+        </p:spPr>
+        <p:style>
+          <a:lnRef idx="2">
+            <a:schemeClr val="accent1">
+              <a:shade val="50000"/>
+            </a:schemeClr>
+          </a:lnRef>
+          <a:fillRef idx="1">
+            <a:schemeClr val="accent1"/>
+          </a:fillRef>
+          <a:effectRef idx="0">
+            <a:schemeClr val="accent1"/>
+          </a:effectRef>
+          <a:fontRef idx="minor">
+            <a:schemeClr val="lt1"/>
+          </a:fontRef>
+        </p:style>
+        <p:txBody>
+          <a:bodyPr wrap="square" rtlCol="0" anchor="ctr">
+            <a:noAutofit/>
+          </a:bodyPr>
+          <a:lstStyle/>
+          <a:p>
+            <a:pPr algn="ctr"/>
+            <a:endParaRPr lang="zh-CN" altLang="en-US"/>
+          </a:p>
+        </p:txBody>
+      </p:sp>
+    </p:spTree>
+    <p:extLst>
+      <p:ext uri="{BB962C8B-B14F-4D97-AF65-F5344CB8AC3E}">
+        <p14:creationId xmlns:p14="http://schemas.microsoft.com/office/powerpoint/2010/main" val="2660081219"/>
+      </p:ext>
+    </p:extLst>
+  </p:cSld>
+  <p:clrMapOvr>
+    <a:masterClrMapping/>
+  </p:clrMapOvr>
+</p:sld>
+</file>
+
+<file path=ppt/slides/slide5.xml><?xml version="1.0" encoding="utf-8"?>
+<p:sld xmlns:a="http://schemas.openxmlformats.org/drawingml/2006/main" xmlns:r="http://schemas.openxmlformats.org/officeDocument/2006/relationships" xmlns:p="http://schemas.openxmlformats.org/presentationml/2006/main">
+  <p:cSld>
+    <p:spTree>
+      <p:nvGrpSpPr>
+        <p:cNvPr id="1" name=""/>
+        <p:cNvGrpSpPr/>
+        <p:nvPr/>
+      </p:nvGrpSpPr>
+      <p:grpSpPr>
+        <a:xfrm>
+          <a:off x="0" y="0"/>
+          <a:ext cx="0" cy="0"/>
+          <a:chOff x="0" y="0"/>
+          <a:chExt cx="0" cy="0"/>
+        </a:xfrm>
+      </p:grpSpPr>
+      <p:pic>
+        <p:nvPicPr>
+          <p:cNvPr id="2" name="图片 1" hidden="1">
+            <a:extLst>
+              <a:ext uri="{FF2B5EF4-FFF2-40B4-BE49-F238E27FC236}">
+                <a16:creationId xmlns:a16="http://schemas.microsoft.com/office/drawing/2014/main" id="{B73A709A-4CE8-470E-948F-485598E3EB8F}"/>
+              </a:ext>
+            </a:extLst>
+          </p:cNvPr>
+          <p:cNvPicPr>
+            <a:picLocks noChangeAspect="1"/>
+          </p:cNvPicPr>
+          <p:nvPr/>
+        </p:nvPicPr>
+        <p:blipFill>
+          <a:blip r:embed="rId2"/>
+          <a:stretch>
+            <a:fillRect/>
+          </a:stretch>
+        </p:blipFill>
+        <p:spPr>
+          <a:xfrm>
+            <a:off x="6534961" y="5191125"/>
+            <a:ext cx="4591050" cy="1666875"/>
+          </a:xfrm>
+          <a:prstGeom prst="rect">
+            <a:avLst/>
+          </a:prstGeom>
+        </p:spPr>
+      </p:pic>
+      <p:sp>
+        <p:nvSpPr>
+          <p:cNvPr id="4" name="矩形 3" hidden="1">
+            <a:extLst>
+              <a:ext uri="{FF2B5EF4-FFF2-40B4-BE49-F238E27FC236}">
+                <a16:creationId xmlns:a16="http://schemas.microsoft.com/office/drawing/2014/main" id="{F4C2391A-02E5-460E-B787-BD7FE6684228}"/>
+              </a:ext>
+            </a:extLst>
+          </p:cNvPr>
+          <p:cNvSpPr/>
+          <p:nvPr/>
+        </p:nvSpPr>
+        <p:spPr>
+          <a:xfrm>
+            <a:off x="11123363" y="5191125"/>
+            <a:ext cx="1068637" cy="1665288"/>
+          </a:xfrm>
+          <a:prstGeom prst="rect">
+            <a:avLst/>
+          </a:prstGeom>
+          <a:solidFill>
+            <a:srgbClr val="000000"/>
+          </a:solidFill>
+          <a:ln>
+            <a:noFill/>
+          </a:ln>
+        </p:spPr>
+        <p:style>
+          <a:lnRef idx="2">
+            <a:schemeClr val="accent1">
+              <a:shade val="50000"/>
+            </a:schemeClr>
+          </a:lnRef>
+          <a:fillRef idx="1">
+            <a:schemeClr val="accent1"/>
+          </a:fillRef>
+          <a:effectRef idx="0">
+            <a:schemeClr val="accent1"/>
+          </a:effectRef>
+          <a:fontRef idx="minor">
+            <a:schemeClr val="lt1"/>
+          </a:fontRef>
+        </p:style>
+        <p:txBody>
+          <a:bodyPr rtlCol="0" anchor="ctr"/>
+          <a:lstStyle/>
+          <a:p>
+            <a:pPr algn="ctr"/>
+            <a:endParaRPr lang="zh-CN" altLang="en-US"/>
+          </a:p>
+        </p:txBody>
+      </p:sp>
+      <p:pic>
+        <p:nvPicPr>
+          <p:cNvPr id="9" name="图片 8" hidden="1">
+            <a:extLst>
+              <a:ext uri="{FF2B5EF4-FFF2-40B4-BE49-F238E27FC236}">
+                <a16:creationId xmlns:a16="http://schemas.microsoft.com/office/drawing/2014/main" id="{2F446BE4-FD27-4945-B53B-E7EC3A19EDA6}"/>
+              </a:ext>
+            </a:extLst>
+          </p:cNvPr>
+          <p:cNvPicPr>
+            <a:picLocks noChangeAspect="1" noChangeArrowheads="1"/>
+          </p:cNvPicPr>
+          <p:nvPr/>
+        </p:nvPicPr>
+        <p:blipFill>
+          <a:blip r:embed="rId3">
+            <a:extLst>
+              <a:ext uri="{28A0092B-C50C-407E-A947-70E740481C1C}">
+                <a14:useLocalDpi xmlns:a14="http://schemas.microsoft.com/office/drawing/2010/main" val="0"/>
+              </a:ext>
+            </a:extLst>
+          </a:blip>
+          <a:srcRect l="13402" t="8144" r="13121" b="7883"/>
+          <a:stretch>
+            <a:fillRect/>
+          </a:stretch>
+        </p:blipFill>
+        <p:spPr bwMode="auto">
+          <a:xfrm>
+            <a:off x="10905923" y="5462676"/>
+            <a:ext cx="1155512" cy="1155512"/>
+          </a:xfrm>
+          <a:custGeom>
+            <a:avLst/>
+            <a:gdLst>
+              <a:gd name="connsiteX0" fmla="*/ 577756 w 1155512"/>
+              <a:gd name="connsiteY0" fmla="*/ 0 h 1155512"/>
+              <a:gd name="connsiteX1" fmla="*/ 1155512 w 1155512"/>
+              <a:gd name="connsiteY1" fmla="*/ 577756 h 1155512"/>
+              <a:gd name="connsiteX2" fmla="*/ 577756 w 1155512"/>
+              <a:gd name="connsiteY2" fmla="*/ 1155512 h 1155512"/>
+              <a:gd name="connsiteX3" fmla="*/ 0 w 1155512"/>
+              <a:gd name="connsiteY3" fmla="*/ 577756 h 1155512"/>
+              <a:gd name="connsiteX4" fmla="*/ 577756 w 1155512"/>
+              <a:gd name="connsiteY4" fmla="*/ 0 h 1155512"/>
+            </a:gdLst>
+            <a:ahLst/>
+            <a:cxnLst>
+              <a:cxn ang="0">
+                <a:pos x="connsiteX0" y="connsiteY0"/>
+              </a:cxn>
+              <a:cxn ang="0">
+                <a:pos x="connsiteX1" y="connsiteY1"/>
+              </a:cxn>
+              <a:cxn ang="0">
+                <a:pos x="connsiteX2" y="connsiteY2"/>
+              </a:cxn>
+              <a:cxn ang="0">
+                <a:pos x="connsiteX3" y="connsiteY3"/>
+              </a:cxn>
+              <a:cxn ang="0">
+                <a:pos x="connsiteX4" y="connsiteY4"/>
+              </a:cxn>
+            </a:cxnLst>
+            <a:rect l="l" t="t" r="r" b="b"/>
+            <a:pathLst>
+              <a:path w="1155512" h="1155512">
+                <a:moveTo>
+                  <a:pt x="577756" y="0"/>
+                </a:moveTo>
+                <a:cubicBezTo>
+                  <a:pt x="896842" y="0"/>
+                  <a:pt x="1155512" y="258670"/>
+                  <a:pt x="1155512" y="577756"/>
+                </a:cubicBezTo>
+                <a:cubicBezTo>
+                  <a:pt x="1155512" y="896842"/>
+                  <a:pt x="896842" y="1155512"/>
+                  <a:pt x="577756" y="1155512"/>
+                </a:cubicBezTo>
+                <a:cubicBezTo>
+                  <a:pt x="258670" y="1155512"/>
+                  <a:pt x="0" y="896842"/>
+                  <a:pt x="0" y="577756"/>
+                </a:cubicBezTo>
+                <a:cubicBezTo>
+                  <a:pt x="0" y="258670"/>
+                  <a:pt x="258670" y="0"/>
+                  <a:pt x="577756" y="0"/>
+                </a:cubicBezTo>
+                <a:close/>
+              </a:path>
+            </a:pathLst>
+          </a:custGeom>
+          <a:noFill/>
+          <a:effectLst/>
+          <a:extLst>
+            <a:ext uri="{909E8E84-426E-40DD-AFC4-6F175D3DCCD1}">
+              <a14:hiddenFill xmlns:a14="http://schemas.microsoft.com/office/drawing/2010/main">
+                <a:solidFill>
+                  <a:srgbClr val="FFFFFF"/>
+                </a:solidFill>
+              </a14:hiddenFill>
+            </a:ext>
+          </a:extLst>
+        </p:spPr>
+      </p:pic>
+      <p:grpSp>
+        <p:nvGrpSpPr>
+          <p:cNvPr id="5" name="组合 4">
+            <a:extLst>
+              <a:ext uri="{FF2B5EF4-FFF2-40B4-BE49-F238E27FC236}">
+                <a16:creationId xmlns:a16="http://schemas.microsoft.com/office/drawing/2014/main" id="{46D3B7F8-F43D-4B13-B2F6-B67803B6BCD6}"/>
+              </a:ext>
+            </a:extLst>
+          </p:cNvPr>
+          <p:cNvGrpSpPr/>
+          <p:nvPr/>
+        </p:nvGrpSpPr>
+        <p:grpSpPr>
+          <a:xfrm>
+            <a:off x="2784559" y="117231"/>
+            <a:ext cx="6622882" cy="6623540"/>
+            <a:chOff x="4296000" y="1629000"/>
+            <a:chExt cx="3600000" cy="3600358"/>
+          </a:xfrm>
+        </p:grpSpPr>
+        <p:sp>
+          <p:nvSpPr>
+            <p:cNvPr id="8" name="正圆主体">
+              <a:extLst>
+                <a:ext uri="{FF2B5EF4-FFF2-40B4-BE49-F238E27FC236}">
+                  <a16:creationId xmlns:a16="http://schemas.microsoft.com/office/drawing/2014/main" id="{65010B5B-9202-4C74-AD03-8AF452700F5A}"/>
+                </a:ext>
+              </a:extLst>
+            </p:cNvPr>
+            <p:cNvSpPr>
+              <a:spLocks noChangeAspect="1"/>
+            </p:cNvSpPr>
+            <p:nvPr/>
+          </p:nvSpPr>
+          <p:spPr>
+            <a:xfrm>
+              <a:off x="4296000" y="1629000"/>
+              <a:ext cx="3600000" cy="3600000"/>
+            </a:xfrm>
+            <a:prstGeom prst="ellipse">
+              <a:avLst/>
+            </a:prstGeom>
+            <a:solidFill>
+              <a:srgbClr val="00B050"/>
+            </a:solidFill>
+            <a:ln>
+              <a:noFill/>
+            </a:ln>
+          </p:spPr>
+          <p:style>
+            <a:lnRef idx="2">
+              <a:schemeClr val="accent1">
+                <a:shade val="50000"/>
+              </a:schemeClr>
+            </a:lnRef>
+            <a:fillRef idx="1">
+              <a:schemeClr val="accent1"/>
+            </a:fillRef>
+            <a:effectRef idx="0">
+              <a:schemeClr val="accent1"/>
+            </a:effectRef>
+            <a:fontRef idx="minor">
+              <a:schemeClr val="lt1"/>
+            </a:fontRef>
+          </p:style>
+          <p:txBody>
+            <a:bodyPr rtlCol="0" anchor="ctr"/>
+            <a:lstStyle/>
+            <a:p>
+              <a:pPr algn="ctr"/>
+              <a:endParaRPr lang="zh-CN" altLang="en-US"/>
+            </a:p>
+          </p:txBody>
+        </p:sp>
+        <p:sp>
+          <p:nvSpPr>
+            <p:cNvPr id="33" name="任意多边形: 形状 32">
+              <a:extLst>
+                <a:ext uri="{FF2B5EF4-FFF2-40B4-BE49-F238E27FC236}">
+                  <a16:creationId xmlns:a16="http://schemas.microsoft.com/office/drawing/2014/main" id="{14495537-29A3-4359-BA2C-C70CAFB3C453}"/>
+                </a:ext>
+              </a:extLst>
+            </p:cNvPr>
+            <p:cNvSpPr>
+              <a:spLocks noChangeAspect="1"/>
+            </p:cNvSpPr>
+            <p:nvPr/>
+          </p:nvSpPr>
+          <p:spPr>
+            <a:xfrm>
+              <a:off x="4839743" y="3523142"/>
+              <a:ext cx="2513302" cy="1706215"/>
+            </a:xfrm>
+            <a:custGeom>
+              <a:avLst/>
+              <a:gdLst>
+                <a:gd name="connsiteX0" fmla="*/ 1256257 w 2513302"/>
+                <a:gd name="connsiteY0" fmla="*/ 0 h 1706215"/>
+                <a:gd name="connsiteX1" fmla="*/ 2509752 w 2513302"/>
+                <a:gd name="connsiteY1" fmla="*/ 1131173 h 1706215"/>
+                <a:gd name="connsiteX2" fmla="*/ 2513302 w 2513302"/>
+                <a:gd name="connsiteY2" fmla="*/ 1201479 h 1706215"/>
+                <a:gd name="connsiteX3" fmla="*/ 2410202 w 2513302"/>
+                <a:gd name="connsiteY3" fmla="*/ 1295183 h 1706215"/>
+                <a:gd name="connsiteX4" fmla="*/ 1265234 w 2513302"/>
+                <a:gd name="connsiteY4" fmla="*/ 1706215 h 1706215"/>
+                <a:gd name="connsiteX5" fmla="*/ 120267 w 2513302"/>
+                <a:gd name="connsiteY5" fmla="*/ 1295183 h 1706215"/>
+                <a:gd name="connsiteX6" fmla="*/ 0 w 2513302"/>
+                <a:gd name="connsiteY6" fmla="*/ 1185877 h 1706215"/>
+                <a:gd name="connsiteX7" fmla="*/ 2763 w 2513302"/>
+                <a:gd name="connsiteY7" fmla="*/ 1131173 h 1706215"/>
+                <a:gd name="connsiteX8" fmla="*/ 1256257 w 2513302"/>
+                <a:gd name="connsiteY8" fmla="*/ 0 h 1706215"/>
+              </a:gdLst>
+              <a:ahLst/>
+              <a:cxnLst>
+                <a:cxn ang="0">
+                  <a:pos x="connsiteX0" y="connsiteY0"/>
+                </a:cxn>
+                <a:cxn ang="0">
+                  <a:pos x="connsiteX1" y="connsiteY1"/>
+                </a:cxn>
+                <a:cxn ang="0">
+                  <a:pos x="connsiteX2" y="connsiteY2"/>
+                </a:cxn>
+                <a:cxn ang="0">
+                  <a:pos x="connsiteX3" y="connsiteY3"/>
+                </a:cxn>
+                <a:cxn ang="0">
+                  <a:pos x="connsiteX4" y="connsiteY4"/>
+                </a:cxn>
+                <a:cxn ang="0">
+                  <a:pos x="connsiteX5" y="connsiteY5"/>
+                </a:cxn>
+                <a:cxn ang="0">
+                  <a:pos x="connsiteX6" y="connsiteY6"/>
+                </a:cxn>
+                <a:cxn ang="0">
+                  <a:pos x="connsiteX7" y="connsiteY7"/>
+                </a:cxn>
+                <a:cxn ang="0">
+                  <a:pos x="connsiteX8" y="connsiteY8"/>
+                </a:cxn>
+              </a:cxnLst>
+              <a:rect l="l" t="t" r="r" b="b"/>
+              <a:pathLst>
+                <a:path w="2513302" h="1706215">
+                  <a:moveTo>
+                    <a:pt x="1256257" y="0"/>
+                  </a:moveTo>
+                  <a:cubicBezTo>
+                    <a:pt x="1908644" y="0"/>
+                    <a:pt x="2445227" y="495810"/>
+                    <a:pt x="2509752" y="1131173"/>
+                  </a:cubicBezTo>
+                  <a:lnTo>
+                    <a:pt x="2513302" y="1201479"/>
+                  </a:lnTo>
+                  <a:lnTo>
+                    <a:pt x="2410202" y="1295183"/>
+                  </a:lnTo>
+                  <a:cubicBezTo>
+                    <a:pt x="2099055" y="1551963"/>
+                    <a:pt x="1700159" y="1706215"/>
+                    <a:pt x="1265234" y="1706215"/>
+                  </a:cubicBezTo>
+                  <a:cubicBezTo>
+                    <a:pt x="830310" y="1706215"/>
+                    <a:pt x="431413" y="1551963"/>
+                    <a:pt x="120267" y="1295183"/>
+                  </a:cubicBezTo>
+                  <a:lnTo>
+                    <a:pt x="0" y="1185877"/>
+                  </a:lnTo>
+                  <a:lnTo>
+                    <a:pt x="2763" y="1131173"/>
+                  </a:lnTo>
+                  <a:cubicBezTo>
+                    <a:pt x="67287" y="495810"/>
+                    <a:pt x="603871" y="0"/>
+                    <a:pt x="1256257" y="0"/>
+                  </a:cubicBezTo>
+                  <a:close/>
+                </a:path>
+              </a:pathLst>
+            </a:custGeom>
+            <a:solidFill>
+              <a:schemeClr val="bg1"/>
+            </a:solidFill>
+            <a:ln>
+              <a:noFill/>
+            </a:ln>
+          </p:spPr>
+          <p:style>
+            <a:lnRef idx="2">
+              <a:schemeClr val="accent1">
+                <a:shade val="50000"/>
+              </a:schemeClr>
+            </a:lnRef>
+            <a:fillRef idx="1">
+              <a:schemeClr val="accent1"/>
+            </a:fillRef>
+            <a:effectRef idx="0">
+              <a:schemeClr val="accent1"/>
+            </a:effectRef>
+            <a:fontRef idx="minor">
+              <a:schemeClr val="lt1"/>
+            </a:fontRef>
+          </p:style>
+          <p:txBody>
+            <a:bodyPr wrap="square" rtlCol="0" anchor="ctr">
+              <a:noAutofit/>
+            </a:bodyPr>
+            <a:lstStyle/>
+            <a:p>
+              <a:pPr algn="ctr"/>
+              <a:endParaRPr lang="zh-CN" altLang="en-US"/>
+            </a:p>
+          </p:txBody>
+        </p:sp>
+        <p:sp>
+          <p:nvSpPr>
+            <p:cNvPr id="31" name="任意多边形: 形状 30">
+              <a:extLst>
+                <a:ext uri="{FF2B5EF4-FFF2-40B4-BE49-F238E27FC236}">
+                  <a16:creationId xmlns:a16="http://schemas.microsoft.com/office/drawing/2014/main" id="{308173A4-3C39-4B70-95C3-F10EC55B80E4}"/>
+                </a:ext>
+              </a:extLst>
+            </p:cNvPr>
+            <p:cNvSpPr>
+              <a:spLocks noChangeAspect="1"/>
+            </p:cNvSpPr>
+            <p:nvPr/>
+          </p:nvSpPr>
+          <p:spPr>
+            <a:xfrm>
+              <a:off x="5020044" y="3823951"/>
+              <a:ext cx="2140853" cy="1405407"/>
+            </a:xfrm>
+            <a:custGeom>
+              <a:avLst/>
+              <a:gdLst>
+                <a:gd name="connsiteX0" fmla="*/ 1080000 w 2160000"/>
+                <a:gd name="connsiteY0" fmla="*/ 0 h 1526215"/>
+                <a:gd name="connsiteX1" fmla="*/ 2160000 w 2160000"/>
+                <a:gd name="connsiteY1" fmla="*/ 1080000 h 1526215"/>
+                <a:gd name="connsiteX2" fmla="*/ 2155252 w 2160000"/>
+                <a:gd name="connsiteY2" fmla="*/ 1174028 h 1526215"/>
+                <a:gd name="connsiteX3" fmla="*/ 2095375 w 2160000"/>
+                <a:gd name="connsiteY3" fmla="*/ 1218804 h 1526215"/>
+                <a:gd name="connsiteX4" fmla="*/ 1088977 w 2160000"/>
+                <a:gd name="connsiteY4" fmla="*/ 1526215 h 1526215"/>
+                <a:gd name="connsiteX5" fmla="*/ 82580 w 2160000"/>
+                <a:gd name="connsiteY5" fmla="*/ 1218804 h 1526215"/>
+                <a:gd name="connsiteX6" fmla="*/ 4044 w 2160000"/>
+                <a:gd name="connsiteY6" fmla="*/ 1160075 h 1526215"/>
+                <a:gd name="connsiteX7" fmla="*/ 0 w 2160000"/>
+                <a:gd name="connsiteY7" fmla="*/ 1080000 h 1526215"/>
+                <a:gd name="connsiteX8" fmla="*/ 1080000 w 2160000"/>
+                <a:gd name="connsiteY8" fmla="*/ 0 h 1526215"/>
+                <a:gd name="connsiteX0" fmla="*/ 1083452 w 2160000"/>
+                <a:gd name="connsiteY0" fmla="*/ 0 h 1405407"/>
+                <a:gd name="connsiteX1" fmla="*/ 2160000 w 2160000"/>
+                <a:gd name="connsiteY1" fmla="*/ 959192 h 1405407"/>
+                <a:gd name="connsiteX2" fmla="*/ 2155252 w 2160000"/>
+                <a:gd name="connsiteY2" fmla="*/ 1053220 h 1405407"/>
+                <a:gd name="connsiteX3" fmla="*/ 2095375 w 2160000"/>
+                <a:gd name="connsiteY3" fmla="*/ 1097996 h 1405407"/>
+                <a:gd name="connsiteX4" fmla="*/ 1088977 w 2160000"/>
+                <a:gd name="connsiteY4" fmla="*/ 1405407 h 1405407"/>
+                <a:gd name="connsiteX5" fmla="*/ 82580 w 2160000"/>
+                <a:gd name="connsiteY5" fmla="*/ 1097996 h 1405407"/>
+                <a:gd name="connsiteX6" fmla="*/ 4044 w 2160000"/>
+                <a:gd name="connsiteY6" fmla="*/ 1039267 h 1405407"/>
+                <a:gd name="connsiteX7" fmla="*/ 0 w 2160000"/>
+                <a:gd name="connsiteY7" fmla="*/ 959192 h 1405407"/>
+                <a:gd name="connsiteX8" fmla="*/ 1083452 w 2160000"/>
+                <a:gd name="connsiteY8" fmla="*/ 0 h 1405407"/>
+                <a:gd name="connsiteX0" fmla="*/ 1083452 w 2160000"/>
+                <a:gd name="connsiteY0" fmla="*/ 0 h 1405407"/>
+                <a:gd name="connsiteX1" fmla="*/ 2160000 w 2160000"/>
+                <a:gd name="connsiteY1" fmla="*/ 959192 h 1405407"/>
+                <a:gd name="connsiteX2" fmla="*/ 2155252 w 2160000"/>
+                <a:gd name="connsiteY2" fmla="*/ 1053220 h 1405407"/>
+                <a:gd name="connsiteX3" fmla="*/ 2095375 w 2160000"/>
+                <a:gd name="connsiteY3" fmla="*/ 1097996 h 1405407"/>
+                <a:gd name="connsiteX4" fmla="*/ 1088977 w 2160000"/>
+                <a:gd name="connsiteY4" fmla="*/ 1405407 h 1405407"/>
+                <a:gd name="connsiteX5" fmla="*/ 82580 w 2160000"/>
+                <a:gd name="connsiteY5" fmla="*/ 1097996 h 1405407"/>
+                <a:gd name="connsiteX6" fmla="*/ 4044 w 2160000"/>
+                <a:gd name="connsiteY6" fmla="*/ 1039267 h 1405407"/>
+                <a:gd name="connsiteX7" fmla="*/ 0 w 2160000"/>
+                <a:gd name="connsiteY7" fmla="*/ 959192 h 1405407"/>
+                <a:gd name="connsiteX8" fmla="*/ 1083452 w 2160000"/>
+                <a:gd name="connsiteY8" fmla="*/ 0 h 1405407"/>
+                <a:gd name="connsiteX0" fmla="*/ 1083452 w 2160000"/>
+                <a:gd name="connsiteY0" fmla="*/ 0 h 1405407"/>
+                <a:gd name="connsiteX1" fmla="*/ 2160000 w 2160000"/>
+                <a:gd name="connsiteY1" fmla="*/ 959192 h 1405407"/>
+                <a:gd name="connsiteX2" fmla="*/ 2155252 w 2160000"/>
+                <a:gd name="connsiteY2" fmla="*/ 1053220 h 1405407"/>
+                <a:gd name="connsiteX3" fmla="*/ 2095375 w 2160000"/>
+                <a:gd name="connsiteY3" fmla="*/ 1097996 h 1405407"/>
+                <a:gd name="connsiteX4" fmla="*/ 1088977 w 2160000"/>
+                <a:gd name="connsiteY4" fmla="*/ 1405407 h 1405407"/>
+                <a:gd name="connsiteX5" fmla="*/ 82580 w 2160000"/>
+                <a:gd name="connsiteY5" fmla="*/ 1097996 h 1405407"/>
+                <a:gd name="connsiteX6" fmla="*/ 4044 w 2160000"/>
+                <a:gd name="connsiteY6" fmla="*/ 1039267 h 1405407"/>
+                <a:gd name="connsiteX7" fmla="*/ 0 w 2160000"/>
+                <a:gd name="connsiteY7" fmla="*/ 959192 h 1405407"/>
+                <a:gd name="connsiteX8" fmla="*/ 1083452 w 2160000"/>
+                <a:gd name="connsiteY8" fmla="*/ 0 h 1405407"/>
+                <a:gd name="connsiteX0" fmla="*/ 1083452 w 2155252"/>
+                <a:gd name="connsiteY0" fmla="*/ 0 h 1405407"/>
+                <a:gd name="connsiteX1" fmla="*/ 2139290 w 2155252"/>
+                <a:gd name="connsiteY1" fmla="*/ 962644 h 1405407"/>
+                <a:gd name="connsiteX2" fmla="*/ 2155252 w 2155252"/>
+                <a:gd name="connsiteY2" fmla="*/ 1053220 h 1405407"/>
+                <a:gd name="connsiteX3" fmla="*/ 2095375 w 2155252"/>
+                <a:gd name="connsiteY3" fmla="*/ 1097996 h 1405407"/>
+                <a:gd name="connsiteX4" fmla="*/ 1088977 w 2155252"/>
+                <a:gd name="connsiteY4" fmla="*/ 1405407 h 1405407"/>
+                <a:gd name="connsiteX5" fmla="*/ 82580 w 2155252"/>
+                <a:gd name="connsiteY5" fmla="*/ 1097996 h 1405407"/>
+                <a:gd name="connsiteX6" fmla="*/ 4044 w 2155252"/>
+                <a:gd name="connsiteY6" fmla="*/ 1039267 h 1405407"/>
+                <a:gd name="connsiteX7" fmla="*/ 0 w 2155252"/>
+                <a:gd name="connsiteY7" fmla="*/ 959192 h 1405407"/>
+                <a:gd name="connsiteX8" fmla="*/ 1083452 w 2155252"/>
+                <a:gd name="connsiteY8" fmla="*/ 0 h 1405407"/>
+                <a:gd name="connsiteX0" fmla="*/ 1083452 w 2144897"/>
+                <a:gd name="connsiteY0" fmla="*/ 0 h 1405407"/>
+                <a:gd name="connsiteX1" fmla="*/ 2139290 w 2144897"/>
+                <a:gd name="connsiteY1" fmla="*/ 962644 h 1405407"/>
+                <a:gd name="connsiteX2" fmla="*/ 2144897 w 2144897"/>
+                <a:gd name="connsiteY2" fmla="*/ 1053220 h 1405407"/>
+                <a:gd name="connsiteX3" fmla="*/ 2095375 w 2144897"/>
+                <a:gd name="connsiteY3" fmla="*/ 1097996 h 1405407"/>
+                <a:gd name="connsiteX4" fmla="*/ 1088977 w 2144897"/>
+                <a:gd name="connsiteY4" fmla="*/ 1405407 h 1405407"/>
+                <a:gd name="connsiteX5" fmla="*/ 82580 w 2144897"/>
+                <a:gd name="connsiteY5" fmla="*/ 1097996 h 1405407"/>
+                <a:gd name="connsiteX6" fmla="*/ 4044 w 2144897"/>
+                <a:gd name="connsiteY6" fmla="*/ 1039267 h 1405407"/>
+                <a:gd name="connsiteX7" fmla="*/ 0 w 2144897"/>
+                <a:gd name="connsiteY7" fmla="*/ 959192 h 1405407"/>
+                <a:gd name="connsiteX8" fmla="*/ 1083452 w 2144897"/>
+                <a:gd name="connsiteY8" fmla="*/ 0 h 1405407"/>
+                <a:gd name="connsiteX0" fmla="*/ 1079408 w 2140853"/>
+                <a:gd name="connsiteY0" fmla="*/ 0 h 1405407"/>
+                <a:gd name="connsiteX1" fmla="*/ 2135246 w 2140853"/>
+                <a:gd name="connsiteY1" fmla="*/ 962644 h 1405407"/>
+                <a:gd name="connsiteX2" fmla="*/ 2140853 w 2140853"/>
+                <a:gd name="connsiteY2" fmla="*/ 1053220 h 1405407"/>
+                <a:gd name="connsiteX3" fmla="*/ 2091331 w 2140853"/>
+                <a:gd name="connsiteY3" fmla="*/ 1097996 h 1405407"/>
+                <a:gd name="connsiteX4" fmla="*/ 1084933 w 2140853"/>
+                <a:gd name="connsiteY4" fmla="*/ 1405407 h 1405407"/>
+                <a:gd name="connsiteX5" fmla="*/ 78536 w 2140853"/>
+                <a:gd name="connsiteY5" fmla="*/ 1097996 h 1405407"/>
+                <a:gd name="connsiteX6" fmla="*/ 0 w 2140853"/>
+                <a:gd name="connsiteY6" fmla="*/ 1039267 h 1405407"/>
+                <a:gd name="connsiteX7" fmla="*/ 16666 w 2140853"/>
+                <a:gd name="connsiteY7" fmla="*/ 959192 h 1405407"/>
+                <a:gd name="connsiteX8" fmla="*/ 1079408 w 2140853"/>
+                <a:gd name="connsiteY8" fmla="*/ 0 h 1405407"/>
+              </a:gdLst>
+              <a:ahLst/>
+              <a:cxnLst>
+                <a:cxn ang="0">
+                  <a:pos x="connsiteX0" y="connsiteY0"/>
+                </a:cxn>
+                <a:cxn ang="0">
+                  <a:pos x="connsiteX1" y="connsiteY1"/>
+                </a:cxn>
+                <a:cxn ang="0">
+                  <a:pos x="connsiteX2" y="connsiteY2"/>
+                </a:cxn>
+                <a:cxn ang="0">
+                  <a:pos x="connsiteX3" y="connsiteY3"/>
+                </a:cxn>
+                <a:cxn ang="0">
+                  <a:pos x="connsiteX4" y="connsiteY4"/>
+                </a:cxn>
+                <a:cxn ang="0">
+                  <a:pos x="connsiteX5" y="connsiteY5"/>
+                </a:cxn>
+                <a:cxn ang="0">
+                  <a:pos x="connsiteX6" y="connsiteY6"/>
+                </a:cxn>
+                <a:cxn ang="0">
+                  <a:pos x="connsiteX7" y="connsiteY7"/>
+                </a:cxn>
+                <a:cxn ang="0">
+                  <a:pos x="connsiteX8" y="connsiteY8"/>
+                </a:cxn>
+              </a:cxnLst>
+              <a:rect l="l" t="t" r="r" b="b"/>
+              <a:pathLst>
+                <a:path w="2140853" h="1405407">
+                  <a:moveTo>
+                    <a:pt x="1079408" y="0"/>
+                  </a:moveTo>
+                  <a:cubicBezTo>
+                    <a:pt x="1432505" y="575"/>
+                    <a:pt x="2059309" y="386886"/>
+                    <a:pt x="2135246" y="962644"/>
+                  </a:cubicBezTo>
+                  <a:lnTo>
+                    <a:pt x="2140853" y="1053220"/>
+                  </a:lnTo>
+                  <a:lnTo>
+                    <a:pt x="2091331" y="1097996"/>
+                  </a:lnTo>
+                  <a:cubicBezTo>
+                    <a:pt x="1804049" y="1292079"/>
+                    <a:pt x="1457726" y="1405407"/>
+                    <a:pt x="1084933" y="1405407"/>
+                  </a:cubicBezTo>
+                  <a:cubicBezTo>
+                    <a:pt x="712141" y="1405407"/>
+                    <a:pt x="365818" y="1292079"/>
+                    <a:pt x="78536" y="1097996"/>
+                  </a:cubicBezTo>
+                  <a:lnTo>
+                    <a:pt x="0" y="1039267"/>
+                  </a:lnTo>
+                  <a:lnTo>
+                    <a:pt x="16666" y="959192"/>
+                  </a:lnTo>
+                  <a:cubicBezTo>
+                    <a:pt x="171991" y="393789"/>
+                    <a:pt x="726311" y="-575"/>
+                    <a:pt x="1079408" y="0"/>
+                  </a:cubicBezTo>
+                  <a:close/>
+                </a:path>
+              </a:pathLst>
+            </a:custGeom>
+            <a:solidFill>
+              <a:srgbClr val="00B050"/>
+            </a:solidFill>
+            <a:ln>
+              <a:noFill/>
+            </a:ln>
+          </p:spPr>
+          <p:style>
+            <a:lnRef idx="2">
+              <a:schemeClr val="accent1">
+                <a:shade val="50000"/>
+              </a:schemeClr>
+            </a:lnRef>
+            <a:fillRef idx="1">
+              <a:schemeClr val="accent1"/>
+            </a:fillRef>
+            <a:effectRef idx="0">
+              <a:schemeClr val="accent1"/>
+            </a:effectRef>
+            <a:fontRef idx="minor">
+              <a:schemeClr val="lt1"/>
+            </a:fontRef>
+          </p:style>
+          <p:txBody>
+            <a:bodyPr wrap="square" rtlCol="0" anchor="ctr">
+              <a:noAutofit/>
+            </a:bodyPr>
+            <a:lstStyle/>
+            <a:p>
+              <a:pPr algn="ctr"/>
+              <a:endParaRPr lang="zh-CN" altLang="en-US"/>
+            </a:p>
+          </p:txBody>
+        </p:sp>
+        <p:sp>
+          <p:nvSpPr>
+            <p:cNvPr id="25" name="任意多边形: 形状 24">
+              <a:extLst>
+                <a:ext uri="{FF2B5EF4-FFF2-40B4-BE49-F238E27FC236}">
+                  <a16:creationId xmlns:a16="http://schemas.microsoft.com/office/drawing/2014/main" id="{2FC5D75B-AE56-4CDA-80B6-61783BA6A9B3}"/>
+                </a:ext>
+              </a:extLst>
+            </p:cNvPr>
+            <p:cNvSpPr>
+              <a:spLocks noChangeAspect="1"/>
+            </p:cNvSpPr>
+            <p:nvPr/>
+          </p:nvSpPr>
+          <p:spPr>
+            <a:xfrm>
+              <a:off x="4839779" y="1629357"/>
+              <a:ext cx="2513233" cy="1705503"/>
+            </a:xfrm>
+            <a:custGeom>
+              <a:avLst/>
+              <a:gdLst>
+                <a:gd name="connsiteX0" fmla="*/ 1265199 w 2513233"/>
+                <a:gd name="connsiteY0" fmla="*/ 0 h 1705503"/>
+                <a:gd name="connsiteX1" fmla="*/ 2410167 w 2513233"/>
+                <a:gd name="connsiteY1" fmla="*/ 411033 h 1705503"/>
+                <a:gd name="connsiteX2" fmla="*/ 2513233 w 2513233"/>
+                <a:gd name="connsiteY2" fmla="*/ 504706 h 1705503"/>
+                <a:gd name="connsiteX3" fmla="*/ 2509717 w 2513233"/>
+                <a:gd name="connsiteY3" fmla="*/ 574331 h 1705503"/>
+                <a:gd name="connsiteX4" fmla="*/ 1256222 w 2513233"/>
+                <a:gd name="connsiteY4" fmla="*/ 1705503 h 1705503"/>
+                <a:gd name="connsiteX5" fmla="*/ 2728 w 2513233"/>
+                <a:gd name="connsiteY5" fmla="*/ 574331 h 1705503"/>
+                <a:gd name="connsiteX6" fmla="*/ 0 w 2513233"/>
+                <a:gd name="connsiteY6" fmla="*/ 520307 h 1705503"/>
+                <a:gd name="connsiteX7" fmla="*/ 120232 w 2513233"/>
+                <a:gd name="connsiteY7" fmla="*/ 411033 h 1705503"/>
+                <a:gd name="connsiteX8" fmla="*/ 1265199 w 2513233"/>
+                <a:gd name="connsiteY8" fmla="*/ 0 h 1705503"/>
+              </a:gdLst>
+              <a:ahLst/>
+              <a:cxnLst>
+                <a:cxn ang="0">
+                  <a:pos x="connsiteX0" y="connsiteY0"/>
+                </a:cxn>
+                <a:cxn ang="0">
+                  <a:pos x="connsiteX1" y="connsiteY1"/>
+                </a:cxn>
+                <a:cxn ang="0">
+                  <a:pos x="connsiteX2" y="connsiteY2"/>
+                </a:cxn>
+                <a:cxn ang="0">
+                  <a:pos x="connsiteX3" y="connsiteY3"/>
+                </a:cxn>
+                <a:cxn ang="0">
+                  <a:pos x="connsiteX4" y="connsiteY4"/>
+                </a:cxn>
+                <a:cxn ang="0">
+                  <a:pos x="connsiteX5" y="connsiteY5"/>
+                </a:cxn>
+                <a:cxn ang="0">
+                  <a:pos x="connsiteX6" y="connsiteY6"/>
+                </a:cxn>
+                <a:cxn ang="0">
+                  <a:pos x="connsiteX7" y="connsiteY7"/>
+                </a:cxn>
+                <a:cxn ang="0">
+                  <a:pos x="connsiteX8" y="connsiteY8"/>
+                </a:cxn>
+              </a:cxnLst>
+              <a:rect l="l" t="t" r="r" b="b"/>
+              <a:pathLst>
+                <a:path w="2513233" h="1705503">
+                  <a:moveTo>
+                    <a:pt x="1265199" y="0"/>
+                  </a:moveTo>
+                  <a:cubicBezTo>
+                    <a:pt x="1700124" y="0"/>
+                    <a:pt x="2099020" y="154252"/>
+                    <a:pt x="2410167" y="411033"/>
+                  </a:cubicBezTo>
+                  <a:lnTo>
+                    <a:pt x="2513233" y="504706"/>
+                  </a:lnTo>
+                  <a:lnTo>
+                    <a:pt x="2509717" y="574331"/>
+                  </a:lnTo>
+                  <a:cubicBezTo>
+                    <a:pt x="2445192" y="1209694"/>
+                    <a:pt x="1908609" y="1705503"/>
+                    <a:pt x="1256222" y="1705503"/>
+                  </a:cubicBezTo>
+                  <a:cubicBezTo>
+                    <a:pt x="603836" y="1705503"/>
+                    <a:pt x="67252" y="1209694"/>
+                    <a:pt x="2728" y="574331"/>
+                  </a:cubicBezTo>
+                  <a:lnTo>
+                    <a:pt x="0" y="520307"/>
+                  </a:lnTo>
+                  <a:lnTo>
+                    <a:pt x="120232" y="411033"/>
+                  </a:lnTo>
+                  <a:cubicBezTo>
+                    <a:pt x="431378" y="154252"/>
+                    <a:pt x="830275" y="0"/>
+                    <a:pt x="1265199" y="0"/>
+                  </a:cubicBezTo>
+                  <a:close/>
+                </a:path>
+              </a:pathLst>
+            </a:custGeom>
+            <a:solidFill>
+              <a:schemeClr val="bg1"/>
+            </a:solidFill>
+            <a:ln>
+              <a:noFill/>
+            </a:ln>
+          </p:spPr>
+          <p:style>
+            <a:lnRef idx="2">
+              <a:schemeClr val="accent1">
+                <a:shade val="50000"/>
+              </a:schemeClr>
+            </a:lnRef>
+            <a:fillRef idx="1">
+              <a:schemeClr val="accent1"/>
+            </a:fillRef>
+            <a:effectRef idx="0">
+              <a:schemeClr val="accent1"/>
+            </a:effectRef>
+            <a:fontRef idx="minor">
+              <a:schemeClr val="lt1"/>
+            </a:fontRef>
+          </p:style>
+          <p:txBody>
+            <a:bodyPr wrap="square" rtlCol="0" anchor="ctr">
+              <a:noAutofit/>
+            </a:bodyPr>
+            <a:lstStyle/>
+            <a:p>
+              <a:pPr algn="ctr"/>
+              <a:endParaRPr lang="zh-CN" altLang="en-US"/>
+            </a:p>
+          </p:txBody>
+        </p:sp>
+        <p:sp>
+          <p:nvSpPr>
+            <p:cNvPr id="21" name="任意多边形: 形状 20">
+              <a:extLst>
+                <a:ext uri="{FF2B5EF4-FFF2-40B4-BE49-F238E27FC236}">
+                  <a16:creationId xmlns:a16="http://schemas.microsoft.com/office/drawing/2014/main" id="{52CE1612-9A11-46CB-9E93-AD6F1C6BF5D0}"/>
+                </a:ext>
+              </a:extLst>
+            </p:cNvPr>
+            <p:cNvSpPr>
+              <a:spLocks noChangeAspect="1"/>
+            </p:cNvSpPr>
+            <p:nvPr/>
+          </p:nvSpPr>
+          <p:spPr>
+            <a:xfrm>
+              <a:off x="5016000" y="1629357"/>
+              <a:ext cx="2160000" cy="1525503"/>
+            </a:xfrm>
+            <a:custGeom>
+              <a:avLst/>
+              <a:gdLst>
+                <a:gd name="connsiteX0" fmla="*/ 1077481 w 2160000"/>
+                <a:gd name="connsiteY0" fmla="*/ 0 h 1525503"/>
+                <a:gd name="connsiteX1" fmla="*/ 2083879 w 2160000"/>
+                <a:gd name="connsiteY1" fmla="*/ 307412 h 1525503"/>
+                <a:gd name="connsiteX2" fmla="*/ 2155741 w 2160000"/>
+                <a:gd name="connsiteY2" fmla="*/ 361149 h 1525503"/>
+                <a:gd name="connsiteX3" fmla="*/ 2160000 w 2160000"/>
+                <a:gd name="connsiteY3" fmla="*/ 445503 h 1525503"/>
+                <a:gd name="connsiteX4" fmla="*/ 1080000 w 2160000"/>
+                <a:gd name="connsiteY4" fmla="*/ 1525503 h 1525503"/>
+                <a:gd name="connsiteX5" fmla="*/ 0 w 2160000"/>
+                <a:gd name="connsiteY5" fmla="*/ 445503 h 1525503"/>
+                <a:gd name="connsiteX6" fmla="*/ 4457 w 2160000"/>
+                <a:gd name="connsiteY6" fmla="*/ 357234 h 1525503"/>
+                <a:gd name="connsiteX7" fmla="*/ 71084 w 2160000"/>
+                <a:gd name="connsiteY7" fmla="*/ 307412 h 1525503"/>
+                <a:gd name="connsiteX8" fmla="*/ 1077481 w 2160000"/>
+                <a:gd name="connsiteY8" fmla="*/ 0 h 1525503"/>
+              </a:gdLst>
+              <a:ahLst/>
+              <a:cxnLst>
+                <a:cxn ang="0">
+                  <a:pos x="connsiteX0" y="connsiteY0"/>
+                </a:cxn>
+                <a:cxn ang="0">
+                  <a:pos x="connsiteX1" y="connsiteY1"/>
+                </a:cxn>
+                <a:cxn ang="0">
+                  <a:pos x="connsiteX2" y="connsiteY2"/>
+                </a:cxn>
+                <a:cxn ang="0">
+                  <a:pos x="connsiteX3" y="connsiteY3"/>
+                </a:cxn>
+                <a:cxn ang="0">
+                  <a:pos x="connsiteX4" y="connsiteY4"/>
+                </a:cxn>
+                <a:cxn ang="0">
+                  <a:pos x="connsiteX5" y="connsiteY5"/>
+                </a:cxn>
+                <a:cxn ang="0">
+                  <a:pos x="connsiteX6" y="connsiteY6"/>
+                </a:cxn>
+                <a:cxn ang="0">
+                  <a:pos x="connsiteX7" y="connsiteY7"/>
+                </a:cxn>
+                <a:cxn ang="0">
+                  <a:pos x="connsiteX8" y="connsiteY8"/>
+                </a:cxn>
+              </a:cxnLst>
+              <a:rect l="l" t="t" r="r" b="b"/>
+              <a:pathLst>
+                <a:path w="2160000" h="1525503">
+                  <a:moveTo>
+                    <a:pt x="1077481" y="0"/>
+                  </a:moveTo>
+                  <a:cubicBezTo>
+                    <a:pt x="1450274" y="0"/>
+                    <a:pt x="1796597" y="113328"/>
+                    <a:pt x="2083879" y="307412"/>
+                  </a:cubicBezTo>
+                  <a:lnTo>
+                    <a:pt x="2155741" y="361149"/>
+                  </a:lnTo>
+                  <a:lnTo>
+                    <a:pt x="2160000" y="445503"/>
+                  </a:lnTo>
+                  <a:cubicBezTo>
+                    <a:pt x="2160000" y="1041971"/>
+                    <a:pt x="1676468" y="1525503"/>
+                    <a:pt x="1080000" y="1525503"/>
+                  </a:cubicBezTo>
+                  <a:cubicBezTo>
+                    <a:pt x="483532" y="1525503"/>
+                    <a:pt x="0" y="1041971"/>
+                    <a:pt x="0" y="445503"/>
+                  </a:cubicBezTo>
+                  <a:lnTo>
+                    <a:pt x="4457" y="357234"/>
+                  </a:lnTo>
+                  <a:lnTo>
+                    <a:pt x="71084" y="307412"/>
+                  </a:lnTo>
+                  <a:cubicBezTo>
+                    <a:pt x="358366" y="113328"/>
+                    <a:pt x="704689" y="0"/>
+                    <a:pt x="1077481" y="0"/>
+                  </a:cubicBezTo>
+                  <a:close/>
+                </a:path>
+              </a:pathLst>
+            </a:custGeom>
+            <a:solidFill>
+              <a:srgbClr val="00B050"/>
+            </a:solidFill>
+            <a:ln>
+              <a:noFill/>
+            </a:ln>
+          </p:spPr>
+          <p:style>
+            <a:lnRef idx="2">
+              <a:schemeClr val="accent1">
+                <a:shade val="50000"/>
+              </a:schemeClr>
+            </a:lnRef>
+            <a:fillRef idx="1">
+              <a:schemeClr val="accent1"/>
+            </a:fillRef>
+            <a:effectRef idx="0">
+              <a:schemeClr val="accent1"/>
+            </a:effectRef>
+            <a:fontRef idx="minor">
+              <a:schemeClr val="lt1"/>
+            </a:fontRef>
+          </p:style>
+          <p:txBody>
+            <a:bodyPr wrap="square" rtlCol="0" anchor="ctr">
+              <a:noAutofit/>
+            </a:bodyPr>
+            <a:lstStyle/>
+            <a:p>
+              <a:pPr algn="ctr"/>
+              <a:endParaRPr lang="zh-CN" altLang="en-US"/>
+            </a:p>
+          </p:txBody>
+        </p:sp>
+        <p:sp>
+          <p:nvSpPr>
+            <p:cNvPr id="27" name="任意多边形: 形状 26">
+              <a:extLst>
+                <a:ext uri="{FF2B5EF4-FFF2-40B4-BE49-F238E27FC236}">
+                  <a16:creationId xmlns:a16="http://schemas.microsoft.com/office/drawing/2014/main" id="{E90B4DB6-BFDD-4CD4-A7C5-FFEF24A0FD81}"/>
+                </a:ext>
+              </a:extLst>
+            </p:cNvPr>
+            <p:cNvSpPr/>
+            <p:nvPr/>
+          </p:nvSpPr>
+          <p:spPr>
+            <a:xfrm>
+              <a:off x="5750793" y="1635698"/>
+              <a:ext cx="228600" cy="3587317"/>
+            </a:xfrm>
+            <a:custGeom>
+              <a:avLst/>
+              <a:gdLst>
+                <a:gd name="connsiteX0" fmla="*/ 228600 w 228600"/>
+                <a:gd name="connsiteY0" fmla="*/ 0 h 3587317"/>
+                <a:gd name="connsiteX1" fmla="*/ 228600 w 228600"/>
+                <a:gd name="connsiteY1" fmla="*/ 3587317 h 3587317"/>
+                <a:gd name="connsiteX2" fmla="*/ 170145 w 228600"/>
+                <a:gd name="connsiteY2" fmla="*/ 3584365 h 3587317"/>
+                <a:gd name="connsiteX3" fmla="*/ 0 w 228600"/>
+                <a:gd name="connsiteY3" fmla="*/ 3558398 h 3587317"/>
+                <a:gd name="connsiteX4" fmla="*/ 0 w 228600"/>
+                <a:gd name="connsiteY4" fmla="*/ 28918 h 3587317"/>
+                <a:gd name="connsiteX5" fmla="*/ 170145 w 228600"/>
+                <a:gd name="connsiteY5" fmla="*/ 2951 h 3587317"/>
+              </a:gdLst>
+              <a:ahLst/>
+              <a:cxnLst>
+                <a:cxn ang="0">
+                  <a:pos x="connsiteX0" y="connsiteY0"/>
+                </a:cxn>
+                <a:cxn ang="0">
+                  <a:pos x="connsiteX1" y="connsiteY1"/>
+                </a:cxn>
+                <a:cxn ang="0">
+                  <a:pos x="connsiteX2" y="connsiteY2"/>
+                </a:cxn>
+                <a:cxn ang="0">
+                  <a:pos x="connsiteX3" y="connsiteY3"/>
+                </a:cxn>
+                <a:cxn ang="0">
+                  <a:pos x="connsiteX4" y="connsiteY4"/>
+                </a:cxn>
+                <a:cxn ang="0">
+                  <a:pos x="connsiteX5" y="connsiteY5"/>
+                </a:cxn>
+              </a:cxnLst>
+              <a:rect l="l" t="t" r="r" b="b"/>
+              <a:pathLst>
+                <a:path w="228600" h="3587317">
+                  <a:moveTo>
+                    <a:pt x="228600" y="0"/>
+                  </a:moveTo>
+                  <a:lnTo>
+                    <a:pt x="228600" y="3587317"/>
+                  </a:lnTo>
+                  <a:lnTo>
+                    <a:pt x="170145" y="3584365"/>
+                  </a:lnTo>
+                  <a:lnTo>
+                    <a:pt x="0" y="3558398"/>
+                  </a:lnTo>
+                  <a:lnTo>
+                    <a:pt x="0" y="28918"/>
+                  </a:lnTo>
+                  <a:lnTo>
+                    <a:pt x="170145" y="2951"/>
+                  </a:lnTo>
+                  <a:close/>
+                </a:path>
+              </a:pathLst>
+            </a:custGeom>
+            <a:solidFill>
+              <a:schemeClr val="bg1"/>
+            </a:solidFill>
+            <a:ln>
+              <a:noFill/>
+            </a:ln>
+          </p:spPr>
+          <p:style>
+            <a:lnRef idx="2">
+              <a:schemeClr val="accent1">
+                <a:shade val="50000"/>
+              </a:schemeClr>
+            </a:lnRef>
+            <a:fillRef idx="1">
+              <a:schemeClr val="accent1"/>
+            </a:fillRef>
+            <a:effectRef idx="0">
+              <a:schemeClr val="accent1"/>
+            </a:effectRef>
+            <a:fontRef idx="minor">
+              <a:schemeClr val="lt1"/>
+            </a:fontRef>
+          </p:style>
+          <p:txBody>
+            <a:bodyPr wrap="square" rtlCol="0" anchor="ctr">
+              <a:noAutofit/>
+            </a:bodyPr>
+            <a:lstStyle/>
+            <a:p>
+              <a:pPr algn="ctr"/>
+              <a:endParaRPr lang="zh-CN" altLang="en-US"/>
+            </a:p>
+          </p:txBody>
+        </p:sp>
+        <p:sp>
+          <p:nvSpPr>
+            <p:cNvPr id="29" name="任意多边形: 形状 28">
+              <a:extLst>
+                <a:ext uri="{FF2B5EF4-FFF2-40B4-BE49-F238E27FC236}">
+                  <a16:creationId xmlns:a16="http://schemas.microsoft.com/office/drawing/2014/main" id="{88470566-931C-4C41-970C-CAFA03BCC461}"/>
+                </a:ext>
+              </a:extLst>
+            </p:cNvPr>
+            <p:cNvSpPr/>
+            <p:nvPr/>
+          </p:nvSpPr>
+          <p:spPr>
+            <a:xfrm>
+              <a:off x="6238319" y="1636089"/>
+              <a:ext cx="228600" cy="3586534"/>
+            </a:xfrm>
+            <a:custGeom>
+              <a:avLst/>
+              <a:gdLst>
+                <a:gd name="connsiteX0" fmla="*/ 0 w 228600"/>
+                <a:gd name="connsiteY0" fmla="*/ 0 h 3586534"/>
+                <a:gd name="connsiteX1" fmla="*/ 50698 w 228600"/>
+                <a:gd name="connsiteY1" fmla="*/ 2560 h 3586534"/>
+                <a:gd name="connsiteX2" fmla="*/ 228600 w 228600"/>
+                <a:gd name="connsiteY2" fmla="*/ 29711 h 3586534"/>
+                <a:gd name="connsiteX3" fmla="*/ 228600 w 228600"/>
+                <a:gd name="connsiteY3" fmla="*/ 3556823 h 3586534"/>
+                <a:gd name="connsiteX4" fmla="*/ 50698 w 228600"/>
+                <a:gd name="connsiteY4" fmla="*/ 3583974 h 3586534"/>
+                <a:gd name="connsiteX5" fmla="*/ 0 w 228600"/>
+                <a:gd name="connsiteY5" fmla="*/ 3586534 h 3586534"/>
+              </a:gdLst>
+              <a:ahLst/>
+              <a:cxnLst>
+                <a:cxn ang="0">
+                  <a:pos x="connsiteX0" y="connsiteY0"/>
+                </a:cxn>
+                <a:cxn ang="0">
+                  <a:pos x="connsiteX1" y="connsiteY1"/>
+                </a:cxn>
+                <a:cxn ang="0">
+                  <a:pos x="connsiteX2" y="connsiteY2"/>
+                </a:cxn>
+                <a:cxn ang="0">
+                  <a:pos x="connsiteX3" y="connsiteY3"/>
+                </a:cxn>
+                <a:cxn ang="0">
+                  <a:pos x="connsiteX4" y="connsiteY4"/>
+                </a:cxn>
+                <a:cxn ang="0">
+                  <a:pos x="connsiteX5" y="connsiteY5"/>
+                </a:cxn>
+              </a:cxnLst>
+              <a:rect l="l" t="t" r="r" b="b"/>
+              <a:pathLst>
+                <a:path w="228600" h="3586534">
+                  <a:moveTo>
+                    <a:pt x="0" y="0"/>
+                  </a:moveTo>
+                  <a:lnTo>
+                    <a:pt x="50698" y="2560"/>
+                  </a:lnTo>
+                  <a:lnTo>
+                    <a:pt x="228600" y="29711"/>
+                  </a:lnTo>
+                  <a:lnTo>
+                    <a:pt x="228600" y="3556823"/>
+                  </a:lnTo>
+                  <a:lnTo>
+                    <a:pt x="50698" y="3583974"/>
+                  </a:lnTo>
+                  <a:lnTo>
+                    <a:pt x="0" y="3586534"/>
+                  </a:lnTo>
+                  <a:close/>
+                </a:path>
+              </a:pathLst>
+            </a:custGeom>
+            <a:solidFill>
+              <a:schemeClr val="bg1"/>
+            </a:solidFill>
+            <a:ln>
+              <a:noFill/>
+            </a:ln>
+          </p:spPr>
+          <p:style>
+            <a:lnRef idx="2">
+              <a:schemeClr val="accent1">
+                <a:shade val="50000"/>
+              </a:schemeClr>
+            </a:lnRef>
+            <a:fillRef idx="1">
+              <a:schemeClr val="accent1"/>
+            </a:fillRef>
+            <a:effectRef idx="0">
+              <a:schemeClr val="accent1"/>
+            </a:effectRef>
+            <a:fontRef idx="minor">
+              <a:schemeClr val="lt1"/>
+            </a:fontRef>
+          </p:style>
+          <p:txBody>
+            <a:bodyPr wrap="square" rtlCol="0" anchor="ctr">
+              <a:noAutofit/>
+            </a:bodyPr>
+            <a:lstStyle/>
+            <a:p>
+              <a:pPr algn="ctr"/>
+              <a:endParaRPr lang="zh-CN" altLang="en-US"/>
+            </a:p>
+          </p:txBody>
+        </p:sp>
+      </p:grpSp>
+      <p:sp>
+        <p:nvSpPr>
+          <p:cNvPr id="17" name="正圆形" hidden="1">
+            <a:extLst>
+              <a:ext uri="{FF2B5EF4-FFF2-40B4-BE49-F238E27FC236}">
+                <a16:creationId xmlns:a16="http://schemas.microsoft.com/office/drawing/2014/main" id="{ED299369-9343-4041-914B-F6838B22C025}"/>
+              </a:ext>
+            </a:extLst>
+          </p:cNvPr>
+          <p:cNvSpPr>
+            <a:spLocks noChangeAspect="1"/>
+          </p:cNvSpPr>
+          <p:nvPr/>
+        </p:nvSpPr>
+        <p:spPr>
+          <a:xfrm>
+            <a:off x="406747" y="1157288"/>
+            <a:ext cx="3600000" cy="3600000"/>
+          </a:xfrm>
+          <a:custGeom>
+            <a:avLst/>
+            <a:gdLst>
+              <a:gd name="connsiteX0" fmla="*/ 1800000 w 3600000"/>
+              <a:gd name="connsiteY0" fmla="*/ 0 h 3600000"/>
+              <a:gd name="connsiteX1" fmla="*/ 3600000 w 3600000"/>
+              <a:gd name="connsiteY1" fmla="*/ 1800000 h 3600000"/>
+              <a:gd name="connsiteX2" fmla="*/ 1800000 w 3600000"/>
+              <a:gd name="connsiteY2" fmla="*/ 3600000 h 3600000"/>
+              <a:gd name="connsiteX3" fmla="*/ 0 w 3600000"/>
+              <a:gd name="connsiteY3" fmla="*/ 1800000 h 3600000"/>
+              <a:gd name="connsiteX4" fmla="*/ 1800000 w 3600000"/>
+              <a:gd name="connsiteY4" fmla="*/ 0 h 3600000"/>
+            </a:gdLst>
+            <a:ahLst/>
+            <a:cxnLst>
+              <a:cxn ang="0">
+                <a:pos x="connsiteX0" y="connsiteY0"/>
+              </a:cxn>
+              <a:cxn ang="0">
+                <a:pos x="connsiteX1" y="connsiteY1"/>
+              </a:cxn>
+              <a:cxn ang="0">
+                <a:pos x="connsiteX2" y="connsiteY2"/>
+              </a:cxn>
+              <a:cxn ang="0">
+                <a:pos x="connsiteX3" y="connsiteY3"/>
+              </a:cxn>
+              <a:cxn ang="0">
+                <a:pos x="connsiteX4" y="connsiteY4"/>
+              </a:cxn>
+            </a:cxnLst>
+            <a:rect l="l" t="t" r="r" b="b"/>
+            <a:pathLst>
+              <a:path w="3600000" h="3600000">
+                <a:moveTo>
+                  <a:pt x="1800000" y="0"/>
+                </a:moveTo>
+                <a:cubicBezTo>
+                  <a:pt x="2794113" y="0"/>
+                  <a:pt x="3600000" y="805887"/>
+                  <a:pt x="3600000" y="1800000"/>
+                </a:cubicBezTo>
+                <a:cubicBezTo>
+                  <a:pt x="3600000" y="2794113"/>
+                  <a:pt x="2794113" y="3600000"/>
+                  <a:pt x="1800000" y="3600000"/>
+                </a:cubicBezTo>
+                <a:cubicBezTo>
+                  <a:pt x="805887" y="3600000"/>
+                  <a:pt x="0" y="2794113"/>
+                  <a:pt x="0" y="1800000"/>
+                </a:cubicBezTo>
+                <a:cubicBezTo>
+                  <a:pt x="0" y="805887"/>
+                  <a:pt x="805887" y="0"/>
+                  <a:pt x="1800000" y="0"/>
+                </a:cubicBezTo>
+                <a:close/>
+              </a:path>
+            </a:pathLst>
+          </a:custGeom>
+          <a:solidFill>
+            <a:srgbClr val="00B050"/>
+          </a:solidFill>
+          <a:ln>
+            <a:noFill/>
+          </a:ln>
+        </p:spPr>
+        <p:style>
+          <a:lnRef idx="2">
+            <a:schemeClr val="accent1">
+              <a:shade val="50000"/>
+            </a:schemeClr>
+          </a:lnRef>
+          <a:fillRef idx="1">
+            <a:schemeClr val="accent1"/>
+          </a:fillRef>
+          <a:effectRef idx="0">
+            <a:schemeClr val="accent1"/>
+          </a:effectRef>
+          <a:fontRef idx="minor">
+            <a:schemeClr val="lt1"/>
+          </a:fontRef>
+        </p:style>
+        <p:txBody>
+          <a:bodyPr wrap="square" rtlCol="0" anchor="ctr">
+            <a:noAutofit/>
+          </a:bodyPr>
+          <a:lstStyle/>
+          <a:p>
+            <a:pPr algn="ctr"/>
+            <a:endParaRPr lang="zh-CN" altLang="en-US"/>
+          </a:p>
+        </p:txBody>
+      </p:sp>
+      <p:sp>
+        <p:nvSpPr>
+          <p:cNvPr id="53" name="空心矩形2" hidden="1">
+            <a:extLst>
+              <a:ext uri="{FF2B5EF4-FFF2-40B4-BE49-F238E27FC236}">
+                <a16:creationId xmlns:a16="http://schemas.microsoft.com/office/drawing/2014/main" id="{40C341CE-F89F-4249-B8A8-FD5E0DDE9AF0}"/>
+              </a:ext>
+            </a:extLst>
+          </p:cNvPr>
+          <p:cNvSpPr>
+            <a:spLocks noChangeAspect="1"/>
+          </p:cNvSpPr>
+          <p:nvPr/>
+        </p:nvSpPr>
+        <p:spPr>
+          <a:xfrm>
+            <a:off x="4836000" y="616849"/>
+            <a:ext cx="4429675" cy="6858000"/>
+          </a:xfrm>
+          <a:custGeom>
+            <a:avLst/>
+            <a:gdLst>
+              <a:gd name="connsiteX0" fmla="*/ 0 w 4429675"/>
+              <a:gd name="connsiteY0" fmla="*/ 0 h 6858000"/>
+              <a:gd name="connsiteX1" fmla="*/ 4429675 w 4429675"/>
+              <a:gd name="connsiteY1" fmla="*/ 0 h 6858000"/>
+              <a:gd name="connsiteX2" fmla="*/ 4429675 w 4429675"/>
+              <a:gd name="connsiteY2" fmla="*/ 6858000 h 6858000"/>
+              <a:gd name="connsiteX3" fmla="*/ 0 w 4429675"/>
+              <a:gd name="connsiteY3" fmla="*/ 6858000 h 6858000"/>
+              <a:gd name="connsiteX4" fmla="*/ 0 w 4429675"/>
+              <a:gd name="connsiteY4" fmla="*/ 0 h 6858000"/>
+              <a:gd name="connsiteX5" fmla="*/ 2340422 w 4429675"/>
+              <a:gd name="connsiteY5" fmla="*/ 1157287 h 6858000"/>
+              <a:gd name="connsiteX6" fmla="*/ 540422 w 4429675"/>
+              <a:gd name="connsiteY6" fmla="*/ 2957287 h 6858000"/>
+              <a:gd name="connsiteX7" fmla="*/ 2340422 w 4429675"/>
+              <a:gd name="connsiteY7" fmla="*/ 4757287 h 6858000"/>
+              <a:gd name="connsiteX8" fmla="*/ 4140422 w 4429675"/>
+              <a:gd name="connsiteY8" fmla="*/ 2957287 h 6858000"/>
+              <a:gd name="connsiteX9" fmla="*/ 2340422 w 4429675"/>
+              <a:gd name="connsiteY9" fmla="*/ 1157287 h 6858000"/>
+            </a:gdLst>
+            <a:ahLst/>
+            <a:cxnLst>
+              <a:cxn ang="0">
+                <a:pos x="connsiteX0" y="connsiteY0"/>
+              </a:cxn>
+              <a:cxn ang="0">
+                <a:pos x="connsiteX1" y="connsiteY1"/>
+              </a:cxn>
+              <a:cxn ang="0">
+                <a:pos x="connsiteX2" y="connsiteY2"/>
+              </a:cxn>
+              <a:cxn ang="0">
+                <a:pos x="connsiteX3" y="connsiteY3"/>
+              </a:cxn>
+              <a:cxn ang="0">
+                <a:pos x="connsiteX4" y="connsiteY4"/>
+              </a:cxn>
+              <a:cxn ang="0">
+                <a:pos x="connsiteX5" y="connsiteY5"/>
+              </a:cxn>
+              <a:cxn ang="0">
+                <a:pos x="connsiteX6" y="connsiteY6"/>
+              </a:cxn>
+              <a:cxn ang="0">
+                <a:pos x="connsiteX7" y="connsiteY7"/>
+              </a:cxn>
+              <a:cxn ang="0">
+                <a:pos x="connsiteX8" y="connsiteY8"/>
+              </a:cxn>
+              <a:cxn ang="0">
+                <a:pos x="connsiteX9" y="connsiteY9"/>
+              </a:cxn>
+            </a:cxnLst>
+            <a:rect l="l" t="t" r="r" b="b"/>
+            <a:pathLst>
+              <a:path w="4429675" h="6858000">
+                <a:moveTo>
+                  <a:pt x="0" y="0"/>
+                </a:moveTo>
+                <a:lnTo>
+                  <a:pt x="4429675" y="0"/>
+                </a:lnTo>
+                <a:lnTo>
+                  <a:pt x="4429675" y="6858000"/>
+                </a:lnTo>
+                <a:lnTo>
+                  <a:pt x="0" y="6858000"/>
+                </a:lnTo>
+                <a:lnTo>
+                  <a:pt x="0" y="0"/>
+                </a:lnTo>
+                <a:close/>
+                <a:moveTo>
+                  <a:pt x="2340422" y="1157287"/>
+                </a:moveTo>
+                <a:cubicBezTo>
+                  <a:pt x="1346309" y="1157287"/>
+                  <a:pt x="540422" y="1963174"/>
+                  <a:pt x="540422" y="2957287"/>
+                </a:cubicBezTo>
+                <a:cubicBezTo>
+                  <a:pt x="540422" y="3951400"/>
+                  <a:pt x="1346309" y="4757287"/>
+                  <a:pt x="2340422" y="4757287"/>
+                </a:cubicBezTo>
+                <a:cubicBezTo>
+                  <a:pt x="3334535" y="4757287"/>
+                  <a:pt x="4140422" y="3951400"/>
+                  <a:pt x="4140422" y="2957287"/>
+                </a:cubicBezTo>
+                <a:cubicBezTo>
+                  <a:pt x="4140422" y="1963174"/>
+                  <a:pt x="3334535" y="1157287"/>
+                  <a:pt x="2340422" y="1157287"/>
+                </a:cubicBezTo>
+                <a:close/>
+              </a:path>
+            </a:pathLst>
+          </a:custGeom>
+          <a:solidFill>
+            <a:schemeClr val="bg1"/>
+          </a:solidFill>
+          <a:ln>
+            <a:noFill/>
+          </a:ln>
+        </p:spPr>
+        <p:style>
+          <a:lnRef idx="2">
+            <a:schemeClr val="accent1">
+              <a:shade val="50000"/>
+            </a:schemeClr>
+          </a:lnRef>
+          <a:fillRef idx="1">
+            <a:schemeClr val="accent1"/>
+          </a:fillRef>
+          <a:effectRef idx="0">
+            <a:schemeClr val="accent1"/>
+          </a:effectRef>
+          <a:fontRef idx="minor">
+            <a:schemeClr val="lt1"/>
+          </a:fontRef>
+        </p:style>
+        <p:txBody>
+          <a:bodyPr wrap="square" rtlCol="0" anchor="ctr">
+            <a:noAutofit/>
+          </a:bodyPr>
+          <a:lstStyle/>
+          <a:p>
+            <a:pPr algn="ctr"/>
+            <a:endParaRPr lang="zh-CN" altLang="en-US"/>
+          </a:p>
+        </p:txBody>
+      </p:sp>
+      <p:sp>
+        <p:nvSpPr>
+          <p:cNvPr id="24" name="空心矩形" hidden="1">
+            <a:extLst>
+              <a:ext uri="{FF2B5EF4-FFF2-40B4-BE49-F238E27FC236}">
+                <a16:creationId xmlns:a16="http://schemas.microsoft.com/office/drawing/2014/main" id="{488F35B3-7048-4CA3-8F55-526D662E617F}"/>
+              </a:ext>
+            </a:extLst>
+          </p:cNvPr>
+          <p:cNvSpPr>
+            <a:spLocks noChangeAspect="1"/>
+          </p:cNvSpPr>
+          <p:nvPr/>
+        </p:nvSpPr>
+        <p:spPr>
+          <a:xfrm>
+            <a:off x="7762325" y="472069"/>
+            <a:ext cx="4429675" cy="6858000"/>
+          </a:xfrm>
+          <a:custGeom>
+            <a:avLst/>
+            <a:gdLst>
+              <a:gd name="connsiteX0" fmla="*/ 0 w 4429675"/>
+              <a:gd name="connsiteY0" fmla="*/ 0 h 6858000"/>
+              <a:gd name="connsiteX1" fmla="*/ 4429675 w 4429675"/>
+              <a:gd name="connsiteY1" fmla="*/ 0 h 6858000"/>
+              <a:gd name="connsiteX2" fmla="*/ 4429675 w 4429675"/>
+              <a:gd name="connsiteY2" fmla="*/ 6858000 h 6858000"/>
+              <a:gd name="connsiteX3" fmla="*/ 0 w 4429675"/>
+              <a:gd name="connsiteY3" fmla="*/ 6858000 h 6858000"/>
+              <a:gd name="connsiteX4" fmla="*/ 0 w 4429675"/>
+              <a:gd name="connsiteY4" fmla="*/ 0 h 6858000"/>
+              <a:gd name="connsiteX5" fmla="*/ 2340422 w 4429675"/>
+              <a:gd name="connsiteY5" fmla="*/ 1157287 h 6858000"/>
+              <a:gd name="connsiteX6" fmla="*/ 540422 w 4429675"/>
+              <a:gd name="connsiteY6" fmla="*/ 2957287 h 6858000"/>
+              <a:gd name="connsiteX7" fmla="*/ 2340422 w 4429675"/>
+              <a:gd name="connsiteY7" fmla="*/ 4757287 h 6858000"/>
+              <a:gd name="connsiteX8" fmla="*/ 4140422 w 4429675"/>
+              <a:gd name="connsiteY8" fmla="*/ 2957287 h 6858000"/>
+              <a:gd name="connsiteX9" fmla="*/ 2340422 w 4429675"/>
+              <a:gd name="connsiteY9" fmla="*/ 1157287 h 6858000"/>
+            </a:gdLst>
+            <a:ahLst/>
+            <a:cxnLst>
+              <a:cxn ang="0">
+                <a:pos x="connsiteX0" y="connsiteY0"/>
+              </a:cxn>
+              <a:cxn ang="0">
+                <a:pos x="connsiteX1" y="connsiteY1"/>
+              </a:cxn>
+              <a:cxn ang="0">
+                <a:pos x="connsiteX2" y="connsiteY2"/>
+              </a:cxn>
+              <a:cxn ang="0">
+                <a:pos x="connsiteX3" y="connsiteY3"/>
+              </a:cxn>
+              <a:cxn ang="0">
+                <a:pos x="connsiteX4" y="connsiteY4"/>
+              </a:cxn>
+              <a:cxn ang="0">
+                <a:pos x="connsiteX5" y="connsiteY5"/>
+              </a:cxn>
+              <a:cxn ang="0">
+                <a:pos x="connsiteX6" y="connsiteY6"/>
+              </a:cxn>
+              <a:cxn ang="0">
+                <a:pos x="connsiteX7" y="connsiteY7"/>
+              </a:cxn>
+              <a:cxn ang="0">
+                <a:pos x="connsiteX8" y="connsiteY8"/>
+              </a:cxn>
+              <a:cxn ang="0">
+                <a:pos x="connsiteX9" y="connsiteY9"/>
+              </a:cxn>
+            </a:cxnLst>
+            <a:rect l="l" t="t" r="r" b="b"/>
+            <a:pathLst>
+              <a:path w="4429675" h="6858000">
+                <a:moveTo>
+                  <a:pt x="0" y="0"/>
+                </a:moveTo>
+                <a:lnTo>
+                  <a:pt x="4429675" y="0"/>
+                </a:lnTo>
+                <a:lnTo>
+                  <a:pt x="4429675" y="6858000"/>
+                </a:lnTo>
+                <a:lnTo>
+                  <a:pt x="0" y="6858000"/>
+                </a:lnTo>
+                <a:lnTo>
+                  <a:pt x="0" y="0"/>
+                </a:lnTo>
+                <a:close/>
+                <a:moveTo>
+                  <a:pt x="2340422" y="1157287"/>
+                </a:moveTo>
+                <a:cubicBezTo>
+                  <a:pt x="1346309" y="1157287"/>
+                  <a:pt x="540422" y="1963174"/>
+                  <a:pt x="540422" y="2957287"/>
+                </a:cubicBezTo>
+                <a:cubicBezTo>
+                  <a:pt x="540422" y="3951400"/>
+                  <a:pt x="1346309" y="4757287"/>
+                  <a:pt x="2340422" y="4757287"/>
+                </a:cubicBezTo>
+                <a:cubicBezTo>
+                  <a:pt x="3334535" y="4757287"/>
+                  <a:pt x="4140422" y="3951400"/>
+                  <a:pt x="4140422" y="2957287"/>
+                </a:cubicBezTo>
+                <a:cubicBezTo>
+                  <a:pt x="4140422" y="1963174"/>
+                  <a:pt x="3334535" y="1157287"/>
+                  <a:pt x="2340422" y="1157287"/>
+                </a:cubicBezTo>
+                <a:close/>
+              </a:path>
+            </a:pathLst>
+          </a:custGeom>
+          <a:solidFill>
+            <a:schemeClr val="accent1">
+              <a:lumMod val="20000"/>
+              <a:lumOff val="80000"/>
+              <a:alpha val="50000"/>
+            </a:schemeClr>
+          </a:solidFill>
+          <a:ln>
+            <a:noFill/>
+          </a:ln>
+        </p:spPr>
+        <p:style>
+          <a:lnRef idx="2">
+            <a:schemeClr val="accent1">
+              <a:shade val="50000"/>
+            </a:schemeClr>
+          </a:lnRef>
+          <a:fillRef idx="1">
+            <a:schemeClr val="accent1"/>
+          </a:fillRef>
+          <a:effectRef idx="0">
+            <a:schemeClr val="accent1"/>
+          </a:effectRef>
+          <a:fontRef idx="minor">
+            <a:schemeClr val="lt1"/>
+          </a:fontRef>
+        </p:style>
+        <p:txBody>
+          <a:bodyPr wrap="square" rtlCol="0" anchor="ctr">
+            <a:noAutofit/>
+          </a:bodyPr>
+          <a:lstStyle/>
+          <a:p>
+            <a:pPr algn="ctr"/>
+            <a:endParaRPr lang="zh-CN" altLang="en-US"/>
+          </a:p>
+        </p:txBody>
+      </p:sp>
+    </p:spTree>
+    <p:extLst>
+      <p:ext uri="{BB962C8B-B14F-4D97-AF65-F5344CB8AC3E}">
+        <p14:creationId xmlns:p14="http://schemas.microsoft.com/office/powerpoint/2010/main" val="789935508"/>
+      </p:ext>
+    </p:extLst>
+  </p:cSld>
+  <p:clrMapOvr>
+    <a:masterClrMapping/>
+  </p:clrMapOvr>
+</p:sld>
+</file>
+
+<file path=ppt/slides/slide6.xml><?xml version="1.0" encoding="utf-8"?>
+<p:sld xmlns:a="http://schemas.openxmlformats.org/drawingml/2006/main" xmlns:r="http://schemas.openxmlformats.org/officeDocument/2006/relationships" xmlns:p="http://schemas.openxmlformats.org/presentationml/2006/main" showMasterSp="0">
+  <p:cSld>
+    <p:spTree>
+      <p:nvGrpSpPr>
+        <p:cNvPr id="1" name=""/>
+        <p:cNvGrpSpPr/>
+        <p:nvPr/>
+      </p:nvGrpSpPr>
+      <p:grpSpPr>
+        <a:xfrm>
+          <a:off x="0" y="0"/>
+          <a:ext cx="0" cy="0"/>
+          <a:chOff x="0" y="0"/>
+          <a:chExt cx="0" cy="0"/>
+        </a:xfrm>
+      </p:grpSpPr>
+      <p:pic>
+        <p:nvPicPr>
+          <p:cNvPr id="2" name="图片 1" hidden="1">
+            <a:extLst>
+              <a:ext uri="{FF2B5EF4-FFF2-40B4-BE49-F238E27FC236}">
+                <a16:creationId xmlns:a16="http://schemas.microsoft.com/office/drawing/2014/main" id="{B73A709A-4CE8-470E-948F-485598E3EB8F}"/>
+              </a:ext>
+            </a:extLst>
+          </p:cNvPr>
+          <p:cNvPicPr>
+            <a:picLocks noChangeAspect="1"/>
+          </p:cNvPicPr>
+          <p:nvPr/>
+        </p:nvPicPr>
+        <p:blipFill>
+          <a:blip r:embed="rId2"/>
+          <a:stretch>
+            <a:fillRect/>
+          </a:stretch>
+        </p:blipFill>
+        <p:spPr>
+          <a:xfrm>
+            <a:off x="6534961" y="5191125"/>
+            <a:ext cx="4591050" cy="1666875"/>
+          </a:xfrm>
+          <a:prstGeom prst="rect">
+            <a:avLst/>
+          </a:prstGeom>
+        </p:spPr>
+      </p:pic>
+      <p:sp>
+        <p:nvSpPr>
+          <p:cNvPr id="4" name="矩形 3" hidden="1">
+            <a:extLst>
+              <a:ext uri="{FF2B5EF4-FFF2-40B4-BE49-F238E27FC236}">
+                <a16:creationId xmlns:a16="http://schemas.microsoft.com/office/drawing/2014/main" id="{F4C2391A-02E5-460E-B787-BD7FE6684228}"/>
+              </a:ext>
+            </a:extLst>
+          </p:cNvPr>
+          <p:cNvSpPr/>
+          <p:nvPr/>
+        </p:nvSpPr>
+        <p:spPr>
+          <a:xfrm>
+            <a:off x="11123363" y="5191125"/>
+            <a:ext cx="1068637" cy="1665288"/>
+          </a:xfrm>
+          <a:prstGeom prst="rect">
+            <a:avLst/>
+          </a:prstGeom>
+          <a:solidFill>
+            <a:srgbClr val="000000"/>
+          </a:solidFill>
+          <a:ln>
+            <a:noFill/>
+          </a:ln>
+        </p:spPr>
+        <p:style>
+          <a:lnRef idx="2">
+            <a:schemeClr val="accent1">
+              <a:shade val="50000"/>
+            </a:schemeClr>
+          </a:lnRef>
+          <a:fillRef idx="1">
+            <a:schemeClr val="accent1"/>
+          </a:fillRef>
+          <a:effectRef idx="0">
+            <a:schemeClr val="accent1"/>
+          </a:effectRef>
+          <a:fontRef idx="minor">
+            <a:schemeClr val="lt1"/>
+          </a:fontRef>
+        </p:style>
+        <p:txBody>
+          <a:bodyPr rtlCol="0" anchor="ctr"/>
+          <a:lstStyle/>
+          <a:p>
+            <a:pPr algn="ctr"/>
+            <a:endParaRPr lang="zh-CN" altLang="en-US"/>
+          </a:p>
+        </p:txBody>
+      </p:sp>
+      <p:pic>
+        <p:nvPicPr>
+          <p:cNvPr id="9" name="图片 8" hidden="1">
+            <a:extLst>
+              <a:ext uri="{FF2B5EF4-FFF2-40B4-BE49-F238E27FC236}">
+                <a16:creationId xmlns:a16="http://schemas.microsoft.com/office/drawing/2014/main" id="{2F446BE4-FD27-4945-B53B-E7EC3A19EDA6}"/>
+              </a:ext>
+            </a:extLst>
+          </p:cNvPr>
+          <p:cNvPicPr>
+            <a:picLocks noChangeAspect="1" noChangeArrowheads="1"/>
+          </p:cNvPicPr>
+          <p:nvPr/>
+        </p:nvPicPr>
+        <p:blipFill>
+          <a:blip r:embed="rId3">
+            <a:extLst>
+              <a:ext uri="{28A0092B-C50C-407E-A947-70E740481C1C}">
+                <a14:useLocalDpi xmlns:a14="http://schemas.microsoft.com/office/drawing/2010/main" val="0"/>
+              </a:ext>
+            </a:extLst>
+          </a:blip>
+          <a:srcRect l="13402" t="8144" r="13121" b="7883"/>
+          <a:stretch>
+            <a:fillRect/>
+          </a:stretch>
+        </p:blipFill>
+        <p:spPr bwMode="auto">
+          <a:xfrm>
+            <a:off x="9848648" y="5465385"/>
+            <a:ext cx="1155512" cy="1155512"/>
+          </a:xfrm>
+          <a:custGeom>
+            <a:avLst/>
+            <a:gdLst>
+              <a:gd name="connsiteX0" fmla="*/ 577756 w 1155512"/>
+              <a:gd name="connsiteY0" fmla="*/ 0 h 1155512"/>
+              <a:gd name="connsiteX1" fmla="*/ 1155512 w 1155512"/>
+              <a:gd name="connsiteY1" fmla="*/ 577756 h 1155512"/>
+              <a:gd name="connsiteX2" fmla="*/ 577756 w 1155512"/>
+              <a:gd name="connsiteY2" fmla="*/ 1155512 h 1155512"/>
+              <a:gd name="connsiteX3" fmla="*/ 0 w 1155512"/>
+              <a:gd name="connsiteY3" fmla="*/ 577756 h 1155512"/>
+              <a:gd name="connsiteX4" fmla="*/ 577756 w 1155512"/>
+              <a:gd name="connsiteY4" fmla="*/ 0 h 1155512"/>
+            </a:gdLst>
+            <a:ahLst/>
+            <a:cxnLst>
+              <a:cxn ang="0">
+                <a:pos x="connsiteX0" y="connsiteY0"/>
+              </a:cxn>
+              <a:cxn ang="0">
+                <a:pos x="connsiteX1" y="connsiteY1"/>
+              </a:cxn>
+              <a:cxn ang="0">
+                <a:pos x="connsiteX2" y="connsiteY2"/>
+              </a:cxn>
+              <a:cxn ang="0">
+                <a:pos x="connsiteX3" y="connsiteY3"/>
+              </a:cxn>
+              <a:cxn ang="0">
+                <a:pos x="connsiteX4" y="connsiteY4"/>
+              </a:cxn>
+            </a:cxnLst>
+            <a:rect l="l" t="t" r="r" b="b"/>
+            <a:pathLst>
+              <a:path w="1155512" h="1155512">
+                <a:moveTo>
+                  <a:pt x="577756" y="0"/>
+                </a:moveTo>
+                <a:cubicBezTo>
+                  <a:pt x="896842" y="0"/>
+                  <a:pt x="1155512" y="258670"/>
+                  <a:pt x="1155512" y="577756"/>
+                </a:cubicBezTo>
+                <a:cubicBezTo>
+                  <a:pt x="1155512" y="896842"/>
+                  <a:pt x="896842" y="1155512"/>
+                  <a:pt x="577756" y="1155512"/>
+                </a:cubicBezTo>
+                <a:cubicBezTo>
+                  <a:pt x="258670" y="1155512"/>
+                  <a:pt x="0" y="896842"/>
+                  <a:pt x="0" y="577756"/>
+                </a:cubicBezTo>
+                <a:cubicBezTo>
+                  <a:pt x="0" y="258670"/>
+                  <a:pt x="258670" y="0"/>
+                  <a:pt x="577756" y="0"/>
+                </a:cubicBezTo>
+                <a:close/>
+              </a:path>
+            </a:pathLst>
+          </a:custGeom>
+          <a:noFill/>
+          <a:effectLst/>
+          <a:extLst>
+            <a:ext uri="{909E8E84-426E-40DD-AFC4-6F175D3DCCD1}">
+              <a14:hiddenFill xmlns:a14="http://schemas.microsoft.com/office/drawing/2010/main">
+                <a:solidFill>
+                  <a:srgbClr val="FFFFFF"/>
+                </a:solidFill>
+              </a14:hiddenFill>
+            </a:ext>
+          </a:extLst>
+        </p:spPr>
+      </p:pic>
+      <p:grpSp>
+        <p:nvGrpSpPr>
+          <p:cNvPr id="5" name="组合 4">
+            <a:extLst>
+              <a:ext uri="{FF2B5EF4-FFF2-40B4-BE49-F238E27FC236}">
+                <a16:creationId xmlns:a16="http://schemas.microsoft.com/office/drawing/2014/main" id="{483C424A-667A-42C4-9F8A-53FB59A1695B}"/>
+              </a:ext>
+            </a:extLst>
+          </p:cNvPr>
+          <p:cNvGrpSpPr/>
+          <p:nvPr/>
+        </p:nvGrpSpPr>
+        <p:grpSpPr>
+          <a:xfrm>
+            <a:off x="4296000" y="1628822"/>
+            <a:ext cx="3600000" cy="3600356"/>
+            <a:chOff x="4296000" y="1629000"/>
+            <a:chExt cx="3600000" cy="3600356"/>
+          </a:xfrm>
+        </p:grpSpPr>
+        <p:sp>
+          <p:nvSpPr>
+            <p:cNvPr id="8" name="正圆主体">
+              <a:extLst>
+                <a:ext uri="{FF2B5EF4-FFF2-40B4-BE49-F238E27FC236}">
+                  <a16:creationId xmlns:a16="http://schemas.microsoft.com/office/drawing/2014/main" id="{65010B5B-9202-4C74-AD03-8AF452700F5A}"/>
+                </a:ext>
+              </a:extLst>
+            </p:cNvPr>
+            <p:cNvSpPr>
+              <a:spLocks noChangeAspect="1"/>
+            </p:cNvSpPr>
+            <p:nvPr/>
+          </p:nvSpPr>
+          <p:spPr>
+            <a:xfrm>
+              <a:off x="4296000" y="1629000"/>
+              <a:ext cx="3600000" cy="3600000"/>
+            </a:xfrm>
+            <a:prstGeom prst="ellipse">
+              <a:avLst/>
+            </a:prstGeom>
+            <a:solidFill>
+              <a:srgbClr val="00B050"/>
+            </a:solidFill>
+            <a:ln>
+              <a:noFill/>
+            </a:ln>
+          </p:spPr>
+          <p:style>
+            <a:lnRef idx="2">
+              <a:schemeClr val="accent1">
+                <a:shade val="50000"/>
+              </a:schemeClr>
+            </a:lnRef>
+            <a:fillRef idx="1">
+              <a:schemeClr val="accent1"/>
+            </a:fillRef>
+            <a:effectRef idx="0">
+              <a:schemeClr val="accent1"/>
+            </a:effectRef>
+            <a:fontRef idx="minor">
+              <a:schemeClr val="lt1"/>
+            </a:fontRef>
+          </p:style>
+          <p:txBody>
+            <a:bodyPr rtlCol="0" anchor="ctr"/>
+            <a:lstStyle/>
+            <a:p>
+              <a:pPr algn="ctr"/>
+              <a:endParaRPr lang="zh-CN" altLang="en-US"/>
+            </a:p>
+          </p:txBody>
+        </p:sp>
+        <p:sp>
+          <p:nvSpPr>
+            <p:cNvPr id="25" name="任意多边形: 形状 24">
+              <a:extLst>
+                <a:ext uri="{FF2B5EF4-FFF2-40B4-BE49-F238E27FC236}">
+                  <a16:creationId xmlns:a16="http://schemas.microsoft.com/office/drawing/2014/main" id="{8F9DA8AA-B2BE-48F3-A817-AC6B6D4C0DA2}"/>
+                </a:ext>
+              </a:extLst>
+            </p:cNvPr>
+            <p:cNvSpPr>
+              <a:spLocks noChangeAspect="1"/>
+            </p:cNvSpPr>
+            <p:nvPr/>
+          </p:nvSpPr>
+          <p:spPr>
+            <a:xfrm>
+              <a:off x="4842333" y="3523141"/>
+              <a:ext cx="2507334" cy="1134584"/>
+            </a:xfrm>
+            <a:custGeom>
+              <a:avLst/>
+              <a:gdLst>
+                <a:gd name="connsiteX0" fmla="*/ 1253667 w 2507334"/>
+                <a:gd name="connsiteY0" fmla="*/ 0 h 1134584"/>
+                <a:gd name="connsiteX1" fmla="*/ 2507162 w 2507334"/>
+                <a:gd name="connsiteY1" fmla="*/ 1131173 h 1134584"/>
+                <a:gd name="connsiteX2" fmla="*/ 2507334 w 2507334"/>
+                <a:gd name="connsiteY2" fmla="*/ 1134584 h 1134584"/>
+                <a:gd name="connsiteX3" fmla="*/ 0 w 2507334"/>
+                <a:gd name="connsiteY3" fmla="*/ 1134584 h 1134584"/>
+                <a:gd name="connsiteX4" fmla="*/ 173 w 2507334"/>
+                <a:gd name="connsiteY4" fmla="*/ 1131173 h 1134584"/>
+                <a:gd name="connsiteX5" fmla="*/ 1253667 w 2507334"/>
+                <a:gd name="connsiteY5" fmla="*/ 0 h 1134584"/>
+              </a:gdLst>
+              <a:ahLst/>
+              <a:cxnLst>
+                <a:cxn ang="0">
+                  <a:pos x="connsiteX0" y="connsiteY0"/>
+                </a:cxn>
+                <a:cxn ang="0">
+                  <a:pos x="connsiteX1" y="connsiteY1"/>
+                </a:cxn>
+                <a:cxn ang="0">
+                  <a:pos x="connsiteX2" y="connsiteY2"/>
+                </a:cxn>
+                <a:cxn ang="0">
+                  <a:pos x="connsiteX3" y="connsiteY3"/>
+                </a:cxn>
+                <a:cxn ang="0">
+                  <a:pos x="connsiteX4" y="connsiteY4"/>
+                </a:cxn>
+                <a:cxn ang="0">
+                  <a:pos x="connsiteX5" y="connsiteY5"/>
+                </a:cxn>
+              </a:cxnLst>
+              <a:rect l="l" t="t" r="r" b="b"/>
+              <a:pathLst>
+                <a:path w="2507334" h="1134584">
+                  <a:moveTo>
+                    <a:pt x="1253667" y="0"/>
+                  </a:moveTo>
+                  <a:cubicBezTo>
+                    <a:pt x="1906054" y="0"/>
+                    <a:pt x="2442637" y="495810"/>
+                    <a:pt x="2507162" y="1131173"/>
+                  </a:cubicBezTo>
+                  <a:lnTo>
+                    <a:pt x="2507334" y="1134584"/>
+                  </a:lnTo>
+                  <a:lnTo>
+                    <a:pt x="0" y="1134584"/>
+                  </a:lnTo>
+                  <a:lnTo>
+                    <a:pt x="173" y="1131173"/>
+                  </a:lnTo>
+                  <a:cubicBezTo>
+                    <a:pt x="64697" y="495810"/>
+                    <a:pt x="601281" y="0"/>
+                    <a:pt x="1253667" y="0"/>
+                  </a:cubicBezTo>
+                  <a:close/>
+                </a:path>
+              </a:pathLst>
+            </a:custGeom>
+            <a:solidFill>
+              <a:schemeClr val="bg1"/>
+            </a:solidFill>
+            <a:ln>
+              <a:noFill/>
+            </a:ln>
+          </p:spPr>
+          <p:style>
+            <a:lnRef idx="2">
+              <a:schemeClr val="accent1">
+                <a:shade val="50000"/>
+              </a:schemeClr>
+            </a:lnRef>
+            <a:fillRef idx="1">
+              <a:schemeClr val="accent1"/>
+            </a:fillRef>
+            <a:effectRef idx="0">
+              <a:schemeClr val="accent1"/>
+            </a:effectRef>
+            <a:fontRef idx="minor">
+              <a:schemeClr val="lt1"/>
+            </a:fontRef>
+          </p:style>
+          <p:txBody>
+            <a:bodyPr wrap="square" rtlCol="0" anchor="ctr">
+              <a:noAutofit/>
+            </a:bodyPr>
+            <a:lstStyle/>
+            <a:p>
+              <a:pPr algn="ctr"/>
+              <a:endParaRPr lang="zh-CN" altLang="en-US"/>
+            </a:p>
+          </p:txBody>
+        </p:sp>
+        <p:sp>
+          <p:nvSpPr>
+            <p:cNvPr id="34" name="任意多边形: 形状 33">
+              <a:extLst>
+                <a:ext uri="{FF2B5EF4-FFF2-40B4-BE49-F238E27FC236}">
+                  <a16:creationId xmlns:a16="http://schemas.microsoft.com/office/drawing/2014/main" id="{2D76BCF6-4593-4705-957F-40AD63CC3047}"/>
+                </a:ext>
+              </a:extLst>
+            </p:cNvPr>
+            <p:cNvSpPr>
+              <a:spLocks noChangeAspect="1"/>
+            </p:cNvSpPr>
+            <p:nvPr/>
+          </p:nvSpPr>
+          <p:spPr>
+            <a:xfrm>
+              <a:off x="5196000" y="3911832"/>
+              <a:ext cx="1800000" cy="1317524"/>
+            </a:xfrm>
+            <a:custGeom>
+              <a:avLst/>
+              <a:gdLst>
+                <a:gd name="connsiteX0" fmla="*/ 900000 w 1800000"/>
+                <a:gd name="connsiteY0" fmla="*/ 0 h 1317524"/>
+                <a:gd name="connsiteX1" fmla="*/ 1800000 w 1800000"/>
+                <a:gd name="connsiteY1" fmla="*/ 900000 h 1317524"/>
+                <a:gd name="connsiteX2" fmla="*/ 1781715 w 1800000"/>
+                <a:gd name="connsiteY2" fmla="*/ 1081381 h 1317524"/>
+                <a:gd name="connsiteX3" fmla="*/ 1779250 w 1800000"/>
+                <a:gd name="connsiteY3" fmla="*/ 1090969 h 1317524"/>
+                <a:gd name="connsiteX4" fmla="*/ 1763934 w 1800000"/>
+                <a:gd name="connsiteY4" fmla="*/ 1100274 h 1317524"/>
+                <a:gd name="connsiteX5" fmla="*/ 905947 w 1800000"/>
+                <a:gd name="connsiteY5" fmla="*/ 1317524 h 1317524"/>
+                <a:gd name="connsiteX6" fmla="*/ 47960 w 1800000"/>
+                <a:gd name="connsiteY6" fmla="*/ 1100274 h 1317524"/>
+                <a:gd name="connsiteX7" fmla="*/ 18549 w 1800000"/>
+                <a:gd name="connsiteY7" fmla="*/ 1082406 h 1317524"/>
+                <a:gd name="connsiteX8" fmla="*/ 18285 w 1800000"/>
+                <a:gd name="connsiteY8" fmla="*/ 1081381 h 1317524"/>
+                <a:gd name="connsiteX9" fmla="*/ 0 w 1800000"/>
+                <a:gd name="connsiteY9" fmla="*/ 900000 h 1317524"/>
+                <a:gd name="connsiteX10" fmla="*/ 900000 w 1800000"/>
+                <a:gd name="connsiteY10" fmla="*/ 0 h 1317524"/>
+              </a:gdLst>
+              <a:ahLst/>
+              <a:cxnLst>
+                <a:cxn ang="0">
+                  <a:pos x="connsiteX0" y="connsiteY0"/>
+                </a:cxn>
+                <a:cxn ang="0">
+                  <a:pos x="connsiteX1" y="connsiteY1"/>
+                </a:cxn>
+                <a:cxn ang="0">
+                  <a:pos x="connsiteX2" y="connsiteY2"/>
+                </a:cxn>
+                <a:cxn ang="0">
+                  <a:pos x="connsiteX3" y="connsiteY3"/>
+                </a:cxn>
+                <a:cxn ang="0">
+                  <a:pos x="connsiteX4" y="connsiteY4"/>
+                </a:cxn>
+                <a:cxn ang="0">
+                  <a:pos x="connsiteX5" y="connsiteY5"/>
+                </a:cxn>
+                <a:cxn ang="0">
+                  <a:pos x="connsiteX6" y="connsiteY6"/>
+                </a:cxn>
+                <a:cxn ang="0">
+                  <a:pos x="connsiteX7" y="connsiteY7"/>
+                </a:cxn>
+                <a:cxn ang="0">
+                  <a:pos x="connsiteX8" y="connsiteY8"/>
+                </a:cxn>
+                <a:cxn ang="0">
+                  <a:pos x="connsiteX9" y="connsiteY9"/>
+                </a:cxn>
+                <a:cxn ang="0">
+                  <a:pos x="connsiteX10" y="connsiteY10"/>
+                </a:cxn>
+              </a:cxnLst>
+              <a:rect l="l" t="t" r="r" b="b"/>
+              <a:pathLst>
+                <a:path w="1800000" h="1317524">
+                  <a:moveTo>
+                    <a:pt x="900000" y="0"/>
+                  </a:moveTo>
+                  <a:cubicBezTo>
+                    <a:pt x="1397056" y="0"/>
+                    <a:pt x="1800000" y="402944"/>
+                    <a:pt x="1800000" y="900000"/>
+                  </a:cubicBezTo>
+                  <a:cubicBezTo>
+                    <a:pt x="1800000" y="962132"/>
+                    <a:pt x="1793704" y="1022794"/>
+                    <a:pt x="1781715" y="1081381"/>
+                  </a:cubicBezTo>
+                  <a:lnTo>
+                    <a:pt x="1779250" y="1090969"/>
+                  </a:lnTo>
+                  <a:lnTo>
+                    <a:pt x="1763934" y="1100274"/>
+                  </a:lnTo>
+                  <a:cubicBezTo>
+                    <a:pt x="1508886" y="1238824"/>
+                    <a:pt x="1216608" y="1317524"/>
+                    <a:pt x="905947" y="1317524"/>
+                  </a:cubicBezTo>
+                  <a:cubicBezTo>
+                    <a:pt x="595287" y="1317524"/>
+                    <a:pt x="303008" y="1238824"/>
+                    <a:pt x="47960" y="1100274"/>
+                  </a:cubicBezTo>
+                  <a:lnTo>
+                    <a:pt x="18549" y="1082406"/>
+                  </a:lnTo>
+                  <a:lnTo>
+                    <a:pt x="18285" y="1081381"/>
+                  </a:lnTo>
+                  <a:cubicBezTo>
+                    <a:pt x="6296" y="1022794"/>
+                    <a:pt x="0" y="962132"/>
+                    <a:pt x="0" y="900000"/>
+                  </a:cubicBezTo>
+                  <a:cubicBezTo>
+                    <a:pt x="0" y="402944"/>
+                    <a:pt x="402944" y="0"/>
+                    <a:pt x="900000" y="0"/>
+                  </a:cubicBezTo>
+                  <a:close/>
+                </a:path>
+              </a:pathLst>
+            </a:custGeom>
+            <a:solidFill>
+              <a:srgbClr val="00B050"/>
+            </a:solidFill>
+            <a:ln>
+              <a:noFill/>
+            </a:ln>
+          </p:spPr>
+          <p:style>
+            <a:lnRef idx="2">
+              <a:schemeClr val="accent1">
+                <a:shade val="50000"/>
+              </a:schemeClr>
+            </a:lnRef>
+            <a:fillRef idx="1">
+              <a:schemeClr val="accent1"/>
+            </a:fillRef>
+            <a:effectRef idx="0">
+              <a:schemeClr val="accent1"/>
+            </a:effectRef>
+            <a:fontRef idx="minor">
+              <a:schemeClr val="lt1"/>
+            </a:fontRef>
+          </p:style>
+          <p:txBody>
+            <a:bodyPr wrap="square" rtlCol="0" anchor="ctr">
+              <a:noAutofit/>
+            </a:bodyPr>
+            <a:lstStyle/>
+            <a:p>
+              <a:pPr algn="ctr"/>
+              <a:endParaRPr lang="zh-CN" altLang="en-US"/>
+            </a:p>
+          </p:txBody>
+        </p:sp>
+        <p:sp>
+          <p:nvSpPr>
+            <p:cNvPr id="20" name="任意多边形: 形状 19">
+              <a:extLst>
+                <a:ext uri="{FF2B5EF4-FFF2-40B4-BE49-F238E27FC236}">
+                  <a16:creationId xmlns:a16="http://schemas.microsoft.com/office/drawing/2014/main" id="{713731ED-1895-4BA2-9182-518519705B5C}"/>
+                </a:ext>
+              </a:extLst>
+            </p:cNvPr>
+            <p:cNvSpPr>
+              <a:spLocks noChangeAspect="1"/>
+            </p:cNvSpPr>
+            <p:nvPr/>
+          </p:nvSpPr>
+          <p:spPr>
+            <a:xfrm>
+              <a:off x="4849870" y="2251943"/>
+              <a:ext cx="2492260" cy="1082916"/>
+            </a:xfrm>
+            <a:custGeom>
+              <a:avLst/>
+              <a:gdLst>
+                <a:gd name="connsiteX0" fmla="*/ 0 w 2492260"/>
+                <a:gd name="connsiteY0" fmla="*/ 0 h 1082916"/>
+                <a:gd name="connsiteX1" fmla="*/ 2492260 w 2492260"/>
+                <a:gd name="connsiteY1" fmla="*/ 0 h 1082916"/>
+                <a:gd name="connsiteX2" fmla="*/ 2480532 w 2492260"/>
+                <a:gd name="connsiteY2" fmla="*/ 76850 h 1082916"/>
+                <a:gd name="connsiteX3" fmla="*/ 1246130 w 2492260"/>
+                <a:gd name="connsiteY3" fmla="*/ 1082916 h 1082916"/>
+                <a:gd name="connsiteX4" fmla="*/ 11729 w 2492260"/>
+                <a:gd name="connsiteY4" fmla="*/ 76850 h 1082916"/>
+              </a:gdLst>
+              <a:ahLst/>
+              <a:cxnLst>
+                <a:cxn ang="0">
+                  <a:pos x="connsiteX0" y="connsiteY0"/>
+                </a:cxn>
+                <a:cxn ang="0">
+                  <a:pos x="connsiteX1" y="connsiteY1"/>
+                </a:cxn>
+                <a:cxn ang="0">
+                  <a:pos x="connsiteX2" y="connsiteY2"/>
+                </a:cxn>
+                <a:cxn ang="0">
+                  <a:pos x="connsiteX3" y="connsiteY3"/>
+                </a:cxn>
+                <a:cxn ang="0">
+                  <a:pos x="connsiteX4" y="connsiteY4"/>
+                </a:cxn>
+              </a:cxnLst>
+              <a:rect l="l" t="t" r="r" b="b"/>
+              <a:pathLst>
+                <a:path w="2492260" h="1082916">
+                  <a:moveTo>
+                    <a:pt x="0" y="0"/>
+                  </a:moveTo>
+                  <a:lnTo>
+                    <a:pt x="2492260" y="0"/>
+                  </a:lnTo>
+                  <a:lnTo>
+                    <a:pt x="2480532" y="76850"/>
+                  </a:lnTo>
+                  <a:cubicBezTo>
+                    <a:pt x="2363041" y="651011"/>
+                    <a:pt x="1855024" y="1082916"/>
+                    <a:pt x="1246130" y="1082916"/>
+                  </a:cubicBezTo>
+                  <a:cubicBezTo>
+                    <a:pt x="637236" y="1082916"/>
+                    <a:pt x="129219" y="651011"/>
+                    <a:pt x="11729" y="76850"/>
+                  </a:cubicBezTo>
+                  <a:close/>
+                </a:path>
+              </a:pathLst>
+            </a:custGeom>
+            <a:solidFill>
+              <a:schemeClr val="bg1"/>
+            </a:solidFill>
+            <a:ln>
+              <a:noFill/>
+            </a:ln>
+          </p:spPr>
+          <p:style>
+            <a:lnRef idx="2">
+              <a:schemeClr val="accent1">
+                <a:shade val="50000"/>
+              </a:schemeClr>
+            </a:lnRef>
+            <a:fillRef idx="1">
+              <a:schemeClr val="accent1"/>
+            </a:fillRef>
+            <a:effectRef idx="0">
+              <a:schemeClr val="accent1"/>
+            </a:effectRef>
+            <a:fontRef idx="minor">
+              <a:schemeClr val="lt1"/>
+            </a:fontRef>
+          </p:style>
+          <p:txBody>
+            <a:bodyPr wrap="square" rtlCol="0" anchor="ctr">
+              <a:noAutofit/>
+            </a:bodyPr>
+            <a:lstStyle/>
+            <a:p>
+              <a:pPr algn="ctr"/>
+              <a:endParaRPr lang="zh-CN" altLang="en-US"/>
+            </a:p>
+          </p:txBody>
+        </p:sp>
+        <p:sp>
+          <p:nvSpPr>
+            <p:cNvPr id="32" name="任意多边形: 形状 31">
+              <a:extLst>
+                <a:ext uri="{FF2B5EF4-FFF2-40B4-BE49-F238E27FC236}">
+                  <a16:creationId xmlns:a16="http://schemas.microsoft.com/office/drawing/2014/main" id="{25C3BC3E-321D-47C2-9096-DAA0E91C3BC1}"/>
+                </a:ext>
+              </a:extLst>
+            </p:cNvPr>
+            <p:cNvSpPr>
+              <a:spLocks noChangeAspect="1"/>
+            </p:cNvSpPr>
+            <p:nvPr/>
+          </p:nvSpPr>
+          <p:spPr>
+            <a:xfrm>
+              <a:off x="5196000" y="1629357"/>
+              <a:ext cx="1800000" cy="1368479"/>
+            </a:xfrm>
+            <a:custGeom>
+              <a:avLst/>
+              <a:gdLst>
+                <a:gd name="connsiteX0" fmla="*/ 897481 w 1800000"/>
+                <a:gd name="connsiteY0" fmla="*/ 0 h 1368479"/>
+                <a:gd name="connsiteX1" fmla="*/ 1755468 w 1800000"/>
+                <a:gd name="connsiteY1" fmla="*/ 217250 h 1368479"/>
+                <a:gd name="connsiteX2" fmla="*/ 1765290 w 1800000"/>
+                <a:gd name="connsiteY2" fmla="*/ 223217 h 1368479"/>
+                <a:gd name="connsiteX3" fmla="*/ 1781715 w 1800000"/>
+                <a:gd name="connsiteY3" fmla="*/ 287098 h 1368479"/>
+                <a:gd name="connsiteX4" fmla="*/ 1800000 w 1800000"/>
+                <a:gd name="connsiteY4" fmla="*/ 468479 h 1368479"/>
+                <a:gd name="connsiteX5" fmla="*/ 900000 w 1800000"/>
+                <a:gd name="connsiteY5" fmla="*/ 1368479 h 1368479"/>
+                <a:gd name="connsiteX6" fmla="*/ 0 w 1800000"/>
+                <a:gd name="connsiteY6" fmla="*/ 468479 h 1368479"/>
+                <a:gd name="connsiteX7" fmla="*/ 18285 w 1800000"/>
+                <a:gd name="connsiteY7" fmla="*/ 287098 h 1368479"/>
+                <a:gd name="connsiteX8" fmla="*/ 35643 w 1800000"/>
+                <a:gd name="connsiteY8" fmla="*/ 219590 h 1368479"/>
+                <a:gd name="connsiteX9" fmla="*/ 39494 w 1800000"/>
+                <a:gd name="connsiteY9" fmla="*/ 217250 h 1368479"/>
+                <a:gd name="connsiteX10" fmla="*/ 897481 w 1800000"/>
+                <a:gd name="connsiteY10" fmla="*/ 0 h 1368479"/>
+              </a:gdLst>
+              <a:ahLst/>
+              <a:cxnLst>
+                <a:cxn ang="0">
+                  <a:pos x="connsiteX0" y="connsiteY0"/>
+                </a:cxn>
+                <a:cxn ang="0">
+                  <a:pos x="connsiteX1" y="connsiteY1"/>
+                </a:cxn>
+                <a:cxn ang="0">
+                  <a:pos x="connsiteX2" y="connsiteY2"/>
+                </a:cxn>
+                <a:cxn ang="0">
+                  <a:pos x="connsiteX3" y="connsiteY3"/>
+                </a:cxn>
+                <a:cxn ang="0">
+                  <a:pos x="connsiteX4" y="connsiteY4"/>
+                </a:cxn>
+                <a:cxn ang="0">
+                  <a:pos x="connsiteX5" y="connsiteY5"/>
+                </a:cxn>
+                <a:cxn ang="0">
+                  <a:pos x="connsiteX6" y="connsiteY6"/>
+                </a:cxn>
+                <a:cxn ang="0">
+                  <a:pos x="connsiteX7" y="connsiteY7"/>
+                </a:cxn>
+                <a:cxn ang="0">
+                  <a:pos x="connsiteX8" y="connsiteY8"/>
+                </a:cxn>
+                <a:cxn ang="0">
+                  <a:pos x="connsiteX9" y="connsiteY9"/>
+                </a:cxn>
+                <a:cxn ang="0">
+                  <a:pos x="connsiteX10" y="connsiteY10"/>
+                </a:cxn>
+              </a:cxnLst>
+              <a:rect l="l" t="t" r="r" b="b"/>
+              <a:pathLst>
+                <a:path w="1800000" h="1368479">
+                  <a:moveTo>
+                    <a:pt x="897481" y="0"/>
+                  </a:moveTo>
+                  <a:cubicBezTo>
+                    <a:pt x="1208142" y="0"/>
+                    <a:pt x="1500420" y="78700"/>
+                    <a:pt x="1755468" y="217250"/>
+                  </a:cubicBezTo>
+                  <a:lnTo>
+                    <a:pt x="1765290" y="223217"/>
+                  </a:lnTo>
+                  <a:lnTo>
+                    <a:pt x="1781715" y="287098"/>
+                  </a:lnTo>
+                  <a:cubicBezTo>
+                    <a:pt x="1793704" y="345686"/>
+                    <a:pt x="1800000" y="406347"/>
+                    <a:pt x="1800000" y="468479"/>
+                  </a:cubicBezTo>
+                  <a:cubicBezTo>
+                    <a:pt x="1800000" y="965535"/>
+                    <a:pt x="1397056" y="1368479"/>
+                    <a:pt x="900000" y="1368479"/>
+                  </a:cubicBezTo>
+                  <a:cubicBezTo>
+                    <a:pt x="402944" y="1368479"/>
+                    <a:pt x="0" y="965535"/>
+                    <a:pt x="0" y="468479"/>
+                  </a:cubicBezTo>
+                  <a:cubicBezTo>
+                    <a:pt x="0" y="406347"/>
+                    <a:pt x="6296" y="345686"/>
+                    <a:pt x="18285" y="287098"/>
+                  </a:cubicBezTo>
+                  <a:lnTo>
+                    <a:pt x="35643" y="219590"/>
+                  </a:lnTo>
+                  <a:lnTo>
+                    <a:pt x="39494" y="217250"/>
+                  </a:lnTo>
+                  <a:cubicBezTo>
+                    <a:pt x="294542" y="78700"/>
+                    <a:pt x="586821" y="0"/>
+                    <a:pt x="897481" y="0"/>
+                  </a:cubicBezTo>
+                  <a:close/>
+                </a:path>
+              </a:pathLst>
+            </a:custGeom>
+            <a:solidFill>
+              <a:srgbClr val="00B050"/>
+            </a:solidFill>
+            <a:ln>
+              <a:noFill/>
+            </a:ln>
+          </p:spPr>
+          <p:style>
+            <a:lnRef idx="2">
+              <a:schemeClr val="accent1">
+                <a:shade val="50000"/>
+              </a:schemeClr>
+            </a:lnRef>
+            <a:fillRef idx="1">
+              <a:schemeClr val="accent1"/>
+            </a:fillRef>
+            <a:effectRef idx="0">
+              <a:schemeClr val="accent1"/>
+            </a:effectRef>
+            <a:fontRef idx="minor">
+              <a:schemeClr val="lt1"/>
+            </a:fontRef>
+          </p:style>
+          <p:txBody>
+            <a:bodyPr wrap="square" rtlCol="0" anchor="ctr">
+              <a:noAutofit/>
+            </a:bodyPr>
+            <a:lstStyle/>
+            <a:p>
+              <a:pPr algn="ctr"/>
+              <a:endParaRPr lang="zh-CN" altLang="en-US"/>
+            </a:p>
+          </p:txBody>
+        </p:sp>
+        <p:sp>
+          <p:nvSpPr>
+            <p:cNvPr id="29" name="任意多边形: 形状 28">
+              <a:extLst>
+                <a:ext uri="{FF2B5EF4-FFF2-40B4-BE49-F238E27FC236}">
+                  <a16:creationId xmlns:a16="http://schemas.microsoft.com/office/drawing/2014/main" id="{604BE572-A4AC-4853-AA0C-985E2D99FE5C}"/>
+                </a:ext>
+              </a:extLst>
+            </p:cNvPr>
+            <p:cNvSpPr/>
+            <p:nvPr/>
+          </p:nvSpPr>
+          <p:spPr>
+            <a:xfrm>
+              <a:off x="5591585" y="2251943"/>
+              <a:ext cx="360000" cy="2405782"/>
+            </a:xfrm>
+            <a:custGeom>
+              <a:avLst/>
+              <a:gdLst>
+                <a:gd name="connsiteX0" fmla="*/ 0 w 360000"/>
+                <a:gd name="connsiteY0" fmla="*/ 0 h 2405782"/>
+                <a:gd name="connsiteX1" fmla="*/ 360000 w 360000"/>
+                <a:gd name="connsiteY1" fmla="*/ 0 h 2405782"/>
+                <a:gd name="connsiteX2" fmla="*/ 360000 w 360000"/>
+                <a:gd name="connsiteY2" fmla="*/ 2405782 h 2405782"/>
+                <a:gd name="connsiteX3" fmla="*/ 0 w 360000"/>
+                <a:gd name="connsiteY3" fmla="*/ 2405782 h 2405782"/>
+              </a:gdLst>
+              <a:ahLst/>
+              <a:cxnLst>
+                <a:cxn ang="0">
+                  <a:pos x="connsiteX0" y="connsiteY0"/>
+                </a:cxn>
+                <a:cxn ang="0">
+                  <a:pos x="connsiteX1" y="connsiteY1"/>
+                </a:cxn>
+                <a:cxn ang="0">
+                  <a:pos x="connsiteX2" y="connsiteY2"/>
+                </a:cxn>
+                <a:cxn ang="0">
+                  <a:pos x="connsiteX3" y="connsiteY3"/>
+                </a:cxn>
+              </a:cxnLst>
+              <a:rect l="l" t="t" r="r" b="b"/>
+              <a:pathLst>
+                <a:path w="360000" h="2405782">
+                  <a:moveTo>
+                    <a:pt x="0" y="0"/>
+                  </a:moveTo>
+                  <a:lnTo>
+                    <a:pt x="360000" y="0"/>
+                  </a:lnTo>
+                  <a:lnTo>
+                    <a:pt x="360000" y="2405782"/>
+                  </a:lnTo>
+                  <a:lnTo>
+                    <a:pt x="0" y="2405782"/>
+                  </a:lnTo>
+                  <a:close/>
+                </a:path>
+              </a:pathLst>
+            </a:custGeom>
+            <a:solidFill>
+              <a:schemeClr val="bg1"/>
+            </a:solidFill>
+            <a:ln>
+              <a:noFill/>
+            </a:ln>
+          </p:spPr>
+          <p:style>
+            <a:lnRef idx="2">
+              <a:schemeClr val="accent1">
+                <a:shade val="50000"/>
+              </a:schemeClr>
+            </a:lnRef>
+            <a:fillRef idx="1">
+              <a:schemeClr val="accent1"/>
+            </a:fillRef>
+            <a:effectRef idx="0">
+              <a:schemeClr val="accent1"/>
+            </a:effectRef>
+            <a:fontRef idx="minor">
+              <a:schemeClr val="lt1"/>
+            </a:fontRef>
+          </p:style>
+          <p:txBody>
+            <a:bodyPr wrap="square" rtlCol="0" anchor="ctr">
+              <a:noAutofit/>
+            </a:bodyPr>
+            <a:lstStyle/>
+            <a:p>
+              <a:pPr algn="ctr"/>
+              <a:endParaRPr lang="zh-CN" altLang="en-US"/>
+            </a:p>
+          </p:txBody>
+        </p:sp>
+        <p:sp>
+          <p:nvSpPr>
+            <p:cNvPr id="27" name="任意多边形: 形状 26">
+              <a:extLst>
+                <a:ext uri="{FF2B5EF4-FFF2-40B4-BE49-F238E27FC236}">
+                  <a16:creationId xmlns:a16="http://schemas.microsoft.com/office/drawing/2014/main" id="{E073394D-2FAD-4A9C-9B2A-D7E640304A0C}"/>
+                </a:ext>
+              </a:extLst>
+            </p:cNvPr>
+            <p:cNvSpPr/>
+            <p:nvPr/>
+          </p:nvSpPr>
+          <p:spPr>
+            <a:xfrm>
+              <a:off x="6238319" y="2251943"/>
+              <a:ext cx="360000" cy="2405782"/>
+            </a:xfrm>
+            <a:custGeom>
+              <a:avLst/>
+              <a:gdLst>
+                <a:gd name="connsiteX0" fmla="*/ 0 w 360000"/>
+                <a:gd name="connsiteY0" fmla="*/ 0 h 2405782"/>
+                <a:gd name="connsiteX1" fmla="*/ 360000 w 360000"/>
+                <a:gd name="connsiteY1" fmla="*/ 0 h 2405782"/>
+                <a:gd name="connsiteX2" fmla="*/ 360000 w 360000"/>
+                <a:gd name="connsiteY2" fmla="*/ 2405782 h 2405782"/>
+                <a:gd name="connsiteX3" fmla="*/ 0 w 360000"/>
+                <a:gd name="connsiteY3" fmla="*/ 2405782 h 2405782"/>
+              </a:gdLst>
+              <a:ahLst/>
+              <a:cxnLst>
+                <a:cxn ang="0">
+                  <a:pos x="connsiteX0" y="connsiteY0"/>
+                </a:cxn>
+                <a:cxn ang="0">
+                  <a:pos x="connsiteX1" y="connsiteY1"/>
+                </a:cxn>
+                <a:cxn ang="0">
+                  <a:pos x="connsiteX2" y="connsiteY2"/>
+                </a:cxn>
+                <a:cxn ang="0">
+                  <a:pos x="connsiteX3" y="connsiteY3"/>
+                </a:cxn>
+              </a:cxnLst>
+              <a:rect l="l" t="t" r="r" b="b"/>
+              <a:pathLst>
+                <a:path w="360000" h="2405782">
+                  <a:moveTo>
+                    <a:pt x="0" y="0"/>
+                  </a:moveTo>
+                  <a:lnTo>
+                    <a:pt x="360000" y="0"/>
+                  </a:lnTo>
+                  <a:lnTo>
+                    <a:pt x="360000" y="2405782"/>
+                  </a:lnTo>
+                  <a:lnTo>
+                    <a:pt x="0" y="2405782"/>
+                  </a:lnTo>
+                  <a:close/>
+                </a:path>
+              </a:pathLst>
+            </a:custGeom>
+            <a:solidFill>
+              <a:schemeClr val="bg1"/>
+            </a:solidFill>
+            <a:ln>
+              <a:noFill/>
+            </a:ln>
+          </p:spPr>
+          <p:style>
+            <a:lnRef idx="2">
+              <a:schemeClr val="accent1">
+                <a:shade val="50000"/>
+              </a:schemeClr>
+            </a:lnRef>
+            <a:fillRef idx="1">
+              <a:schemeClr val="accent1"/>
+            </a:fillRef>
+            <a:effectRef idx="0">
+              <a:schemeClr val="accent1"/>
+            </a:effectRef>
+            <a:fontRef idx="minor">
+              <a:schemeClr val="lt1"/>
+            </a:fontRef>
+          </p:style>
+          <p:txBody>
+            <a:bodyPr wrap="square" rtlCol="0" anchor="ctr">
+              <a:noAutofit/>
+            </a:bodyPr>
+            <a:lstStyle/>
+            <a:p>
+              <a:pPr algn="ctr"/>
+              <a:endParaRPr lang="zh-CN" altLang="en-US"/>
+            </a:p>
+          </p:txBody>
+        </p:sp>
+      </p:grpSp>
+      <p:sp>
+        <p:nvSpPr>
+          <p:cNvPr id="17" name="正圆形" hidden="1">
+            <a:extLst>
+              <a:ext uri="{FF2B5EF4-FFF2-40B4-BE49-F238E27FC236}">
+                <a16:creationId xmlns:a16="http://schemas.microsoft.com/office/drawing/2014/main" id="{ED299369-9343-4041-914B-F6838B22C025}"/>
+              </a:ext>
+            </a:extLst>
+          </p:cNvPr>
+          <p:cNvSpPr>
+            <a:spLocks noChangeAspect="1"/>
+          </p:cNvSpPr>
+          <p:nvPr/>
+        </p:nvSpPr>
+        <p:spPr>
+          <a:xfrm>
+            <a:off x="406747" y="1157288"/>
+            <a:ext cx="3600000" cy="3600000"/>
+          </a:xfrm>
+          <a:custGeom>
+            <a:avLst/>
+            <a:gdLst>
+              <a:gd name="connsiteX0" fmla="*/ 1800000 w 3600000"/>
+              <a:gd name="connsiteY0" fmla="*/ 0 h 3600000"/>
+              <a:gd name="connsiteX1" fmla="*/ 3600000 w 3600000"/>
+              <a:gd name="connsiteY1" fmla="*/ 1800000 h 3600000"/>
+              <a:gd name="connsiteX2" fmla="*/ 1800000 w 3600000"/>
+              <a:gd name="connsiteY2" fmla="*/ 3600000 h 3600000"/>
+              <a:gd name="connsiteX3" fmla="*/ 0 w 3600000"/>
+              <a:gd name="connsiteY3" fmla="*/ 1800000 h 3600000"/>
+              <a:gd name="connsiteX4" fmla="*/ 1800000 w 3600000"/>
+              <a:gd name="connsiteY4" fmla="*/ 0 h 3600000"/>
+            </a:gdLst>
+            <a:ahLst/>
+            <a:cxnLst>
+              <a:cxn ang="0">
+                <a:pos x="connsiteX0" y="connsiteY0"/>
+              </a:cxn>
+              <a:cxn ang="0">
+                <a:pos x="connsiteX1" y="connsiteY1"/>
+              </a:cxn>
+              <a:cxn ang="0">
+                <a:pos x="connsiteX2" y="connsiteY2"/>
+              </a:cxn>
+              <a:cxn ang="0">
+                <a:pos x="connsiteX3" y="connsiteY3"/>
+              </a:cxn>
+              <a:cxn ang="0">
+                <a:pos x="connsiteX4" y="connsiteY4"/>
+              </a:cxn>
+            </a:cxnLst>
+            <a:rect l="l" t="t" r="r" b="b"/>
+            <a:pathLst>
+              <a:path w="3600000" h="3600000">
+                <a:moveTo>
+                  <a:pt x="1800000" y="0"/>
+                </a:moveTo>
+                <a:cubicBezTo>
+                  <a:pt x="2794113" y="0"/>
+                  <a:pt x="3600000" y="805887"/>
+                  <a:pt x="3600000" y="1800000"/>
+                </a:cubicBezTo>
+                <a:cubicBezTo>
+                  <a:pt x="3600000" y="2794113"/>
+                  <a:pt x="2794113" y="3600000"/>
+                  <a:pt x="1800000" y="3600000"/>
+                </a:cubicBezTo>
+                <a:cubicBezTo>
+                  <a:pt x="805887" y="3600000"/>
+                  <a:pt x="0" y="2794113"/>
+                  <a:pt x="0" y="1800000"/>
+                </a:cubicBezTo>
+                <a:cubicBezTo>
+                  <a:pt x="0" y="805887"/>
+                  <a:pt x="805887" y="0"/>
+                  <a:pt x="1800000" y="0"/>
+                </a:cubicBezTo>
+                <a:close/>
+              </a:path>
+            </a:pathLst>
+          </a:custGeom>
+          <a:solidFill>
+            <a:srgbClr val="00B050"/>
+          </a:solidFill>
+          <a:ln>
+            <a:noFill/>
+          </a:ln>
+        </p:spPr>
+        <p:style>
+          <a:lnRef idx="2">
+            <a:schemeClr val="accent1">
+              <a:shade val="50000"/>
+            </a:schemeClr>
+          </a:lnRef>
+          <a:fillRef idx="1">
+            <a:schemeClr val="accent1"/>
+          </a:fillRef>
+          <a:effectRef idx="0">
+            <a:schemeClr val="accent1"/>
+          </a:effectRef>
+          <a:fontRef idx="minor">
+            <a:schemeClr val="lt1"/>
+          </a:fontRef>
+        </p:style>
+        <p:txBody>
+          <a:bodyPr wrap="square" rtlCol="0" anchor="ctr">
+            <a:noAutofit/>
+          </a:bodyPr>
+          <a:lstStyle/>
+          <a:p>
+            <a:pPr algn="ctr"/>
+            <a:endParaRPr lang="zh-CN" altLang="en-US"/>
+          </a:p>
+        </p:txBody>
+      </p:sp>
+      <p:sp>
+        <p:nvSpPr>
+          <p:cNvPr id="53" name="空心矩形2" hidden="1">
+            <a:extLst>
+              <a:ext uri="{FF2B5EF4-FFF2-40B4-BE49-F238E27FC236}">
+                <a16:creationId xmlns:a16="http://schemas.microsoft.com/office/drawing/2014/main" id="{40C341CE-F89F-4249-B8A8-FD5E0DDE9AF0}"/>
+              </a:ext>
+            </a:extLst>
+          </p:cNvPr>
+          <p:cNvSpPr>
+            <a:spLocks noChangeAspect="1"/>
+          </p:cNvSpPr>
+          <p:nvPr/>
+        </p:nvSpPr>
+        <p:spPr>
+          <a:xfrm>
+            <a:off x="4836000" y="616849"/>
+            <a:ext cx="4429675" cy="6858000"/>
+          </a:xfrm>
+          <a:custGeom>
+            <a:avLst/>
+            <a:gdLst>
+              <a:gd name="connsiteX0" fmla="*/ 0 w 4429675"/>
+              <a:gd name="connsiteY0" fmla="*/ 0 h 6858000"/>
+              <a:gd name="connsiteX1" fmla="*/ 4429675 w 4429675"/>
+              <a:gd name="connsiteY1" fmla="*/ 0 h 6858000"/>
+              <a:gd name="connsiteX2" fmla="*/ 4429675 w 4429675"/>
+              <a:gd name="connsiteY2" fmla="*/ 6858000 h 6858000"/>
+              <a:gd name="connsiteX3" fmla="*/ 0 w 4429675"/>
+              <a:gd name="connsiteY3" fmla="*/ 6858000 h 6858000"/>
+              <a:gd name="connsiteX4" fmla="*/ 0 w 4429675"/>
+              <a:gd name="connsiteY4" fmla="*/ 0 h 6858000"/>
+              <a:gd name="connsiteX5" fmla="*/ 2340422 w 4429675"/>
+              <a:gd name="connsiteY5" fmla="*/ 1157287 h 6858000"/>
+              <a:gd name="connsiteX6" fmla="*/ 540422 w 4429675"/>
+              <a:gd name="connsiteY6" fmla="*/ 2957287 h 6858000"/>
+              <a:gd name="connsiteX7" fmla="*/ 2340422 w 4429675"/>
+              <a:gd name="connsiteY7" fmla="*/ 4757287 h 6858000"/>
+              <a:gd name="connsiteX8" fmla="*/ 4140422 w 4429675"/>
+              <a:gd name="connsiteY8" fmla="*/ 2957287 h 6858000"/>
+              <a:gd name="connsiteX9" fmla="*/ 2340422 w 4429675"/>
+              <a:gd name="connsiteY9" fmla="*/ 1157287 h 6858000"/>
+            </a:gdLst>
+            <a:ahLst/>
+            <a:cxnLst>
+              <a:cxn ang="0">
+                <a:pos x="connsiteX0" y="connsiteY0"/>
+              </a:cxn>
+              <a:cxn ang="0">
+                <a:pos x="connsiteX1" y="connsiteY1"/>
+              </a:cxn>
+              <a:cxn ang="0">
+                <a:pos x="connsiteX2" y="connsiteY2"/>
+              </a:cxn>
+              <a:cxn ang="0">
+                <a:pos x="connsiteX3" y="connsiteY3"/>
+              </a:cxn>
+              <a:cxn ang="0">
+                <a:pos x="connsiteX4" y="connsiteY4"/>
+              </a:cxn>
+              <a:cxn ang="0">
+                <a:pos x="connsiteX5" y="connsiteY5"/>
+              </a:cxn>
+              <a:cxn ang="0">
+                <a:pos x="connsiteX6" y="connsiteY6"/>
+              </a:cxn>
+              <a:cxn ang="0">
+                <a:pos x="connsiteX7" y="connsiteY7"/>
+              </a:cxn>
+              <a:cxn ang="0">
+                <a:pos x="connsiteX8" y="connsiteY8"/>
+              </a:cxn>
+              <a:cxn ang="0">
+                <a:pos x="connsiteX9" y="connsiteY9"/>
+              </a:cxn>
+            </a:cxnLst>
+            <a:rect l="l" t="t" r="r" b="b"/>
+            <a:pathLst>
+              <a:path w="4429675" h="6858000">
+                <a:moveTo>
+                  <a:pt x="0" y="0"/>
+                </a:moveTo>
+                <a:lnTo>
+                  <a:pt x="4429675" y="0"/>
+                </a:lnTo>
+                <a:lnTo>
+                  <a:pt x="4429675" y="6858000"/>
+                </a:lnTo>
+                <a:lnTo>
+                  <a:pt x="0" y="6858000"/>
+                </a:lnTo>
+                <a:lnTo>
+                  <a:pt x="0" y="0"/>
+                </a:lnTo>
+                <a:close/>
+                <a:moveTo>
+                  <a:pt x="2340422" y="1157287"/>
+                </a:moveTo>
+                <a:cubicBezTo>
+                  <a:pt x="1346309" y="1157287"/>
+                  <a:pt x="540422" y="1963174"/>
+                  <a:pt x="540422" y="2957287"/>
+                </a:cubicBezTo>
+                <a:cubicBezTo>
+                  <a:pt x="540422" y="3951400"/>
+                  <a:pt x="1346309" y="4757287"/>
+                  <a:pt x="2340422" y="4757287"/>
+                </a:cubicBezTo>
+                <a:cubicBezTo>
+                  <a:pt x="3334535" y="4757287"/>
+                  <a:pt x="4140422" y="3951400"/>
+                  <a:pt x="4140422" y="2957287"/>
+                </a:cubicBezTo>
+                <a:cubicBezTo>
+                  <a:pt x="4140422" y="1963174"/>
+                  <a:pt x="3334535" y="1157287"/>
+                  <a:pt x="2340422" y="1157287"/>
+                </a:cubicBezTo>
+                <a:close/>
+              </a:path>
+            </a:pathLst>
+          </a:custGeom>
+          <a:solidFill>
+            <a:schemeClr val="bg1"/>
+          </a:solidFill>
+          <a:ln>
+            <a:noFill/>
+          </a:ln>
+        </p:spPr>
+        <p:style>
+          <a:lnRef idx="2">
+            <a:schemeClr val="accent1">
+              <a:shade val="50000"/>
+            </a:schemeClr>
+          </a:lnRef>
+          <a:fillRef idx="1">
+            <a:schemeClr val="accent1"/>
+          </a:fillRef>
+          <a:effectRef idx="0">
+            <a:schemeClr val="accent1"/>
+          </a:effectRef>
+          <a:fontRef idx="minor">
+            <a:schemeClr val="lt1"/>
+          </a:fontRef>
+        </p:style>
+        <p:txBody>
+          <a:bodyPr wrap="square" rtlCol="0" anchor="ctr">
+            <a:noAutofit/>
+          </a:bodyPr>
+          <a:lstStyle/>
+          <a:p>
+            <a:pPr algn="ctr"/>
+            <a:endParaRPr lang="zh-CN" altLang="en-US"/>
+          </a:p>
+        </p:txBody>
+      </p:sp>
+    </p:spTree>
+    <p:extLst>
+      <p:ext uri="{BB962C8B-B14F-4D97-AF65-F5344CB8AC3E}">
+        <p14:creationId xmlns:p14="http://schemas.microsoft.com/office/powerpoint/2010/main" val="3973949166"/>
+      </p:ext>
+    </p:extLst>
+  </p:cSld>
+  <p:clrMapOvr>
+    <a:masterClrMapping/>
+  </p:clrMapOvr>
+</p:sld>
+</file>
+
+<file path=ppt/slides/slide7.xml><?xml version="1.0" encoding="utf-8"?>
+<p:sld xmlns:a="http://schemas.openxmlformats.org/drawingml/2006/main" xmlns:r="http://schemas.openxmlformats.org/officeDocument/2006/relationships" xmlns:p="http://schemas.openxmlformats.org/presentationml/2006/main">
+  <p:cSld>
+    <p:spTree>
+      <p:nvGrpSpPr>
+        <p:cNvPr id="1" name=""/>
+        <p:cNvGrpSpPr/>
+        <p:nvPr/>
+      </p:nvGrpSpPr>
+      <p:grpSpPr>
+        <a:xfrm>
+          <a:off x="0" y="0"/>
+          <a:ext cx="0" cy="0"/>
+          <a:chOff x="0" y="0"/>
+          <a:chExt cx="0" cy="0"/>
+        </a:xfrm>
+      </p:grpSpPr>
+      <p:grpSp>
+        <p:nvGrpSpPr>
+          <p:cNvPr id="12" name="组合 11">
+            <a:extLst>
+              <a:ext uri="{FF2B5EF4-FFF2-40B4-BE49-F238E27FC236}">
+                <a16:creationId xmlns:a16="http://schemas.microsoft.com/office/drawing/2014/main" id="{C50E64AF-129B-48B2-8BF8-3C8AAC001AE3}"/>
+              </a:ext>
+            </a:extLst>
+          </p:cNvPr>
+          <p:cNvGrpSpPr/>
+          <p:nvPr/>
+        </p:nvGrpSpPr>
+        <p:grpSpPr>
+          <a:xfrm>
+            <a:off x="3267480" y="2587016"/>
+            <a:ext cx="5580000" cy="1692000"/>
+            <a:chOff x="3267480" y="2587016"/>
+            <a:chExt cx="5580000" cy="1692000"/>
+          </a:xfrm>
+        </p:grpSpPr>
+        <p:sp>
+          <p:nvSpPr>
+            <p:cNvPr id="4" name="矩形 3">
+              <a:extLst>
+                <a:ext uri="{FF2B5EF4-FFF2-40B4-BE49-F238E27FC236}">
+                  <a16:creationId xmlns:a16="http://schemas.microsoft.com/office/drawing/2014/main" id="{F4C2391A-02E5-460E-B787-BD7FE6684228}"/>
+                </a:ext>
+              </a:extLst>
+            </p:cNvPr>
+            <p:cNvSpPr/>
+            <p:nvPr/>
+          </p:nvSpPr>
+          <p:spPr>
+            <a:xfrm>
+              <a:off x="3267480" y="2587016"/>
+              <a:ext cx="5580000" cy="1692000"/>
+            </a:xfrm>
+            <a:prstGeom prst="rect">
+              <a:avLst/>
+            </a:prstGeom>
+            <a:solidFill>
+              <a:srgbClr val="000000"/>
+            </a:solidFill>
+            <a:ln>
+              <a:noFill/>
+            </a:ln>
+          </p:spPr>
+          <p:style>
+            <a:lnRef idx="2">
+              <a:schemeClr val="accent1">
+                <a:shade val="50000"/>
+              </a:schemeClr>
+            </a:lnRef>
+            <a:fillRef idx="1">
+              <a:schemeClr val="accent1"/>
+            </a:fillRef>
+            <a:effectRef idx="0">
+              <a:schemeClr val="accent1"/>
+            </a:effectRef>
+            <a:fontRef idx="minor">
+              <a:schemeClr val="lt1"/>
+            </a:fontRef>
+          </p:style>
+          <p:txBody>
+            <a:bodyPr rtlCol="0" anchor="ctr"/>
+            <a:lstStyle/>
+            <a:p>
+              <a:pPr algn="ctr"/>
+              <a:endParaRPr lang="zh-CN" altLang="en-US"/>
+            </a:p>
+          </p:txBody>
+        </p:sp>
+        <p:pic>
+          <p:nvPicPr>
+            <p:cNvPr id="2" name="图片 1">
+              <a:extLst>
+                <a:ext uri="{FF2B5EF4-FFF2-40B4-BE49-F238E27FC236}">
+                  <a16:creationId xmlns:a16="http://schemas.microsoft.com/office/drawing/2014/main" id="{B73A709A-4CE8-470E-948F-485598E3EB8F}"/>
+                </a:ext>
+              </a:extLst>
+            </p:cNvPr>
+            <p:cNvPicPr>
+              <a:picLocks noChangeAspect="1"/>
+            </p:cNvPicPr>
+            <p:nvPr/>
+          </p:nvPicPr>
+          <p:blipFill>
+            <a:blip r:embed="rId2"/>
+            <a:stretch>
+              <a:fillRect/>
+            </a:stretch>
+          </p:blipFill>
+          <p:spPr>
+            <a:xfrm>
+              <a:off x="3267481" y="2595562"/>
+              <a:ext cx="4591050" cy="1666875"/>
+            </a:xfrm>
+            <a:prstGeom prst="rect">
+              <a:avLst/>
+            </a:prstGeom>
+          </p:spPr>
+        </p:pic>
+        <p:grpSp>
+          <p:nvGrpSpPr>
+            <p:cNvPr id="21" name="组合 20">
+              <a:extLst>
+                <a:ext uri="{FF2B5EF4-FFF2-40B4-BE49-F238E27FC236}">
+                  <a16:creationId xmlns:a16="http://schemas.microsoft.com/office/drawing/2014/main" id="{AF9087E3-3B42-4239-B6A5-838324E96B2A}"/>
+                </a:ext>
+              </a:extLst>
+            </p:cNvPr>
+            <p:cNvGrpSpPr/>
+            <p:nvPr/>
+          </p:nvGrpSpPr>
+          <p:grpSpPr>
+            <a:xfrm>
+              <a:off x="7622445" y="2847482"/>
+              <a:ext cx="1161333" cy="1161448"/>
+              <a:chOff x="4296000" y="1629000"/>
+              <a:chExt cx="3600000" cy="3600356"/>
+            </a:xfrm>
+          </p:grpSpPr>
+          <p:sp>
+            <p:nvSpPr>
+              <p:cNvPr id="22" name="正圆主体">
+                <a:extLst>
+                  <a:ext uri="{FF2B5EF4-FFF2-40B4-BE49-F238E27FC236}">
+                    <a16:creationId xmlns:a16="http://schemas.microsoft.com/office/drawing/2014/main" id="{30FBFD99-3138-4CA2-9879-E87744311DAF}"/>
+                  </a:ext>
+                </a:extLst>
+              </p:cNvPr>
+              <p:cNvSpPr>
+                <a:spLocks noChangeAspect="1"/>
+              </p:cNvSpPr>
+              <p:nvPr/>
+            </p:nvSpPr>
+            <p:spPr>
+              <a:xfrm>
+                <a:off x="4296000" y="1629000"/>
+                <a:ext cx="3600000" cy="3600000"/>
+              </a:xfrm>
+              <a:prstGeom prst="ellipse">
+                <a:avLst/>
+              </a:prstGeom>
+              <a:solidFill>
+                <a:srgbClr val="00B050"/>
+              </a:solidFill>
+              <a:ln>
+                <a:noFill/>
+              </a:ln>
+            </p:spPr>
+            <p:style>
+              <a:lnRef idx="2">
+                <a:schemeClr val="accent1">
+                  <a:shade val="50000"/>
+                </a:schemeClr>
+              </a:lnRef>
+              <a:fillRef idx="1">
+                <a:schemeClr val="accent1"/>
+              </a:fillRef>
+              <a:effectRef idx="0">
+                <a:schemeClr val="accent1"/>
+              </a:effectRef>
+              <a:fontRef idx="minor">
+                <a:schemeClr val="lt1"/>
+              </a:fontRef>
+            </p:style>
+            <p:txBody>
+              <a:bodyPr rtlCol="0" anchor="ctr"/>
+              <a:lstStyle/>
+              <a:p>
+                <a:pPr algn="ctr"/>
+                <a:endParaRPr lang="zh-CN" altLang="en-US"/>
+              </a:p>
+            </p:txBody>
+          </p:sp>
+          <p:sp>
+            <p:nvSpPr>
+              <p:cNvPr id="23" name="任意多边形: 形状 22">
+                <a:extLst>
+                  <a:ext uri="{FF2B5EF4-FFF2-40B4-BE49-F238E27FC236}">
+                    <a16:creationId xmlns:a16="http://schemas.microsoft.com/office/drawing/2014/main" id="{9D5F1556-D09C-4E50-99E6-A30F858F7C2E}"/>
+                  </a:ext>
+                </a:extLst>
+              </p:cNvPr>
+              <p:cNvSpPr>
+                <a:spLocks noChangeAspect="1"/>
+              </p:cNvSpPr>
+              <p:nvPr/>
+            </p:nvSpPr>
+            <p:spPr>
+              <a:xfrm>
+                <a:off x="4842333" y="3523141"/>
+                <a:ext cx="2507334" cy="1134584"/>
+              </a:xfrm>
+              <a:custGeom>
+                <a:avLst/>
+                <a:gdLst>
+                  <a:gd name="connsiteX0" fmla="*/ 1253667 w 2507334"/>
+                  <a:gd name="connsiteY0" fmla="*/ 0 h 1134584"/>
+                  <a:gd name="connsiteX1" fmla="*/ 2507162 w 2507334"/>
+                  <a:gd name="connsiteY1" fmla="*/ 1131173 h 1134584"/>
+                  <a:gd name="connsiteX2" fmla="*/ 2507334 w 2507334"/>
+                  <a:gd name="connsiteY2" fmla="*/ 1134584 h 1134584"/>
+                  <a:gd name="connsiteX3" fmla="*/ 0 w 2507334"/>
+                  <a:gd name="connsiteY3" fmla="*/ 1134584 h 1134584"/>
+                  <a:gd name="connsiteX4" fmla="*/ 173 w 2507334"/>
+                  <a:gd name="connsiteY4" fmla="*/ 1131173 h 1134584"/>
+                  <a:gd name="connsiteX5" fmla="*/ 1253667 w 2507334"/>
+                  <a:gd name="connsiteY5" fmla="*/ 0 h 1134584"/>
+                </a:gdLst>
+                <a:ahLst/>
+                <a:cxnLst>
+                  <a:cxn ang="0">
+                    <a:pos x="connsiteX0" y="connsiteY0"/>
+                  </a:cxn>
+                  <a:cxn ang="0">
+                    <a:pos x="connsiteX1" y="connsiteY1"/>
+                  </a:cxn>
+                  <a:cxn ang="0">
+                    <a:pos x="connsiteX2" y="connsiteY2"/>
+                  </a:cxn>
+                  <a:cxn ang="0">
+                    <a:pos x="connsiteX3" y="connsiteY3"/>
+                  </a:cxn>
+                  <a:cxn ang="0">
+                    <a:pos x="connsiteX4" y="connsiteY4"/>
+                  </a:cxn>
+                  <a:cxn ang="0">
+                    <a:pos x="connsiteX5" y="connsiteY5"/>
+                  </a:cxn>
+                </a:cxnLst>
+                <a:rect l="l" t="t" r="r" b="b"/>
+                <a:pathLst>
+                  <a:path w="2507334" h="1134584">
+                    <a:moveTo>
+                      <a:pt x="1253667" y="0"/>
+                    </a:moveTo>
+                    <a:cubicBezTo>
+                      <a:pt x="1906054" y="0"/>
+                      <a:pt x="2442637" y="495810"/>
+                      <a:pt x="2507162" y="1131173"/>
+                    </a:cubicBezTo>
+                    <a:lnTo>
+                      <a:pt x="2507334" y="1134584"/>
+                    </a:lnTo>
+                    <a:lnTo>
+                      <a:pt x="0" y="1134584"/>
+                    </a:lnTo>
+                    <a:lnTo>
+                      <a:pt x="173" y="1131173"/>
+                    </a:lnTo>
+                    <a:cubicBezTo>
+                      <a:pt x="64697" y="495810"/>
+                      <a:pt x="601281" y="0"/>
+                      <a:pt x="1253667" y="0"/>
+                    </a:cubicBezTo>
+                    <a:close/>
+                  </a:path>
+                </a:pathLst>
+              </a:custGeom>
+              <a:solidFill>
+                <a:schemeClr val="bg1"/>
+              </a:solidFill>
+              <a:ln>
+                <a:noFill/>
+              </a:ln>
+            </p:spPr>
+            <p:style>
+              <a:lnRef idx="2">
+                <a:schemeClr val="accent1">
+                  <a:shade val="50000"/>
+                </a:schemeClr>
+              </a:lnRef>
+              <a:fillRef idx="1">
+                <a:schemeClr val="accent1"/>
+              </a:fillRef>
+              <a:effectRef idx="0">
+                <a:schemeClr val="accent1"/>
+              </a:effectRef>
+              <a:fontRef idx="minor">
+                <a:schemeClr val="lt1"/>
+              </a:fontRef>
+            </p:style>
+            <p:txBody>
+              <a:bodyPr wrap="square" rtlCol="0" anchor="ctr">
+                <a:noAutofit/>
+              </a:bodyPr>
+              <a:lstStyle/>
+              <a:p>
+                <a:pPr algn="ctr"/>
+                <a:endParaRPr lang="zh-CN" altLang="en-US"/>
+              </a:p>
+            </p:txBody>
+          </p:sp>
+          <p:sp>
+            <p:nvSpPr>
+              <p:cNvPr id="24" name="任意多边形: 形状 23">
+                <a:extLst>
+                  <a:ext uri="{FF2B5EF4-FFF2-40B4-BE49-F238E27FC236}">
+                    <a16:creationId xmlns:a16="http://schemas.microsoft.com/office/drawing/2014/main" id="{455CAFF1-EDB2-4C68-94FB-11679E4CCDD3}"/>
+                  </a:ext>
+                </a:extLst>
+              </p:cNvPr>
+              <p:cNvSpPr>
+                <a:spLocks noChangeAspect="1"/>
+              </p:cNvSpPr>
+              <p:nvPr/>
+            </p:nvSpPr>
+            <p:spPr>
+              <a:xfrm>
+                <a:off x="5196000" y="3911832"/>
+                <a:ext cx="1800000" cy="1317524"/>
+              </a:xfrm>
+              <a:custGeom>
+                <a:avLst/>
+                <a:gdLst>
+                  <a:gd name="connsiteX0" fmla="*/ 900000 w 1800000"/>
+                  <a:gd name="connsiteY0" fmla="*/ 0 h 1317524"/>
+                  <a:gd name="connsiteX1" fmla="*/ 1800000 w 1800000"/>
+                  <a:gd name="connsiteY1" fmla="*/ 900000 h 1317524"/>
+                  <a:gd name="connsiteX2" fmla="*/ 1781715 w 1800000"/>
+                  <a:gd name="connsiteY2" fmla="*/ 1081381 h 1317524"/>
+                  <a:gd name="connsiteX3" fmla="*/ 1779250 w 1800000"/>
+                  <a:gd name="connsiteY3" fmla="*/ 1090969 h 1317524"/>
+                  <a:gd name="connsiteX4" fmla="*/ 1763934 w 1800000"/>
+                  <a:gd name="connsiteY4" fmla="*/ 1100274 h 1317524"/>
+                  <a:gd name="connsiteX5" fmla="*/ 905947 w 1800000"/>
+                  <a:gd name="connsiteY5" fmla="*/ 1317524 h 1317524"/>
+                  <a:gd name="connsiteX6" fmla="*/ 47960 w 1800000"/>
+                  <a:gd name="connsiteY6" fmla="*/ 1100274 h 1317524"/>
+                  <a:gd name="connsiteX7" fmla="*/ 18549 w 1800000"/>
+                  <a:gd name="connsiteY7" fmla="*/ 1082406 h 1317524"/>
+                  <a:gd name="connsiteX8" fmla="*/ 18285 w 1800000"/>
+                  <a:gd name="connsiteY8" fmla="*/ 1081381 h 1317524"/>
+                  <a:gd name="connsiteX9" fmla="*/ 0 w 1800000"/>
+                  <a:gd name="connsiteY9" fmla="*/ 900000 h 1317524"/>
+                  <a:gd name="connsiteX10" fmla="*/ 900000 w 1800000"/>
+                  <a:gd name="connsiteY10" fmla="*/ 0 h 1317524"/>
+                </a:gdLst>
+                <a:ahLst/>
+                <a:cxnLst>
+                  <a:cxn ang="0">
+                    <a:pos x="connsiteX0" y="connsiteY0"/>
+                  </a:cxn>
+                  <a:cxn ang="0">
+                    <a:pos x="connsiteX1" y="connsiteY1"/>
+                  </a:cxn>
+                  <a:cxn ang="0">
+                    <a:pos x="connsiteX2" y="connsiteY2"/>
+                  </a:cxn>
+                  <a:cxn ang="0">
+                    <a:pos x="connsiteX3" y="connsiteY3"/>
+                  </a:cxn>
+                  <a:cxn ang="0">
+                    <a:pos x="connsiteX4" y="connsiteY4"/>
+                  </a:cxn>
+                  <a:cxn ang="0">
+                    <a:pos x="connsiteX5" y="connsiteY5"/>
+                  </a:cxn>
+                  <a:cxn ang="0">
+                    <a:pos x="connsiteX6" y="connsiteY6"/>
+                  </a:cxn>
+                  <a:cxn ang="0">
+                    <a:pos x="connsiteX7" y="connsiteY7"/>
+                  </a:cxn>
+                  <a:cxn ang="0">
+                    <a:pos x="connsiteX8" y="connsiteY8"/>
+                  </a:cxn>
+                  <a:cxn ang="0">
+                    <a:pos x="connsiteX9" y="connsiteY9"/>
+                  </a:cxn>
+                  <a:cxn ang="0">
+                    <a:pos x="connsiteX10" y="connsiteY10"/>
+                  </a:cxn>
+                </a:cxnLst>
+                <a:rect l="l" t="t" r="r" b="b"/>
+                <a:pathLst>
+                  <a:path w="1800000" h="1317524">
+                    <a:moveTo>
+                      <a:pt x="900000" y="0"/>
+                    </a:moveTo>
+                    <a:cubicBezTo>
+                      <a:pt x="1397056" y="0"/>
+                      <a:pt x="1800000" y="402944"/>
+                      <a:pt x="1800000" y="900000"/>
+                    </a:cubicBezTo>
+                    <a:cubicBezTo>
+                      <a:pt x="1800000" y="962132"/>
+                      <a:pt x="1793704" y="1022794"/>
+                      <a:pt x="1781715" y="1081381"/>
+                    </a:cubicBezTo>
+                    <a:lnTo>
+                      <a:pt x="1779250" y="1090969"/>
+                    </a:lnTo>
+                    <a:lnTo>
+                      <a:pt x="1763934" y="1100274"/>
+                    </a:lnTo>
+                    <a:cubicBezTo>
+                      <a:pt x="1508886" y="1238824"/>
+                      <a:pt x="1216608" y="1317524"/>
+                      <a:pt x="905947" y="1317524"/>
+                    </a:cubicBezTo>
+                    <a:cubicBezTo>
+                      <a:pt x="595287" y="1317524"/>
+                      <a:pt x="303008" y="1238824"/>
+                      <a:pt x="47960" y="1100274"/>
+                    </a:cubicBezTo>
+                    <a:lnTo>
+                      <a:pt x="18549" y="1082406"/>
+                    </a:lnTo>
+                    <a:lnTo>
+                      <a:pt x="18285" y="1081381"/>
+                    </a:lnTo>
+                    <a:cubicBezTo>
+                      <a:pt x="6296" y="1022794"/>
+                      <a:pt x="0" y="962132"/>
+                      <a:pt x="0" y="900000"/>
+                    </a:cubicBezTo>
+                    <a:cubicBezTo>
+                      <a:pt x="0" y="402944"/>
+                      <a:pt x="402944" y="0"/>
+                      <a:pt x="900000" y="0"/>
+                    </a:cubicBezTo>
+                    <a:close/>
+                  </a:path>
+                </a:pathLst>
+              </a:custGeom>
+              <a:solidFill>
+                <a:srgbClr val="00B050"/>
+              </a:solidFill>
+              <a:ln>
+                <a:noFill/>
+              </a:ln>
+            </p:spPr>
+            <p:style>
+              <a:lnRef idx="2">
+                <a:schemeClr val="accent1">
+                  <a:shade val="50000"/>
+                </a:schemeClr>
+              </a:lnRef>
+              <a:fillRef idx="1">
+                <a:schemeClr val="accent1"/>
+              </a:fillRef>
+              <a:effectRef idx="0">
+                <a:schemeClr val="accent1"/>
+              </a:effectRef>
+              <a:fontRef idx="minor">
+                <a:schemeClr val="lt1"/>
+              </a:fontRef>
+            </p:style>
+            <p:txBody>
+              <a:bodyPr wrap="square" rtlCol="0" anchor="ctr">
+                <a:noAutofit/>
+              </a:bodyPr>
+              <a:lstStyle/>
+              <a:p>
+                <a:pPr algn="ctr"/>
+                <a:endParaRPr lang="zh-CN" altLang="en-US"/>
+              </a:p>
+            </p:txBody>
+          </p:sp>
+          <p:sp>
+            <p:nvSpPr>
+              <p:cNvPr id="25" name="任意多边形: 形状 24">
+                <a:extLst>
+                  <a:ext uri="{FF2B5EF4-FFF2-40B4-BE49-F238E27FC236}">
+                    <a16:creationId xmlns:a16="http://schemas.microsoft.com/office/drawing/2014/main" id="{4521D397-CE80-44CB-AD6E-30910ABF57B8}"/>
+                  </a:ext>
+                </a:extLst>
+              </p:cNvPr>
+              <p:cNvSpPr>
+                <a:spLocks noChangeAspect="1"/>
+              </p:cNvSpPr>
+              <p:nvPr/>
+            </p:nvSpPr>
+            <p:spPr>
+              <a:xfrm>
+                <a:off x="4849870" y="2251943"/>
+                <a:ext cx="2492260" cy="1082916"/>
+              </a:xfrm>
+              <a:custGeom>
+                <a:avLst/>
+                <a:gdLst>
+                  <a:gd name="connsiteX0" fmla="*/ 0 w 2492260"/>
+                  <a:gd name="connsiteY0" fmla="*/ 0 h 1082916"/>
+                  <a:gd name="connsiteX1" fmla="*/ 2492260 w 2492260"/>
+                  <a:gd name="connsiteY1" fmla="*/ 0 h 1082916"/>
+                  <a:gd name="connsiteX2" fmla="*/ 2480532 w 2492260"/>
+                  <a:gd name="connsiteY2" fmla="*/ 76850 h 1082916"/>
+                  <a:gd name="connsiteX3" fmla="*/ 1246130 w 2492260"/>
+                  <a:gd name="connsiteY3" fmla="*/ 1082916 h 1082916"/>
+                  <a:gd name="connsiteX4" fmla="*/ 11729 w 2492260"/>
+                  <a:gd name="connsiteY4" fmla="*/ 76850 h 1082916"/>
+                </a:gdLst>
+                <a:ahLst/>
+                <a:cxnLst>
+                  <a:cxn ang="0">
+                    <a:pos x="connsiteX0" y="connsiteY0"/>
+                  </a:cxn>
+                  <a:cxn ang="0">
+                    <a:pos x="connsiteX1" y="connsiteY1"/>
+                  </a:cxn>
+                  <a:cxn ang="0">
+                    <a:pos x="connsiteX2" y="connsiteY2"/>
+                  </a:cxn>
+                  <a:cxn ang="0">
+                    <a:pos x="connsiteX3" y="connsiteY3"/>
+                  </a:cxn>
+                  <a:cxn ang="0">
+                    <a:pos x="connsiteX4" y="connsiteY4"/>
+                  </a:cxn>
+                </a:cxnLst>
+                <a:rect l="l" t="t" r="r" b="b"/>
+                <a:pathLst>
+                  <a:path w="2492260" h="1082916">
+                    <a:moveTo>
+                      <a:pt x="0" y="0"/>
+                    </a:moveTo>
+                    <a:lnTo>
+                      <a:pt x="2492260" y="0"/>
+                    </a:lnTo>
+                    <a:lnTo>
+                      <a:pt x="2480532" y="76850"/>
+                    </a:lnTo>
+                    <a:cubicBezTo>
+                      <a:pt x="2363041" y="651011"/>
+                      <a:pt x="1855024" y="1082916"/>
+                      <a:pt x="1246130" y="1082916"/>
+                    </a:cubicBezTo>
+                    <a:cubicBezTo>
+                      <a:pt x="637236" y="1082916"/>
+                      <a:pt x="129219" y="651011"/>
+                      <a:pt x="11729" y="76850"/>
+                    </a:cubicBezTo>
+                    <a:close/>
+                  </a:path>
+                </a:pathLst>
+              </a:custGeom>
+              <a:solidFill>
+                <a:schemeClr val="bg1"/>
+              </a:solidFill>
+              <a:ln>
+                <a:noFill/>
+              </a:ln>
+            </p:spPr>
+            <p:style>
+              <a:lnRef idx="2">
+                <a:schemeClr val="accent1">
+                  <a:shade val="50000"/>
+                </a:schemeClr>
+              </a:lnRef>
+              <a:fillRef idx="1">
+                <a:schemeClr val="accent1"/>
+              </a:fillRef>
+              <a:effectRef idx="0">
+                <a:schemeClr val="accent1"/>
+              </a:effectRef>
+              <a:fontRef idx="minor">
+                <a:schemeClr val="lt1"/>
+              </a:fontRef>
+            </p:style>
+            <p:txBody>
+              <a:bodyPr wrap="square" rtlCol="0" anchor="ctr">
+                <a:noAutofit/>
+              </a:bodyPr>
+              <a:lstStyle/>
+              <a:p>
+                <a:pPr algn="ctr"/>
+                <a:endParaRPr lang="zh-CN" altLang="en-US"/>
+              </a:p>
+            </p:txBody>
+          </p:sp>
+          <p:sp>
+            <p:nvSpPr>
+              <p:cNvPr id="26" name="任意多边形: 形状 25">
+                <a:extLst>
+                  <a:ext uri="{FF2B5EF4-FFF2-40B4-BE49-F238E27FC236}">
+                    <a16:creationId xmlns:a16="http://schemas.microsoft.com/office/drawing/2014/main" id="{1273F832-5855-4BE8-8A57-F50817726624}"/>
+                  </a:ext>
+                </a:extLst>
+              </p:cNvPr>
+              <p:cNvSpPr>
+                <a:spLocks noChangeAspect="1"/>
+              </p:cNvSpPr>
+              <p:nvPr/>
+            </p:nvSpPr>
+            <p:spPr>
+              <a:xfrm>
+                <a:off x="5196000" y="1629357"/>
+                <a:ext cx="1800000" cy="1368479"/>
+              </a:xfrm>
+              <a:custGeom>
+                <a:avLst/>
+                <a:gdLst>
+                  <a:gd name="connsiteX0" fmla="*/ 897481 w 1800000"/>
+                  <a:gd name="connsiteY0" fmla="*/ 0 h 1368479"/>
+                  <a:gd name="connsiteX1" fmla="*/ 1755468 w 1800000"/>
+                  <a:gd name="connsiteY1" fmla="*/ 217250 h 1368479"/>
+                  <a:gd name="connsiteX2" fmla="*/ 1765290 w 1800000"/>
+                  <a:gd name="connsiteY2" fmla="*/ 223217 h 1368479"/>
+                  <a:gd name="connsiteX3" fmla="*/ 1781715 w 1800000"/>
+                  <a:gd name="connsiteY3" fmla="*/ 287098 h 1368479"/>
+                  <a:gd name="connsiteX4" fmla="*/ 1800000 w 1800000"/>
+                  <a:gd name="connsiteY4" fmla="*/ 468479 h 1368479"/>
+                  <a:gd name="connsiteX5" fmla="*/ 900000 w 1800000"/>
+                  <a:gd name="connsiteY5" fmla="*/ 1368479 h 1368479"/>
+                  <a:gd name="connsiteX6" fmla="*/ 0 w 1800000"/>
+                  <a:gd name="connsiteY6" fmla="*/ 468479 h 1368479"/>
+                  <a:gd name="connsiteX7" fmla="*/ 18285 w 1800000"/>
+                  <a:gd name="connsiteY7" fmla="*/ 287098 h 1368479"/>
+                  <a:gd name="connsiteX8" fmla="*/ 35643 w 1800000"/>
+                  <a:gd name="connsiteY8" fmla="*/ 219590 h 1368479"/>
+                  <a:gd name="connsiteX9" fmla="*/ 39494 w 1800000"/>
+                  <a:gd name="connsiteY9" fmla="*/ 217250 h 1368479"/>
+                  <a:gd name="connsiteX10" fmla="*/ 897481 w 1800000"/>
+                  <a:gd name="connsiteY10" fmla="*/ 0 h 1368479"/>
+                </a:gdLst>
+                <a:ahLst/>
+                <a:cxnLst>
+                  <a:cxn ang="0">
+                    <a:pos x="connsiteX0" y="connsiteY0"/>
+                  </a:cxn>
+                  <a:cxn ang="0">
+                    <a:pos x="connsiteX1" y="connsiteY1"/>
+                  </a:cxn>
+                  <a:cxn ang="0">
+                    <a:pos x="connsiteX2" y="connsiteY2"/>
+                  </a:cxn>
+                  <a:cxn ang="0">
+                    <a:pos x="connsiteX3" y="connsiteY3"/>
+                  </a:cxn>
+                  <a:cxn ang="0">
+                    <a:pos x="connsiteX4" y="connsiteY4"/>
+                  </a:cxn>
+                  <a:cxn ang="0">
+                    <a:pos x="connsiteX5" y="connsiteY5"/>
+                  </a:cxn>
+                  <a:cxn ang="0">
+                    <a:pos x="connsiteX6" y="connsiteY6"/>
+                  </a:cxn>
+                  <a:cxn ang="0">
+                    <a:pos x="connsiteX7" y="connsiteY7"/>
+                  </a:cxn>
+                  <a:cxn ang="0">
+                    <a:pos x="connsiteX8" y="connsiteY8"/>
+                  </a:cxn>
+                  <a:cxn ang="0">
+                    <a:pos x="connsiteX9" y="connsiteY9"/>
+                  </a:cxn>
+                  <a:cxn ang="0">
+                    <a:pos x="connsiteX10" y="connsiteY10"/>
+                  </a:cxn>
+                </a:cxnLst>
+                <a:rect l="l" t="t" r="r" b="b"/>
+                <a:pathLst>
+                  <a:path w="1800000" h="1368479">
+                    <a:moveTo>
+                      <a:pt x="897481" y="0"/>
+                    </a:moveTo>
+                    <a:cubicBezTo>
+                      <a:pt x="1208142" y="0"/>
+                      <a:pt x="1500420" y="78700"/>
+                      <a:pt x="1755468" y="217250"/>
+                    </a:cubicBezTo>
+                    <a:lnTo>
+                      <a:pt x="1765290" y="223217"/>
+                    </a:lnTo>
+                    <a:lnTo>
+                      <a:pt x="1781715" y="287098"/>
+                    </a:lnTo>
+                    <a:cubicBezTo>
+                      <a:pt x="1793704" y="345686"/>
+                      <a:pt x="1800000" y="406347"/>
+                      <a:pt x="1800000" y="468479"/>
+                    </a:cubicBezTo>
+                    <a:cubicBezTo>
+                      <a:pt x="1800000" y="965535"/>
+                      <a:pt x="1397056" y="1368479"/>
+                      <a:pt x="900000" y="1368479"/>
+                    </a:cubicBezTo>
+                    <a:cubicBezTo>
+                      <a:pt x="402944" y="1368479"/>
+                      <a:pt x="0" y="965535"/>
+                      <a:pt x="0" y="468479"/>
+                    </a:cubicBezTo>
+                    <a:cubicBezTo>
+                      <a:pt x="0" y="406347"/>
+                      <a:pt x="6296" y="345686"/>
+                      <a:pt x="18285" y="287098"/>
+                    </a:cubicBezTo>
+                    <a:lnTo>
+                      <a:pt x="35643" y="219590"/>
+                    </a:lnTo>
+                    <a:lnTo>
+                      <a:pt x="39494" y="217250"/>
+                    </a:lnTo>
+                    <a:cubicBezTo>
+                      <a:pt x="294542" y="78700"/>
+                      <a:pt x="586821" y="0"/>
+                      <a:pt x="897481" y="0"/>
+                    </a:cubicBezTo>
+                    <a:close/>
+                  </a:path>
+                </a:pathLst>
+              </a:custGeom>
+              <a:solidFill>
+                <a:srgbClr val="00B050"/>
+              </a:solidFill>
+              <a:ln>
+                <a:noFill/>
+              </a:ln>
+            </p:spPr>
+            <p:style>
+              <a:lnRef idx="2">
+                <a:schemeClr val="accent1">
+                  <a:shade val="50000"/>
+                </a:schemeClr>
+              </a:lnRef>
+              <a:fillRef idx="1">
+                <a:schemeClr val="accent1"/>
+              </a:fillRef>
+              <a:effectRef idx="0">
+                <a:schemeClr val="accent1"/>
+              </a:effectRef>
+              <a:fontRef idx="minor">
+                <a:schemeClr val="lt1"/>
+              </a:fontRef>
+            </p:style>
+            <p:txBody>
+              <a:bodyPr wrap="square" rtlCol="0" anchor="ctr">
+                <a:noAutofit/>
+              </a:bodyPr>
+              <a:lstStyle/>
+              <a:p>
+                <a:pPr algn="ctr"/>
+                <a:endParaRPr lang="zh-CN" altLang="en-US"/>
+              </a:p>
+            </p:txBody>
+          </p:sp>
+          <p:sp>
+            <p:nvSpPr>
+              <p:cNvPr id="27" name="任意多边形: 形状 26">
+                <a:extLst>
+                  <a:ext uri="{FF2B5EF4-FFF2-40B4-BE49-F238E27FC236}">
+                    <a16:creationId xmlns:a16="http://schemas.microsoft.com/office/drawing/2014/main" id="{86D2ADBD-998F-43F2-B057-E02DAC36038E}"/>
+                  </a:ext>
+                </a:extLst>
+              </p:cNvPr>
+              <p:cNvSpPr/>
+              <p:nvPr/>
+            </p:nvSpPr>
+            <p:spPr>
+              <a:xfrm>
+                <a:off x="5591585" y="2251943"/>
+                <a:ext cx="360000" cy="2405782"/>
+              </a:xfrm>
+              <a:custGeom>
+                <a:avLst/>
+                <a:gdLst>
+                  <a:gd name="connsiteX0" fmla="*/ 0 w 360000"/>
+                  <a:gd name="connsiteY0" fmla="*/ 0 h 2405782"/>
+                  <a:gd name="connsiteX1" fmla="*/ 360000 w 360000"/>
+                  <a:gd name="connsiteY1" fmla="*/ 0 h 2405782"/>
+                  <a:gd name="connsiteX2" fmla="*/ 360000 w 360000"/>
+                  <a:gd name="connsiteY2" fmla="*/ 2405782 h 2405782"/>
+                  <a:gd name="connsiteX3" fmla="*/ 0 w 360000"/>
+                  <a:gd name="connsiteY3" fmla="*/ 2405782 h 2405782"/>
+                </a:gdLst>
+                <a:ahLst/>
+                <a:cxnLst>
+                  <a:cxn ang="0">
+                    <a:pos x="connsiteX0" y="connsiteY0"/>
+                  </a:cxn>
+                  <a:cxn ang="0">
+                    <a:pos x="connsiteX1" y="connsiteY1"/>
+                  </a:cxn>
+                  <a:cxn ang="0">
+                    <a:pos x="connsiteX2" y="connsiteY2"/>
+                  </a:cxn>
+                  <a:cxn ang="0">
+                    <a:pos x="connsiteX3" y="connsiteY3"/>
+                  </a:cxn>
+                </a:cxnLst>
+                <a:rect l="l" t="t" r="r" b="b"/>
+                <a:pathLst>
+                  <a:path w="360000" h="2405782">
+                    <a:moveTo>
+                      <a:pt x="0" y="0"/>
+                    </a:moveTo>
+                    <a:lnTo>
+                      <a:pt x="360000" y="0"/>
+                    </a:lnTo>
+                    <a:lnTo>
+                      <a:pt x="360000" y="2405782"/>
+                    </a:lnTo>
+                    <a:lnTo>
+                      <a:pt x="0" y="2405782"/>
+                    </a:lnTo>
+                    <a:close/>
+                  </a:path>
+                </a:pathLst>
+              </a:custGeom>
+              <a:solidFill>
+                <a:schemeClr val="bg1"/>
+              </a:solidFill>
+              <a:ln>
+                <a:noFill/>
+              </a:ln>
+            </p:spPr>
+            <p:style>
+              <a:lnRef idx="2">
+                <a:schemeClr val="accent1">
+                  <a:shade val="50000"/>
+                </a:schemeClr>
+              </a:lnRef>
+              <a:fillRef idx="1">
+                <a:schemeClr val="accent1"/>
+              </a:fillRef>
+              <a:effectRef idx="0">
+                <a:schemeClr val="accent1"/>
+              </a:effectRef>
+              <a:fontRef idx="minor">
+                <a:schemeClr val="lt1"/>
+              </a:fontRef>
+            </p:style>
+            <p:txBody>
+              <a:bodyPr wrap="square" rtlCol="0" anchor="ctr">
+                <a:noAutofit/>
+              </a:bodyPr>
+              <a:lstStyle/>
+              <a:p>
+                <a:pPr algn="ctr"/>
+                <a:endParaRPr lang="zh-CN" altLang="en-US"/>
+              </a:p>
+            </p:txBody>
+          </p:sp>
+          <p:sp>
+            <p:nvSpPr>
+              <p:cNvPr id="28" name="任意多边形: 形状 27">
+                <a:extLst>
+                  <a:ext uri="{FF2B5EF4-FFF2-40B4-BE49-F238E27FC236}">
+                    <a16:creationId xmlns:a16="http://schemas.microsoft.com/office/drawing/2014/main" id="{F22C2C65-D068-41E4-A0B9-79DC3F6424F3}"/>
+                  </a:ext>
+                </a:extLst>
+              </p:cNvPr>
+              <p:cNvSpPr/>
+              <p:nvPr/>
+            </p:nvSpPr>
+            <p:spPr>
+              <a:xfrm>
+                <a:off x="6238319" y="2251943"/>
+                <a:ext cx="360000" cy="2405782"/>
+              </a:xfrm>
+              <a:custGeom>
+                <a:avLst/>
+                <a:gdLst>
+                  <a:gd name="connsiteX0" fmla="*/ 0 w 360000"/>
+                  <a:gd name="connsiteY0" fmla="*/ 0 h 2405782"/>
+                  <a:gd name="connsiteX1" fmla="*/ 360000 w 360000"/>
+                  <a:gd name="connsiteY1" fmla="*/ 0 h 2405782"/>
+                  <a:gd name="connsiteX2" fmla="*/ 360000 w 360000"/>
+                  <a:gd name="connsiteY2" fmla="*/ 2405782 h 2405782"/>
+                  <a:gd name="connsiteX3" fmla="*/ 0 w 360000"/>
+                  <a:gd name="connsiteY3" fmla="*/ 2405782 h 2405782"/>
+                </a:gdLst>
+                <a:ahLst/>
+                <a:cxnLst>
+                  <a:cxn ang="0">
+                    <a:pos x="connsiteX0" y="connsiteY0"/>
+                  </a:cxn>
+                  <a:cxn ang="0">
+                    <a:pos x="connsiteX1" y="connsiteY1"/>
+                  </a:cxn>
+                  <a:cxn ang="0">
+                    <a:pos x="connsiteX2" y="connsiteY2"/>
+                  </a:cxn>
+                  <a:cxn ang="0">
+                    <a:pos x="connsiteX3" y="connsiteY3"/>
+                  </a:cxn>
+                </a:cxnLst>
+                <a:rect l="l" t="t" r="r" b="b"/>
+                <a:pathLst>
+                  <a:path w="360000" h="2405782">
+                    <a:moveTo>
+                      <a:pt x="0" y="0"/>
+                    </a:moveTo>
+                    <a:lnTo>
+                      <a:pt x="360000" y="0"/>
+                    </a:lnTo>
+                    <a:lnTo>
+                      <a:pt x="360000" y="2405782"/>
+                    </a:lnTo>
+                    <a:lnTo>
+                      <a:pt x="0" y="2405782"/>
+                    </a:lnTo>
+                    <a:close/>
+                  </a:path>
+                </a:pathLst>
+              </a:custGeom>
+              <a:solidFill>
+                <a:schemeClr val="bg1"/>
+              </a:solidFill>
+              <a:ln>
+                <a:noFill/>
+              </a:ln>
+            </p:spPr>
+            <p:style>
+              <a:lnRef idx="2">
+                <a:schemeClr val="accent1">
+                  <a:shade val="50000"/>
+                </a:schemeClr>
+              </a:lnRef>
+              <a:fillRef idx="1">
+                <a:schemeClr val="accent1"/>
+              </a:fillRef>
+              <a:effectRef idx="0">
+                <a:schemeClr val="accent1"/>
+              </a:effectRef>
+              <a:fontRef idx="minor">
+                <a:schemeClr val="lt1"/>
+              </a:fontRef>
+            </p:style>
+            <p:txBody>
+              <a:bodyPr wrap="square" rtlCol="0" anchor="ctr">
+                <a:noAutofit/>
+              </a:bodyPr>
+              <a:lstStyle/>
+              <a:p>
+                <a:pPr algn="ctr"/>
+                <a:endParaRPr lang="zh-CN" altLang="en-US"/>
+              </a:p>
+            </p:txBody>
+          </p:sp>
+        </p:grpSp>
+      </p:grpSp>
+    </p:spTree>
+    <p:extLst>
+      <p:ext uri="{BB962C8B-B14F-4D97-AF65-F5344CB8AC3E}">
+        <p14:creationId xmlns:p14="http://schemas.microsoft.com/office/powerpoint/2010/main" val="1053113125"/>
+      </p:ext>
+    </p:extLst>
+  </p:cSld>
+  <p:clrMapOvr>
+    <a:masterClrMapping/>
+  </p:clrMapOvr>
+</p:sld>
+</file>
+
 <file path=ppt/theme/theme1.xml><?xml version="1.0" encoding="utf-8"?>
 <a:theme xmlns:a="http://schemas.openxmlformats.org/drawingml/2006/main" name="Office 主题​​">
   <a:themeElements>
